--- a/02_C/05_Fonctions/Fonctions.pptx
+++ b/02_C/05_Fonctions/Fonctions.pptx
@@ -5,7 +5,7 @@
     <p:sldMasterId id="2147483648" r:id="rId1"/>
   </p:sldMasterIdLst>
   <p:notesMasterIdLst>
-    <p:notesMasterId r:id="rId27"/>
+    <p:notesMasterId r:id="rId30"/>
   </p:notesMasterIdLst>
   <p:sldIdLst>
     <p:sldId id="256" r:id="rId2"/>
@@ -33,6 +33,9 @@
     <p:sldId id="327" r:id="rId24"/>
     <p:sldId id="328" r:id="rId25"/>
     <p:sldId id="329" r:id="rId26"/>
+    <p:sldId id="333" r:id="rId27"/>
+    <p:sldId id="335" r:id="rId28"/>
+    <p:sldId id="336" r:id="rId29"/>
   </p:sldIdLst>
   <p:sldSz cx="12192000" cy="6858000"/>
   <p:notesSz cx="6858000" cy="9144000"/>
@@ -221,7 +224,7 @@
           <a:p>
             <a:fld id="{8DEB0513-166D-419D-A23A-FFF225EA8D8D}" type="datetimeFigureOut">
               <a:rPr lang="fr-FR" smtClean="0"/>
-              <a:t>15/12/2020</a:t>
+              <a:t>17/12/2020</a:t>
             </a:fld>
             <a:endParaRPr lang="fr-FR"/>
           </a:p>
@@ -708,7 +711,7 @@
           <p:cNvPr id="2" name="Titre 1">
             <a:extLst>
               <a:ext uri="{FF2B5EF4-FFF2-40B4-BE49-F238E27FC236}">
-                <a16:creationId xmlns:a16="http://schemas.microsoft.com/office/drawing/2014/main" id="{01B851D2-74BF-4C77-A824-C4613E75948D}"/>
+                <a16:creationId xmlns:a16="http://schemas.microsoft.com/office/drawing/2014/main" xmlns="" id="{01B851D2-74BF-4C77-A824-C4613E75948D}"/>
               </a:ext>
             </a:extLst>
           </p:cNvPr>
@@ -745,7 +748,7 @@
           <p:cNvPr id="3" name="Sous-titre 2">
             <a:extLst>
               <a:ext uri="{FF2B5EF4-FFF2-40B4-BE49-F238E27FC236}">
-                <a16:creationId xmlns:a16="http://schemas.microsoft.com/office/drawing/2014/main" id="{E283205C-8030-451C-9E57-7D45CFCE4A91}"/>
+                <a16:creationId xmlns:a16="http://schemas.microsoft.com/office/drawing/2014/main" xmlns="" id="{E283205C-8030-451C-9E57-7D45CFCE4A91}"/>
               </a:ext>
             </a:extLst>
           </p:cNvPr>
@@ -815,7 +818,7 @@
           <p:cNvPr id="4" name="Espace réservé de la date 3">
             <a:extLst>
               <a:ext uri="{FF2B5EF4-FFF2-40B4-BE49-F238E27FC236}">
-                <a16:creationId xmlns:a16="http://schemas.microsoft.com/office/drawing/2014/main" id="{89DEB647-E218-499F-80ED-41C858A105E5}"/>
+                <a16:creationId xmlns:a16="http://schemas.microsoft.com/office/drawing/2014/main" xmlns="" id="{89DEB647-E218-499F-80ED-41C858A105E5}"/>
               </a:ext>
             </a:extLst>
           </p:cNvPr>
@@ -833,7 +836,7 @@
           <a:p>
             <a:fld id="{54930BD5-D304-4C12-AB9E-F949069E4F2A}" type="datetimeFigureOut">
               <a:rPr lang="fr-FR" smtClean="0"/>
-              <a:t>15/12/2020</a:t>
+              <a:t>17/12/2020</a:t>
             </a:fld>
             <a:endParaRPr lang="fr-FR"/>
           </a:p>
@@ -844,7 +847,7 @@
           <p:cNvPr id="5" name="Espace réservé du pied de page 4">
             <a:extLst>
               <a:ext uri="{FF2B5EF4-FFF2-40B4-BE49-F238E27FC236}">
-                <a16:creationId xmlns:a16="http://schemas.microsoft.com/office/drawing/2014/main" id="{779BE1AB-694A-422F-B036-76B0F83ED7E5}"/>
+                <a16:creationId xmlns:a16="http://schemas.microsoft.com/office/drawing/2014/main" xmlns="" id="{779BE1AB-694A-422F-B036-76B0F83ED7E5}"/>
               </a:ext>
             </a:extLst>
           </p:cNvPr>
@@ -869,7 +872,7 @@
           <p:cNvPr id="6" name="Espace réservé du numéro de diapositive 5">
             <a:extLst>
               <a:ext uri="{FF2B5EF4-FFF2-40B4-BE49-F238E27FC236}">
-                <a16:creationId xmlns:a16="http://schemas.microsoft.com/office/drawing/2014/main" id="{4DD05F5E-86FA-48DD-9646-E80DF2A6BFE0}"/>
+                <a16:creationId xmlns:a16="http://schemas.microsoft.com/office/drawing/2014/main" xmlns="" id="{4DD05F5E-86FA-48DD-9646-E80DF2A6BFE0}"/>
               </a:ext>
             </a:extLst>
           </p:cNvPr>
@@ -928,7 +931,7 @@
           <p:cNvPr id="2" name="Titre 1">
             <a:extLst>
               <a:ext uri="{FF2B5EF4-FFF2-40B4-BE49-F238E27FC236}">
-                <a16:creationId xmlns:a16="http://schemas.microsoft.com/office/drawing/2014/main" id="{C72C646D-CD87-4E86-83E5-6D196EED23B3}"/>
+                <a16:creationId xmlns:a16="http://schemas.microsoft.com/office/drawing/2014/main" xmlns="" id="{C72C646D-CD87-4E86-83E5-6D196EED23B3}"/>
               </a:ext>
             </a:extLst>
           </p:cNvPr>
@@ -956,7 +959,7 @@
           <p:cNvPr id="3" name="Espace réservé du texte vertical 2">
             <a:extLst>
               <a:ext uri="{FF2B5EF4-FFF2-40B4-BE49-F238E27FC236}">
-                <a16:creationId xmlns:a16="http://schemas.microsoft.com/office/drawing/2014/main" id="{ED319EFC-9019-404D-A1E8-96A54DAC7EB6}"/>
+                <a16:creationId xmlns:a16="http://schemas.microsoft.com/office/drawing/2014/main" xmlns="" id="{ED319EFC-9019-404D-A1E8-96A54DAC7EB6}"/>
               </a:ext>
             </a:extLst>
           </p:cNvPr>
@@ -1013,7 +1016,7 @@
           <p:cNvPr id="4" name="Espace réservé de la date 3">
             <a:extLst>
               <a:ext uri="{FF2B5EF4-FFF2-40B4-BE49-F238E27FC236}">
-                <a16:creationId xmlns:a16="http://schemas.microsoft.com/office/drawing/2014/main" id="{1679F312-47BB-4C07-85BB-8956C0E650DD}"/>
+                <a16:creationId xmlns:a16="http://schemas.microsoft.com/office/drawing/2014/main" xmlns="" id="{1679F312-47BB-4C07-85BB-8956C0E650DD}"/>
               </a:ext>
             </a:extLst>
           </p:cNvPr>
@@ -1031,7 +1034,7 @@
           <a:p>
             <a:fld id="{54930BD5-D304-4C12-AB9E-F949069E4F2A}" type="datetimeFigureOut">
               <a:rPr lang="fr-FR" smtClean="0"/>
-              <a:t>15/12/2020</a:t>
+              <a:t>17/12/2020</a:t>
             </a:fld>
             <a:endParaRPr lang="fr-FR"/>
           </a:p>
@@ -1042,7 +1045,7 @@
           <p:cNvPr id="5" name="Espace réservé du pied de page 4">
             <a:extLst>
               <a:ext uri="{FF2B5EF4-FFF2-40B4-BE49-F238E27FC236}">
-                <a16:creationId xmlns:a16="http://schemas.microsoft.com/office/drawing/2014/main" id="{CC62C72C-7135-43C7-AEB0-601B411B5FC0}"/>
+                <a16:creationId xmlns:a16="http://schemas.microsoft.com/office/drawing/2014/main" xmlns="" id="{CC62C72C-7135-43C7-AEB0-601B411B5FC0}"/>
               </a:ext>
             </a:extLst>
           </p:cNvPr>
@@ -1067,7 +1070,7 @@
           <p:cNvPr id="6" name="Espace réservé du numéro de diapositive 5">
             <a:extLst>
               <a:ext uri="{FF2B5EF4-FFF2-40B4-BE49-F238E27FC236}">
-                <a16:creationId xmlns:a16="http://schemas.microsoft.com/office/drawing/2014/main" id="{782A235D-6A8E-4203-B528-8059EE806742}"/>
+                <a16:creationId xmlns:a16="http://schemas.microsoft.com/office/drawing/2014/main" xmlns="" id="{782A235D-6A8E-4203-B528-8059EE806742}"/>
               </a:ext>
             </a:extLst>
           </p:cNvPr>
@@ -1126,7 +1129,7 @@
           <p:cNvPr id="2" name="Titre vertical 1">
             <a:extLst>
               <a:ext uri="{FF2B5EF4-FFF2-40B4-BE49-F238E27FC236}">
-                <a16:creationId xmlns:a16="http://schemas.microsoft.com/office/drawing/2014/main" id="{72C1AE67-2173-494C-B7E9-CE363AEB203F}"/>
+                <a16:creationId xmlns:a16="http://schemas.microsoft.com/office/drawing/2014/main" xmlns="" id="{72C1AE67-2173-494C-B7E9-CE363AEB203F}"/>
               </a:ext>
             </a:extLst>
           </p:cNvPr>
@@ -1159,7 +1162,7 @@
           <p:cNvPr id="3" name="Espace réservé du texte vertical 2">
             <a:extLst>
               <a:ext uri="{FF2B5EF4-FFF2-40B4-BE49-F238E27FC236}">
-                <a16:creationId xmlns:a16="http://schemas.microsoft.com/office/drawing/2014/main" id="{095ECE98-2B33-4C77-BB96-E4C2A626584C}"/>
+                <a16:creationId xmlns:a16="http://schemas.microsoft.com/office/drawing/2014/main" xmlns="" id="{095ECE98-2B33-4C77-BB96-E4C2A626584C}"/>
               </a:ext>
             </a:extLst>
           </p:cNvPr>
@@ -1221,7 +1224,7 @@
           <p:cNvPr id="4" name="Espace réservé de la date 3">
             <a:extLst>
               <a:ext uri="{FF2B5EF4-FFF2-40B4-BE49-F238E27FC236}">
-                <a16:creationId xmlns:a16="http://schemas.microsoft.com/office/drawing/2014/main" id="{B95DC0A1-A382-4EF2-9175-1DC86A50076F}"/>
+                <a16:creationId xmlns:a16="http://schemas.microsoft.com/office/drawing/2014/main" xmlns="" id="{B95DC0A1-A382-4EF2-9175-1DC86A50076F}"/>
               </a:ext>
             </a:extLst>
           </p:cNvPr>
@@ -1239,7 +1242,7 @@
           <a:p>
             <a:fld id="{54930BD5-D304-4C12-AB9E-F949069E4F2A}" type="datetimeFigureOut">
               <a:rPr lang="fr-FR" smtClean="0"/>
-              <a:t>15/12/2020</a:t>
+              <a:t>17/12/2020</a:t>
             </a:fld>
             <a:endParaRPr lang="fr-FR"/>
           </a:p>
@@ -1250,7 +1253,7 @@
           <p:cNvPr id="5" name="Espace réservé du pied de page 4">
             <a:extLst>
               <a:ext uri="{FF2B5EF4-FFF2-40B4-BE49-F238E27FC236}">
-                <a16:creationId xmlns:a16="http://schemas.microsoft.com/office/drawing/2014/main" id="{CF4291CF-B3B2-447D-89E8-EA6A5BBCD877}"/>
+                <a16:creationId xmlns:a16="http://schemas.microsoft.com/office/drawing/2014/main" xmlns="" id="{CF4291CF-B3B2-447D-89E8-EA6A5BBCD877}"/>
               </a:ext>
             </a:extLst>
           </p:cNvPr>
@@ -1275,7 +1278,7 @@
           <p:cNvPr id="6" name="Espace réservé du numéro de diapositive 5">
             <a:extLst>
               <a:ext uri="{FF2B5EF4-FFF2-40B4-BE49-F238E27FC236}">
-                <a16:creationId xmlns:a16="http://schemas.microsoft.com/office/drawing/2014/main" id="{668FB300-B227-49EB-B4B8-F4373891C384}"/>
+                <a16:creationId xmlns:a16="http://schemas.microsoft.com/office/drawing/2014/main" xmlns="" id="{668FB300-B227-49EB-B4B8-F4373891C384}"/>
               </a:ext>
             </a:extLst>
           </p:cNvPr>
@@ -1334,7 +1337,7 @@
           <p:cNvPr id="2" name="Titre 1">
             <a:extLst>
               <a:ext uri="{FF2B5EF4-FFF2-40B4-BE49-F238E27FC236}">
-                <a16:creationId xmlns:a16="http://schemas.microsoft.com/office/drawing/2014/main" id="{1A726E01-3A06-448F-9921-2B2B58520A13}"/>
+                <a16:creationId xmlns:a16="http://schemas.microsoft.com/office/drawing/2014/main" xmlns="" id="{1A726E01-3A06-448F-9921-2B2B58520A13}"/>
               </a:ext>
             </a:extLst>
           </p:cNvPr>
@@ -1362,7 +1365,7 @@
           <p:cNvPr id="3" name="Espace réservé du contenu 2">
             <a:extLst>
               <a:ext uri="{FF2B5EF4-FFF2-40B4-BE49-F238E27FC236}">
-                <a16:creationId xmlns:a16="http://schemas.microsoft.com/office/drawing/2014/main" id="{BABA014B-3FE5-4CEC-98E5-1C4ABDA41BFA}"/>
+                <a16:creationId xmlns:a16="http://schemas.microsoft.com/office/drawing/2014/main" xmlns="" id="{BABA014B-3FE5-4CEC-98E5-1C4ABDA41BFA}"/>
               </a:ext>
             </a:extLst>
           </p:cNvPr>
@@ -1419,7 +1422,7 @@
           <p:cNvPr id="4" name="Espace réservé de la date 3">
             <a:extLst>
               <a:ext uri="{FF2B5EF4-FFF2-40B4-BE49-F238E27FC236}">
-                <a16:creationId xmlns:a16="http://schemas.microsoft.com/office/drawing/2014/main" id="{E362EB66-C52F-4DF7-8DA8-2F73FA266972}"/>
+                <a16:creationId xmlns:a16="http://schemas.microsoft.com/office/drawing/2014/main" xmlns="" id="{E362EB66-C52F-4DF7-8DA8-2F73FA266972}"/>
               </a:ext>
             </a:extLst>
           </p:cNvPr>
@@ -1437,7 +1440,7 @@
           <a:p>
             <a:fld id="{54930BD5-D304-4C12-AB9E-F949069E4F2A}" type="datetimeFigureOut">
               <a:rPr lang="fr-FR" smtClean="0"/>
-              <a:t>15/12/2020</a:t>
+              <a:t>17/12/2020</a:t>
             </a:fld>
             <a:endParaRPr lang="fr-FR"/>
           </a:p>
@@ -1448,7 +1451,7 @@
           <p:cNvPr id="5" name="Espace réservé du pied de page 4">
             <a:extLst>
               <a:ext uri="{FF2B5EF4-FFF2-40B4-BE49-F238E27FC236}">
-                <a16:creationId xmlns:a16="http://schemas.microsoft.com/office/drawing/2014/main" id="{97391F5A-2763-4BA0-A4C5-3E73E2EE0C46}"/>
+                <a16:creationId xmlns:a16="http://schemas.microsoft.com/office/drawing/2014/main" xmlns="" id="{97391F5A-2763-4BA0-A4C5-3E73E2EE0C46}"/>
               </a:ext>
             </a:extLst>
           </p:cNvPr>
@@ -1473,7 +1476,7 @@
           <p:cNvPr id="6" name="Espace réservé du numéro de diapositive 5">
             <a:extLst>
               <a:ext uri="{FF2B5EF4-FFF2-40B4-BE49-F238E27FC236}">
-                <a16:creationId xmlns:a16="http://schemas.microsoft.com/office/drawing/2014/main" id="{E2232ACF-9BEB-4D2B-875C-2C634EC10924}"/>
+                <a16:creationId xmlns:a16="http://schemas.microsoft.com/office/drawing/2014/main" xmlns="" id="{E2232ACF-9BEB-4D2B-875C-2C634EC10924}"/>
               </a:ext>
             </a:extLst>
           </p:cNvPr>
@@ -1532,7 +1535,7 @@
           <p:cNvPr id="2" name="Titre 1">
             <a:extLst>
               <a:ext uri="{FF2B5EF4-FFF2-40B4-BE49-F238E27FC236}">
-                <a16:creationId xmlns:a16="http://schemas.microsoft.com/office/drawing/2014/main" id="{4EA0E3AB-284C-48DA-A5AA-3AF08BBDD3E8}"/>
+                <a16:creationId xmlns:a16="http://schemas.microsoft.com/office/drawing/2014/main" xmlns="" id="{4EA0E3AB-284C-48DA-A5AA-3AF08BBDD3E8}"/>
               </a:ext>
             </a:extLst>
           </p:cNvPr>
@@ -1569,7 +1572,7 @@
           <p:cNvPr id="3" name="Espace réservé du texte 2">
             <a:extLst>
               <a:ext uri="{FF2B5EF4-FFF2-40B4-BE49-F238E27FC236}">
-                <a16:creationId xmlns:a16="http://schemas.microsoft.com/office/drawing/2014/main" id="{07879D22-F306-4E6A-AED8-7484018F3DC3}"/>
+                <a16:creationId xmlns:a16="http://schemas.microsoft.com/office/drawing/2014/main" xmlns="" id="{07879D22-F306-4E6A-AED8-7484018F3DC3}"/>
               </a:ext>
             </a:extLst>
           </p:cNvPr>
@@ -1694,7 +1697,7 @@
           <p:cNvPr id="4" name="Espace réservé de la date 3">
             <a:extLst>
               <a:ext uri="{FF2B5EF4-FFF2-40B4-BE49-F238E27FC236}">
-                <a16:creationId xmlns:a16="http://schemas.microsoft.com/office/drawing/2014/main" id="{C05FC685-3F2C-4C6D-8E8E-2840D2841E06}"/>
+                <a16:creationId xmlns:a16="http://schemas.microsoft.com/office/drawing/2014/main" xmlns="" id="{C05FC685-3F2C-4C6D-8E8E-2840D2841E06}"/>
               </a:ext>
             </a:extLst>
           </p:cNvPr>
@@ -1712,7 +1715,7 @@
           <a:p>
             <a:fld id="{54930BD5-D304-4C12-AB9E-F949069E4F2A}" type="datetimeFigureOut">
               <a:rPr lang="fr-FR" smtClean="0"/>
-              <a:t>15/12/2020</a:t>
+              <a:t>17/12/2020</a:t>
             </a:fld>
             <a:endParaRPr lang="fr-FR"/>
           </a:p>
@@ -1723,7 +1726,7 @@
           <p:cNvPr id="5" name="Espace réservé du pied de page 4">
             <a:extLst>
               <a:ext uri="{FF2B5EF4-FFF2-40B4-BE49-F238E27FC236}">
-                <a16:creationId xmlns:a16="http://schemas.microsoft.com/office/drawing/2014/main" id="{4E105B79-C59B-447D-9F91-FB3F51D84047}"/>
+                <a16:creationId xmlns:a16="http://schemas.microsoft.com/office/drawing/2014/main" xmlns="" id="{4E105B79-C59B-447D-9F91-FB3F51D84047}"/>
               </a:ext>
             </a:extLst>
           </p:cNvPr>
@@ -1748,7 +1751,7 @@
           <p:cNvPr id="6" name="Espace réservé du numéro de diapositive 5">
             <a:extLst>
               <a:ext uri="{FF2B5EF4-FFF2-40B4-BE49-F238E27FC236}">
-                <a16:creationId xmlns:a16="http://schemas.microsoft.com/office/drawing/2014/main" id="{188D5CA2-C6B9-4600-92C4-E64CCB5253B0}"/>
+                <a16:creationId xmlns:a16="http://schemas.microsoft.com/office/drawing/2014/main" xmlns="" id="{188D5CA2-C6B9-4600-92C4-E64CCB5253B0}"/>
               </a:ext>
             </a:extLst>
           </p:cNvPr>
@@ -1807,7 +1810,7 @@
           <p:cNvPr id="2" name="Titre 1">
             <a:extLst>
               <a:ext uri="{FF2B5EF4-FFF2-40B4-BE49-F238E27FC236}">
-                <a16:creationId xmlns:a16="http://schemas.microsoft.com/office/drawing/2014/main" id="{46AFC18F-A9B1-41C6-8422-2E606718AC05}"/>
+                <a16:creationId xmlns:a16="http://schemas.microsoft.com/office/drawing/2014/main" xmlns="" id="{46AFC18F-A9B1-41C6-8422-2E606718AC05}"/>
               </a:ext>
             </a:extLst>
           </p:cNvPr>
@@ -1835,7 +1838,7 @@
           <p:cNvPr id="3" name="Espace réservé du contenu 2">
             <a:extLst>
               <a:ext uri="{FF2B5EF4-FFF2-40B4-BE49-F238E27FC236}">
-                <a16:creationId xmlns:a16="http://schemas.microsoft.com/office/drawing/2014/main" id="{BE5A8C71-F48C-4411-9EC2-FC7032EF14A3}"/>
+                <a16:creationId xmlns:a16="http://schemas.microsoft.com/office/drawing/2014/main" xmlns="" id="{BE5A8C71-F48C-4411-9EC2-FC7032EF14A3}"/>
               </a:ext>
             </a:extLst>
           </p:cNvPr>
@@ -1897,7 +1900,7 @@
           <p:cNvPr id="4" name="Espace réservé du contenu 3">
             <a:extLst>
               <a:ext uri="{FF2B5EF4-FFF2-40B4-BE49-F238E27FC236}">
-                <a16:creationId xmlns:a16="http://schemas.microsoft.com/office/drawing/2014/main" id="{32EEE598-B2BB-418E-A986-004888C0EE19}"/>
+                <a16:creationId xmlns:a16="http://schemas.microsoft.com/office/drawing/2014/main" xmlns="" id="{32EEE598-B2BB-418E-A986-004888C0EE19}"/>
               </a:ext>
             </a:extLst>
           </p:cNvPr>
@@ -1959,7 +1962,7 @@
           <p:cNvPr id="5" name="Espace réservé de la date 4">
             <a:extLst>
               <a:ext uri="{FF2B5EF4-FFF2-40B4-BE49-F238E27FC236}">
-                <a16:creationId xmlns:a16="http://schemas.microsoft.com/office/drawing/2014/main" id="{8138B20A-9EBC-4612-9149-F1764C1EC517}"/>
+                <a16:creationId xmlns:a16="http://schemas.microsoft.com/office/drawing/2014/main" xmlns="" id="{8138B20A-9EBC-4612-9149-F1764C1EC517}"/>
               </a:ext>
             </a:extLst>
           </p:cNvPr>
@@ -1977,7 +1980,7 @@
           <a:p>
             <a:fld id="{54930BD5-D304-4C12-AB9E-F949069E4F2A}" type="datetimeFigureOut">
               <a:rPr lang="fr-FR" smtClean="0"/>
-              <a:t>15/12/2020</a:t>
+              <a:t>17/12/2020</a:t>
             </a:fld>
             <a:endParaRPr lang="fr-FR"/>
           </a:p>
@@ -1988,7 +1991,7 @@
           <p:cNvPr id="6" name="Espace réservé du pied de page 5">
             <a:extLst>
               <a:ext uri="{FF2B5EF4-FFF2-40B4-BE49-F238E27FC236}">
-                <a16:creationId xmlns:a16="http://schemas.microsoft.com/office/drawing/2014/main" id="{E22A3ADF-2C3A-4E31-8D05-50972CDFC6F0}"/>
+                <a16:creationId xmlns:a16="http://schemas.microsoft.com/office/drawing/2014/main" xmlns="" id="{E22A3ADF-2C3A-4E31-8D05-50972CDFC6F0}"/>
               </a:ext>
             </a:extLst>
           </p:cNvPr>
@@ -2013,7 +2016,7 @@
           <p:cNvPr id="7" name="Espace réservé du numéro de diapositive 6">
             <a:extLst>
               <a:ext uri="{FF2B5EF4-FFF2-40B4-BE49-F238E27FC236}">
-                <a16:creationId xmlns:a16="http://schemas.microsoft.com/office/drawing/2014/main" id="{E75442C3-D951-417D-989F-02B14734175A}"/>
+                <a16:creationId xmlns:a16="http://schemas.microsoft.com/office/drawing/2014/main" xmlns="" id="{E75442C3-D951-417D-989F-02B14734175A}"/>
               </a:ext>
             </a:extLst>
           </p:cNvPr>
@@ -2072,7 +2075,7 @@
           <p:cNvPr id="2" name="Titre 1">
             <a:extLst>
               <a:ext uri="{FF2B5EF4-FFF2-40B4-BE49-F238E27FC236}">
-                <a16:creationId xmlns:a16="http://schemas.microsoft.com/office/drawing/2014/main" id="{AFE04500-22AD-41CC-83F0-8F244A400846}"/>
+                <a16:creationId xmlns:a16="http://schemas.microsoft.com/office/drawing/2014/main" xmlns="" id="{AFE04500-22AD-41CC-83F0-8F244A400846}"/>
               </a:ext>
             </a:extLst>
           </p:cNvPr>
@@ -2105,7 +2108,7 @@
           <p:cNvPr id="3" name="Espace réservé du texte 2">
             <a:extLst>
               <a:ext uri="{FF2B5EF4-FFF2-40B4-BE49-F238E27FC236}">
-                <a16:creationId xmlns:a16="http://schemas.microsoft.com/office/drawing/2014/main" id="{53023A2C-208B-4881-8884-C702BD0D9750}"/>
+                <a16:creationId xmlns:a16="http://schemas.microsoft.com/office/drawing/2014/main" xmlns="" id="{53023A2C-208B-4881-8884-C702BD0D9750}"/>
               </a:ext>
             </a:extLst>
           </p:cNvPr>
@@ -2176,7 +2179,7 @@
           <p:cNvPr id="4" name="Espace réservé du contenu 3">
             <a:extLst>
               <a:ext uri="{FF2B5EF4-FFF2-40B4-BE49-F238E27FC236}">
-                <a16:creationId xmlns:a16="http://schemas.microsoft.com/office/drawing/2014/main" id="{28A395F8-2B84-4A97-BB87-2FC0B1349740}"/>
+                <a16:creationId xmlns:a16="http://schemas.microsoft.com/office/drawing/2014/main" xmlns="" id="{28A395F8-2B84-4A97-BB87-2FC0B1349740}"/>
               </a:ext>
             </a:extLst>
           </p:cNvPr>
@@ -2238,7 +2241,7 @@
           <p:cNvPr id="5" name="Espace réservé du texte 4">
             <a:extLst>
               <a:ext uri="{FF2B5EF4-FFF2-40B4-BE49-F238E27FC236}">
-                <a16:creationId xmlns:a16="http://schemas.microsoft.com/office/drawing/2014/main" id="{B40B8ECB-2902-4A50-8219-A73E7CA2944A}"/>
+                <a16:creationId xmlns:a16="http://schemas.microsoft.com/office/drawing/2014/main" xmlns="" id="{B40B8ECB-2902-4A50-8219-A73E7CA2944A}"/>
               </a:ext>
             </a:extLst>
           </p:cNvPr>
@@ -2309,7 +2312,7 @@
           <p:cNvPr id="6" name="Espace réservé du contenu 5">
             <a:extLst>
               <a:ext uri="{FF2B5EF4-FFF2-40B4-BE49-F238E27FC236}">
-                <a16:creationId xmlns:a16="http://schemas.microsoft.com/office/drawing/2014/main" id="{E485A59A-85CC-48F1-A1C8-8B47B076C804}"/>
+                <a16:creationId xmlns:a16="http://schemas.microsoft.com/office/drawing/2014/main" xmlns="" id="{E485A59A-85CC-48F1-A1C8-8B47B076C804}"/>
               </a:ext>
             </a:extLst>
           </p:cNvPr>
@@ -2371,7 +2374,7 @@
           <p:cNvPr id="7" name="Espace réservé de la date 6">
             <a:extLst>
               <a:ext uri="{FF2B5EF4-FFF2-40B4-BE49-F238E27FC236}">
-                <a16:creationId xmlns:a16="http://schemas.microsoft.com/office/drawing/2014/main" id="{02513A38-FB44-4279-A090-E3662ED9DEBF}"/>
+                <a16:creationId xmlns:a16="http://schemas.microsoft.com/office/drawing/2014/main" xmlns="" id="{02513A38-FB44-4279-A090-E3662ED9DEBF}"/>
               </a:ext>
             </a:extLst>
           </p:cNvPr>
@@ -2389,7 +2392,7 @@
           <a:p>
             <a:fld id="{54930BD5-D304-4C12-AB9E-F949069E4F2A}" type="datetimeFigureOut">
               <a:rPr lang="fr-FR" smtClean="0"/>
-              <a:t>15/12/2020</a:t>
+              <a:t>17/12/2020</a:t>
             </a:fld>
             <a:endParaRPr lang="fr-FR"/>
           </a:p>
@@ -2400,7 +2403,7 @@
           <p:cNvPr id="8" name="Espace réservé du pied de page 7">
             <a:extLst>
               <a:ext uri="{FF2B5EF4-FFF2-40B4-BE49-F238E27FC236}">
-                <a16:creationId xmlns:a16="http://schemas.microsoft.com/office/drawing/2014/main" id="{0DD7450B-0CD2-4006-8FDD-C8CE90CAF817}"/>
+                <a16:creationId xmlns:a16="http://schemas.microsoft.com/office/drawing/2014/main" xmlns="" id="{0DD7450B-0CD2-4006-8FDD-C8CE90CAF817}"/>
               </a:ext>
             </a:extLst>
           </p:cNvPr>
@@ -2425,7 +2428,7 @@
           <p:cNvPr id="9" name="Espace réservé du numéro de diapositive 8">
             <a:extLst>
               <a:ext uri="{FF2B5EF4-FFF2-40B4-BE49-F238E27FC236}">
-                <a16:creationId xmlns:a16="http://schemas.microsoft.com/office/drawing/2014/main" id="{581B492B-0354-4942-B71E-FE943A2A2E97}"/>
+                <a16:creationId xmlns:a16="http://schemas.microsoft.com/office/drawing/2014/main" xmlns="" id="{581B492B-0354-4942-B71E-FE943A2A2E97}"/>
               </a:ext>
             </a:extLst>
           </p:cNvPr>
@@ -2484,7 +2487,7 @@
           <p:cNvPr id="2" name="Titre 1">
             <a:extLst>
               <a:ext uri="{FF2B5EF4-FFF2-40B4-BE49-F238E27FC236}">
-                <a16:creationId xmlns:a16="http://schemas.microsoft.com/office/drawing/2014/main" id="{9FE33F08-AC42-4F53-B6C1-B9F258E67E29}"/>
+                <a16:creationId xmlns:a16="http://schemas.microsoft.com/office/drawing/2014/main" xmlns="" id="{9FE33F08-AC42-4F53-B6C1-B9F258E67E29}"/>
               </a:ext>
             </a:extLst>
           </p:cNvPr>
@@ -2512,7 +2515,7 @@
           <p:cNvPr id="3" name="Espace réservé de la date 2">
             <a:extLst>
               <a:ext uri="{FF2B5EF4-FFF2-40B4-BE49-F238E27FC236}">
-                <a16:creationId xmlns:a16="http://schemas.microsoft.com/office/drawing/2014/main" id="{2ADD1645-6DBD-4D9F-A5A9-C07DB23BF710}"/>
+                <a16:creationId xmlns:a16="http://schemas.microsoft.com/office/drawing/2014/main" xmlns="" id="{2ADD1645-6DBD-4D9F-A5A9-C07DB23BF710}"/>
               </a:ext>
             </a:extLst>
           </p:cNvPr>
@@ -2530,7 +2533,7 @@
           <a:p>
             <a:fld id="{54930BD5-D304-4C12-AB9E-F949069E4F2A}" type="datetimeFigureOut">
               <a:rPr lang="fr-FR" smtClean="0"/>
-              <a:t>15/12/2020</a:t>
+              <a:t>17/12/2020</a:t>
             </a:fld>
             <a:endParaRPr lang="fr-FR"/>
           </a:p>
@@ -2541,7 +2544,7 @@
           <p:cNvPr id="4" name="Espace réservé du pied de page 3">
             <a:extLst>
               <a:ext uri="{FF2B5EF4-FFF2-40B4-BE49-F238E27FC236}">
-                <a16:creationId xmlns:a16="http://schemas.microsoft.com/office/drawing/2014/main" id="{6210932E-3836-444C-BB74-873578B32358}"/>
+                <a16:creationId xmlns:a16="http://schemas.microsoft.com/office/drawing/2014/main" xmlns="" id="{6210932E-3836-444C-BB74-873578B32358}"/>
               </a:ext>
             </a:extLst>
           </p:cNvPr>
@@ -2566,7 +2569,7 @@
           <p:cNvPr id="5" name="Espace réservé du numéro de diapositive 4">
             <a:extLst>
               <a:ext uri="{FF2B5EF4-FFF2-40B4-BE49-F238E27FC236}">
-                <a16:creationId xmlns:a16="http://schemas.microsoft.com/office/drawing/2014/main" id="{41A3510B-8C87-4B9B-A2A7-E3280902F5E5}"/>
+                <a16:creationId xmlns:a16="http://schemas.microsoft.com/office/drawing/2014/main" xmlns="" id="{41A3510B-8C87-4B9B-A2A7-E3280902F5E5}"/>
               </a:ext>
             </a:extLst>
           </p:cNvPr>
@@ -2625,7 +2628,7 @@
           <p:cNvPr id="2" name="Espace réservé de la date 1">
             <a:extLst>
               <a:ext uri="{FF2B5EF4-FFF2-40B4-BE49-F238E27FC236}">
-                <a16:creationId xmlns:a16="http://schemas.microsoft.com/office/drawing/2014/main" id="{2098382B-77C8-4C63-B78A-3B8156D5E696}"/>
+                <a16:creationId xmlns:a16="http://schemas.microsoft.com/office/drawing/2014/main" xmlns="" id="{2098382B-77C8-4C63-B78A-3B8156D5E696}"/>
               </a:ext>
             </a:extLst>
           </p:cNvPr>
@@ -2643,7 +2646,7 @@
           <a:p>
             <a:fld id="{54930BD5-D304-4C12-AB9E-F949069E4F2A}" type="datetimeFigureOut">
               <a:rPr lang="fr-FR" smtClean="0"/>
-              <a:t>15/12/2020</a:t>
+              <a:t>17/12/2020</a:t>
             </a:fld>
             <a:endParaRPr lang="fr-FR"/>
           </a:p>
@@ -2654,7 +2657,7 @@
           <p:cNvPr id="3" name="Espace réservé du pied de page 2">
             <a:extLst>
               <a:ext uri="{FF2B5EF4-FFF2-40B4-BE49-F238E27FC236}">
-                <a16:creationId xmlns:a16="http://schemas.microsoft.com/office/drawing/2014/main" id="{B85C0770-9A81-4A5B-A7E7-5B90D1A4B07B}"/>
+                <a16:creationId xmlns:a16="http://schemas.microsoft.com/office/drawing/2014/main" xmlns="" id="{B85C0770-9A81-4A5B-A7E7-5B90D1A4B07B}"/>
               </a:ext>
             </a:extLst>
           </p:cNvPr>
@@ -2679,7 +2682,7 @@
           <p:cNvPr id="4" name="Espace réservé du numéro de diapositive 3">
             <a:extLst>
               <a:ext uri="{FF2B5EF4-FFF2-40B4-BE49-F238E27FC236}">
-                <a16:creationId xmlns:a16="http://schemas.microsoft.com/office/drawing/2014/main" id="{56F57933-35C4-4738-B337-DF14E98F376A}"/>
+                <a16:creationId xmlns:a16="http://schemas.microsoft.com/office/drawing/2014/main" xmlns="" id="{56F57933-35C4-4738-B337-DF14E98F376A}"/>
               </a:ext>
             </a:extLst>
           </p:cNvPr>
@@ -2738,7 +2741,7 @@
           <p:cNvPr id="2" name="Titre 1">
             <a:extLst>
               <a:ext uri="{FF2B5EF4-FFF2-40B4-BE49-F238E27FC236}">
-                <a16:creationId xmlns:a16="http://schemas.microsoft.com/office/drawing/2014/main" id="{E88D9A56-8A15-4920-BBB6-C9A230E36B31}"/>
+                <a16:creationId xmlns:a16="http://schemas.microsoft.com/office/drawing/2014/main" xmlns="" id="{E88D9A56-8A15-4920-BBB6-C9A230E36B31}"/>
               </a:ext>
             </a:extLst>
           </p:cNvPr>
@@ -2775,7 +2778,7 @@
           <p:cNvPr id="3" name="Espace réservé du contenu 2">
             <a:extLst>
               <a:ext uri="{FF2B5EF4-FFF2-40B4-BE49-F238E27FC236}">
-                <a16:creationId xmlns:a16="http://schemas.microsoft.com/office/drawing/2014/main" id="{F9580F39-AFF6-4C31-81CC-3D58376046B8}"/>
+                <a16:creationId xmlns:a16="http://schemas.microsoft.com/office/drawing/2014/main" xmlns="" id="{F9580F39-AFF6-4C31-81CC-3D58376046B8}"/>
               </a:ext>
             </a:extLst>
           </p:cNvPr>
@@ -2865,7 +2868,7 @@
           <p:cNvPr id="4" name="Espace réservé du texte 3">
             <a:extLst>
               <a:ext uri="{FF2B5EF4-FFF2-40B4-BE49-F238E27FC236}">
-                <a16:creationId xmlns:a16="http://schemas.microsoft.com/office/drawing/2014/main" id="{BEB97481-C34F-4C44-977F-7DFA5135D694}"/>
+                <a16:creationId xmlns:a16="http://schemas.microsoft.com/office/drawing/2014/main" xmlns="" id="{BEB97481-C34F-4C44-977F-7DFA5135D694}"/>
               </a:ext>
             </a:extLst>
           </p:cNvPr>
@@ -2936,7 +2939,7 @@
           <p:cNvPr id="5" name="Espace réservé de la date 4">
             <a:extLst>
               <a:ext uri="{FF2B5EF4-FFF2-40B4-BE49-F238E27FC236}">
-                <a16:creationId xmlns:a16="http://schemas.microsoft.com/office/drawing/2014/main" id="{4121E6A3-1B0F-491E-8C14-9C6F3FCE0779}"/>
+                <a16:creationId xmlns:a16="http://schemas.microsoft.com/office/drawing/2014/main" xmlns="" id="{4121E6A3-1B0F-491E-8C14-9C6F3FCE0779}"/>
               </a:ext>
             </a:extLst>
           </p:cNvPr>
@@ -2954,7 +2957,7 @@
           <a:p>
             <a:fld id="{54930BD5-D304-4C12-AB9E-F949069E4F2A}" type="datetimeFigureOut">
               <a:rPr lang="fr-FR" smtClean="0"/>
-              <a:t>15/12/2020</a:t>
+              <a:t>17/12/2020</a:t>
             </a:fld>
             <a:endParaRPr lang="fr-FR"/>
           </a:p>
@@ -2965,7 +2968,7 @@
           <p:cNvPr id="6" name="Espace réservé du pied de page 5">
             <a:extLst>
               <a:ext uri="{FF2B5EF4-FFF2-40B4-BE49-F238E27FC236}">
-                <a16:creationId xmlns:a16="http://schemas.microsoft.com/office/drawing/2014/main" id="{A4F28A5E-FCD6-498E-BBA8-9747918FC07A}"/>
+                <a16:creationId xmlns:a16="http://schemas.microsoft.com/office/drawing/2014/main" xmlns="" id="{A4F28A5E-FCD6-498E-BBA8-9747918FC07A}"/>
               </a:ext>
             </a:extLst>
           </p:cNvPr>
@@ -2990,7 +2993,7 @@
           <p:cNvPr id="7" name="Espace réservé du numéro de diapositive 6">
             <a:extLst>
               <a:ext uri="{FF2B5EF4-FFF2-40B4-BE49-F238E27FC236}">
-                <a16:creationId xmlns:a16="http://schemas.microsoft.com/office/drawing/2014/main" id="{BC18EF94-5474-49DB-9D94-B190F8D653D4}"/>
+                <a16:creationId xmlns:a16="http://schemas.microsoft.com/office/drawing/2014/main" xmlns="" id="{BC18EF94-5474-49DB-9D94-B190F8D653D4}"/>
               </a:ext>
             </a:extLst>
           </p:cNvPr>
@@ -3049,7 +3052,7 @@
           <p:cNvPr id="2" name="Titre 1">
             <a:extLst>
               <a:ext uri="{FF2B5EF4-FFF2-40B4-BE49-F238E27FC236}">
-                <a16:creationId xmlns:a16="http://schemas.microsoft.com/office/drawing/2014/main" id="{8759CE71-8FC9-48A0-8E62-7609AA927983}"/>
+                <a16:creationId xmlns:a16="http://schemas.microsoft.com/office/drawing/2014/main" xmlns="" id="{8759CE71-8FC9-48A0-8E62-7609AA927983}"/>
               </a:ext>
             </a:extLst>
           </p:cNvPr>
@@ -3086,7 +3089,7 @@
           <p:cNvPr id="3" name="Espace réservé pour une image  2">
             <a:extLst>
               <a:ext uri="{FF2B5EF4-FFF2-40B4-BE49-F238E27FC236}">
-                <a16:creationId xmlns:a16="http://schemas.microsoft.com/office/drawing/2014/main" id="{D066D769-1231-4613-A1B8-9157EE3205AC}"/>
+                <a16:creationId xmlns:a16="http://schemas.microsoft.com/office/drawing/2014/main" xmlns="" id="{D066D769-1231-4613-A1B8-9157EE3205AC}"/>
               </a:ext>
             </a:extLst>
           </p:cNvPr>
@@ -3153,7 +3156,7 @@
           <p:cNvPr id="4" name="Espace réservé du texte 3">
             <a:extLst>
               <a:ext uri="{FF2B5EF4-FFF2-40B4-BE49-F238E27FC236}">
-                <a16:creationId xmlns:a16="http://schemas.microsoft.com/office/drawing/2014/main" id="{3804D427-6C79-4E05-97D0-220F3B235F71}"/>
+                <a16:creationId xmlns:a16="http://schemas.microsoft.com/office/drawing/2014/main" xmlns="" id="{3804D427-6C79-4E05-97D0-220F3B235F71}"/>
               </a:ext>
             </a:extLst>
           </p:cNvPr>
@@ -3224,7 +3227,7 @@
           <p:cNvPr id="5" name="Espace réservé de la date 4">
             <a:extLst>
               <a:ext uri="{FF2B5EF4-FFF2-40B4-BE49-F238E27FC236}">
-                <a16:creationId xmlns:a16="http://schemas.microsoft.com/office/drawing/2014/main" id="{6F275A72-8075-448D-9929-6C38858B2C47}"/>
+                <a16:creationId xmlns:a16="http://schemas.microsoft.com/office/drawing/2014/main" xmlns="" id="{6F275A72-8075-448D-9929-6C38858B2C47}"/>
               </a:ext>
             </a:extLst>
           </p:cNvPr>
@@ -3242,7 +3245,7 @@
           <a:p>
             <a:fld id="{54930BD5-D304-4C12-AB9E-F949069E4F2A}" type="datetimeFigureOut">
               <a:rPr lang="fr-FR" smtClean="0"/>
-              <a:t>15/12/2020</a:t>
+              <a:t>17/12/2020</a:t>
             </a:fld>
             <a:endParaRPr lang="fr-FR"/>
           </a:p>
@@ -3253,7 +3256,7 @@
           <p:cNvPr id="6" name="Espace réservé du pied de page 5">
             <a:extLst>
               <a:ext uri="{FF2B5EF4-FFF2-40B4-BE49-F238E27FC236}">
-                <a16:creationId xmlns:a16="http://schemas.microsoft.com/office/drawing/2014/main" id="{5F7F0C71-CE64-42A0-B0EC-71F05623BC0A}"/>
+                <a16:creationId xmlns:a16="http://schemas.microsoft.com/office/drawing/2014/main" xmlns="" id="{5F7F0C71-CE64-42A0-B0EC-71F05623BC0A}"/>
               </a:ext>
             </a:extLst>
           </p:cNvPr>
@@ -3278,7 +3281,7 @@
           <p:cNvPr id="7" name="Espace réservé du numéro de diapositive 6">
             <a:extLst>
               <a:ext uri="{FF2B5EF4-FFF2-40B4-BE49-F238E27FC236}">
-                <a16:creationId xmlns:a16="http://schemas.microsoft.com/office/drawing/2014/main" id="{7081A425-DD71-4109-8AC6-16333E69CBE0}"/>
+                <a16:creationId xmlns:a16="http://schemas.microsoft.com/office/drawing/2014/main" xmlns="" id="{7081A425-DD71-4109-8AC6-16333E69CBE0}"/>
               </a:ext>
             </a:extLst>
           </p:cNvPr>
@@ -3342,7 +3345,7 @@
           <p:cNvPr id="2" name="Espace réservé du titre 1">
             <a:extLst>
               <a:ext uri="{FF2B5EF4-FFF2-40B4-BE49-F238E27FC236}">
-                <a16:creationId xmlns:a16="http://schemas.microsoft.com/office/drawing/2014/main" id="{21DE07DE-C6E8-454D-8BE7-2BC82A3F11E2}"/>
+                <a16:creationId xmlns:a16="http://schemas.microsoft.com/office/drawing/2014/main" xmlns="" id="{21DE07DE-C6E8-454D-8BE7-2BC82A3F11E2}"/>
               </a:ext>
             </a:extLst>
           </p:cNvPr>
@@ -3380,7 +3383,7 @@
           <p:cNvPr id="3" name="Espace réservé du texte 2">
             <a:extLst>
               <a:ext uri="{FF2B5EF4-FFF2-40B4-BE49-F238E27FC236}">
-                <a16:creationId xmlns:a16="http://schemas.microsoft.com/office/drawing/2014/main" id="{BEF76F48-1F25-43F5-AD22-DCF1AA829912}"/>
+                <a16:creationId xmlns:a16="http://schemas.microsoft.com/office/drawing/2014/main" xmlns="" id="{BEF76F48-1F25-43F5-AD22-DCF1AA829912}"/>
               </a:ext>
             </a:extLst>
           </p:cNvPr>
@@ -3447,7 +3450,7 @@
           <p:cNvPr id="4" name="Espace réservé de la date 3">
             <a:extLst>
               <a:ext uri="{FF2B5EF4-FFF2-40B4-BE49-F238E27FC236}">
-                <a16:creationId xmlns:a16="http://schemas.microsoft.com/office/drawing/2014/main" id="{BF31E59C-0ED3-424F-9622-703B1B170563}"/>
+                <a16:creationId xmlns:a16="http://schemas.microsoft.com/office/drawing/2014/main" xmlns="" id="{BF31E59C-0ED3-424F-9622-703B1B170563}"/>
               </a:ext>
             </a:extLst>
           </p:cNvPr>
@@ -3483,7 +3486,7 @@
           <a:p>
             <a:fld id="{54930BD5-D304-4C12-AB9E-F949069E4F2A}" type="datetimeFigureOut">
               <a:rPr lang="fr-FR" smtClean="0"/>
-              <a:t>15/12/2020</a:t>
+              <a:t>17/12/2020</a:t>
             </a:fld>
             <a:endParaRPr lang="fr-FR"/>
           </a:p>
@@ -3494,7 +3497,7 @@
           <p:cNvPr id="5" name="Espace réservé du pied de page 4">
             <a:extLst>
               <a:ext uri="{FF2B5EF4-FFF2-40B4-BE49-F238E27FC236}">
-                <a16:creationId xmlns:a16="http://schemas.microsoft.com/office/drawing/2014/main" id="{646941C5-12CC-4704-BCCA-3E5BE6A3847E}"/>
+                <a16:creationId xmlns:a16="http://schemas.microsoft.com/office/drawing/2014/main" xmlns="" id="{646941C5-12CC-4704-BCCA-3E5BE6A3847E}"/>
               </a:ext>
             </a:extLst>
           </p:cNvPr>
@@ -3537,7 +3540,7 @@
           <p:cNvPr id="6" name="Espace réservé du numéro de diapositive 5">
             <a:extLst>
               <a:ext uri="{FF2B5EF4-FFF2-40B4-BE49-F238E27FC236}">
-                <a16:creationId xmlns:a16="http://schemas.microsoft.com/office/drawing/2014/main" id="{4A406ED1-6FC2-43A4-AB28-92679B101899}"/>
+                <a16:creationId xmlns:a16="http://schemas.microsoft.com/office/drawing/2014/main" xmlns="" id="{4A406ED1-6FC2-43A4-AB28-92679B101899}"/>
               </a:ext>
             </a:extLst>
           </p:cNvPr>
@@ -3913,7 +3916,7 @@
           <p:cNvPr id="2" name="Titre 1">
             <a:extLst>
               <a:ext uri="{FF2B5EF4-FFF2-40B4-BE49-F238E27FC236}">
-                <a16:creationId xmlns:a16="http://schemas.microsoft.com/office/drawing/2014/main" id="{1A54E830-2B19-43A0-A7F5-4CC10A0CD0DF}"/>
+                <a16:creationId xmlns:a16="http://schemas.microsoft.com/office/drawing/2014/main" xmlns="" id="{1A54E830-2B19-43A0-A7F5-4CC10A0CD0DF}"/>
               </a:ext>
             </a:extLst>
           </p:cNvPr>
@@ -3942,7 +3945,7 @@
           <p:cNvPr id="1026" name="Picture 2" descr="Vecteurs pour Gestion logo, Illustrations libres de droits pour Gestion  logo | Depositphotos®">
             <a:extLst>
               <a:ext uri="{FF2B5EF4-FFF2-40B4-BE49-F238E27FC236}">
-                <a16:creationId xmlns:a16="http://schemas.microsoft.com/office/drawing/2014/main" id="{D3E14BE4-3BB0-4FDB-A390-96B4D4642A82}"/>
+                <a16:creationId xmlns:a16="http://schemas.microsoft.com/office/drawing/2014/main" xmlns="" id="{D3E14BE4-3BB0-4FDB-A390-96B4D4642A82}"/>
               </a:ext>
             </a:extLst>
           </p:cNvPr>
@@ -4019,7 +4022,7 @@
           <p:cNvPr id="2" name="Titre 1">
             <a:extLst>
               <a:ext uri="{FF2B5EF4-FFF2-40B4-BE49-F238E27FC236}">
-                <a16:creationId xmlns:a16="http://schemas.microsoft.com/office/drawing/2014/main" id="{5147088E-141D-41F2-8556-B8880D43FC59}"/>
+                <a16:creationId xmlns:a16="http://schemas.microsoft.com/office/drawing/2014/main" xmlns="" id="{5147088E-141D-41F2-8556-B8880D43FC59}"/>
               </a:ext>
             </a:extLst>
           </p:cNvPr>
@@ -4047,7 +4050,7 @@
           <p:cNvPr id="3" name="Espace réservé du contenu 2">
             <a:extLst>
               <a:ext uri="{FF2B5EF4-FFF2-40B4-BE49-F238E27FC236}">
-                <a16:creationId xmlns:a16="http://schemas.microsoft.com/office/drawing/2014/main" id="{4E46F6A3-2B7C-4ED0-8605-104CEFFEB924}"/>
+                <a16:creationId xmlns:a16="http://schemas.microsoft.com/office/drawing/2014/main" xmlns="" id="{4E46F6A3-2B7C-4ED0-8605-104CEFFEB924}"/>
               </a:ext>
             </a:extLst>
           </p:cNvPr>
@@ -4084,7 +4087,7 @@
           <p:cNvPr id="6" name="Espace réservé du contenu 4">
             <a:extLst>
               <a:ext uri="{FF2B5EF4-FFF2-40B4-BE49-F238E27FC236}">
-                <a16:creationId xmlns:a16="http://schemas.microsoft.com/office/drawing/2014/main" id="{88A0B6A5-DDCE-4DBF-9813-27F8ED69A5A9}"/>
+                <a16:creationId xmlns:a16="http://schemas.microsoft.com/office/drawing/2014/main" xmlns="" id="{88A0B6A5-DDCE-4DBF-9813-27F8ED69A5A9}"/>
               </a:ext>
             </a:extLst>
           </p:cNvPr>
@@ -4158,7 +4161,7 @@
           <p:cNvPr id="2" name="Titre 1">
             <a:extLst>
               <a:ext uri="{FF2B5EF4-FFF2-40B4-BE49-F238E27FC236}">
-                <a16:creationId xmlns:a16="http://schemas.microsoft.com/office/drawing/2014/main" id="{57341BC6-3207-4A51-B547-58E2DA36A071}"/>
+                <a16:creationId xmlns:a16="http://schemas.microsoft.com/office/drawing/2014/main" xmlns="" id="{57341BC6-3207-4A51-B547-58E2DA36A071}"/>
               </a:ext>
             </a:extLst>
           </p:cNvPr>
@@ -4186,7 +4189,7 @@
           <p:cNvPr id="3" name="Espace réservé du contenu 2">
             <a:extLst>
               <a:ext uri="{FF2B5EF4-FFF2-40B4-BE49-F238E27FC236}">
-                <a16:creationId xmlns:a16="http://schemas.microsoft.com/office/drawing/2014/main" id="{E92B5C86-7DED-47EF-9FAA-AE33443806EB}"/>
+                <a16:creationId xmlns:a16="http://schemas.microsoft.com/office/drawing/2014/main" xmlns="" id="{E92B5C86-7DED-47EF-9FAA-AE33443806EB}"/>
               </a:ext>
             </a:extLst>
           </p:cNvPr>
@@ -4359,6 +4362,16 @@
             <a:pPr marL="0" indent="0">
               <a:buNone/>
             </a:pPr>
+            <a:r>
+              <a:rPr lang="fr-FR" b="0" dirty="0">
+                <a:solidFill>
+                  <a:srgbClr val="24292E"/>
+                </a:solidFill>
+                <a:effectLst/>
+                <a:latin typeface="Consolas" panose="020B0609020204030204" pitchFamily="49" charset="0"/>
+              </a:rPr>
+              <a:t/>
+            </a:r>
             <a:br>
               <a:rPr lang="fr-FR" b="0" dirty="0">
                 <a:solidFill>
@@ -4660,7 +4673,7 @@
           <p:cNvPr id="4" name="ZoneTexte 3">
             <a:extLst>
               <a:ext uri="{FF2B5EF4-FFF2-40B4-BE49-F238E27FC236}">
-                <a16:creationId xmlns:a16="http://schemas.microsoft.com/office/drawing/2014/main" id="{66F26178-5242-44C3-B89F-8C2C552156A0}"/>
+                <a16:creationId xmlns:a16="http://schemas.microsoft.com/office/drawing/2014/main" xmlns="" id="{66F26178-5242-44C3-B89F-8C2C552156A0}"/>
               </a:ext>
             </a:extLst>
           </p:cNvPr>
@@ -4704,7 +4717,7 @@
           <p:cNvPr id="6" name="Rectangle 5">
             <a:extLst>
               <a:ext uri="{FF2B5EF4-FFF2-40B4-BE49-F238E27FC236}">
-                <a16:creationId xmlns:a16="http://schemas.microsoft.com/office/drawing/2014/main" id="{9AC602BF-231B-4CF6-8FE5-E9E0528D158C}"/>
+                <a16:creationId xmlns:a16="http://schemas.microsoft.com/office/drawing/2014/main" xmlns="" id="{9AC602BF-231B-4CF6-8FE5-E9E0528D158C}"/>
               </a:ext>
             </a:extLst>
           </p:cNvPr>
@@ -4758,7 +4771,7 @@
           <p:cNvPr id="7" name="Rectangle 6">
             <a:extLst>
               <a:ext uri="{FF2B5EF4-FFF2-40B4-BE49-F238E27FC236}">
-                <a16:creationId xmlns:a16="http://schemas.microsoft.com/office/drawing/2014/main" id="{BF15B652-1A88-4FEA-8AAB-850CA010240D}"/>
+                <a16:creationId xmlns:a16="http://schemas.microsoft.com/office/drawing/2014/main" xmlns="" id="{BF15B652-1A88-4FEA-8AAB-850CA010240D}"/>
               </a:ext>
             </a:extLst>
           </p:cNvPr>
@@ -4812,7 +4825,7 @@
           <p:cNvPr id="5" name="Connecteur droit avec flèche 4">
             <a:extLst>
               <a:ext uri="{FF2B5EF4-FFF2-40B4-BE49-F238E27FC236}">
-                <a16:creationId xmlns:a16="http://schemas.microsoft.com/office/drawing/2014/main" id="{17B5342D-0470-46A5-A949-541ABCEED23F}"/>
+                <a16:creationId xmlns:a16="http://schemas.microsoft.com/office/drawing/2014/main" xmlns="" id="{17B5342D-0470-46A5-A949-541ABCEED23F}"/>
               </a:ext>
             </a:extLst>
           </p:cNvPr>
@@ -4856,7 +4869,7 @@
           <p:cNvPr id="11" name="Connecteur droit avec flèche 10">
             <a:extLst>
               <a:ext uri="{FF2B5EF4-FFF2-40B4-BE49-F238E27FC236}">
-                <a16:creationId xmlns:a16="http://schemas.microsoft.com/office/drawing/2014/main" id="{7526AFE4-CCC4-496A-A2F4-EE4D9B8562E5}"/>
+                <a16:creationId xmlns:a16="http://schemas.microsoft.com/office/drawing/2014/main" xmlns="" id="{7526AFE4-CCC4-496A-A2F4-EE4D9B8562E5}"/>
               </a:ext>
             </a:extLst>
           </p:cNvPr>
@@ -5158,7 +5171,7 @@
           <p:cNvPr id="2" name="Titre 1">
             <a:extLst>
               <a:ext uri="{FF2B5EF4-FFF2-40B4-BE49-F238E27FC236}">
-                <a16:creationId xmlns:a16="http://schemas.microsoft.com/office/drawing/2014/main" id="{57341BC6-3207-4A51-B547-58E2DA36A071}"/>
+                <a16:creationId xmlns:a16="http://schemas.microsoft.com/office/drawing/2014/main" xmlns="" id="{57341BC6-3207-4A51-B547-58E2DA36A071}"/>
               </a:ext>
             </a:extLst>
           </p:cNvPr>
@@ -5186,7 +5199,7 @@
           <p:cNvPr id="3" name="Espace réservé du contenu 2">
             <a:extLst>
               <a:ext uri="{FF2B5EF4-FFF2-40B4-BE49-F238E27FC236}">
-                <a16:creationId xmlns:a16="http://schemas.microsoft.com/office/drawing/2014/main" id="{E92B5C86-7DED-47EF-9FAA-AE33443806EB}"/>
+                <a16:creationId xmlns:a16="http://schemas.microsoft.com/office/drawing/2014/main" xmlns="" id="{E92B5C86-7DED-47EF-9FAA-AE33443806EB}"/>
               </a:ext>
             </a:extLst>
           </p:cNvPr>
@@ -5359,6 +5372,16 @@
             <a:pPr marL="0" indent="0">
               <a:buNone/>
             </a:pPr>
+            <a:r>
+              <a:rPr lang="fr-FR" b="0" dirty="0">
+                <a:solidFill>
+                  <a:srgbClr val="24292E"/>
+                </a:solidFill>
+                <a:effectLst/>
+                <a:latin typeface="Consolas" panose="020B0609020204030204" pitchFamily="49" charset="0"/>
+              </a:rPr>
+              <a:t/>
+            </a:r>
             <a:br>
               <a:rPr lang="fr-FR" b="0" dirty="0">
                 <a:solidFill>
@@ -5641,7 +5664,7 @@
           <p:cNvPr id="4" name="ZoneTexte 3">
             <a:extLst>
               <a:ext uri="{FF2B5EF4-FFF2-40B4-BE49-F238E27FC236}">
-                <a16:creationId xmlns:a16="http://schemas.microsoft.com/office/drawing/2014/main" id="{66F26178-5242-44C3-B89F-8C2C552156A0}"/>
+                <a16:creationId xmlns:a16="http://schemas.microsoft.com/office/drawing/2014/main" xmlns="" id="{66F26178-5242-44C3-B89F-8C2C552156A0}"/>
               </a:ext>
             </a:extLst>
           </p:cNvPr>
@@ -5694,7 +5717,7 @@
           <p:cNvPr id="6" name="Rectangle 5">
             <a:extLst>
               <a:ext uri="{FF2B5EF4-FFF2-40B4-BE49-F238E27FC236}">
-                <a16:creationId xmlns:a16="http://schemas.microsoft.com/office/drawing/2014/main" id="{9AC602BF-231B-4CF6-8FE5-E9E0528D158C}"/>
+                <a16:creationId xmlns:a16="http://schemas.microsoft.com/office/drawing/2014/main" xmlns="" id="{9AC602BF-231B-4CF6-8FE5-E9E0528D158C}"/>
               </a:ext>
             </a:extLst>
           </p:cNvPr>
@@ -5748,7 +5771,7 @@
           <p:cNvPr id="7" name="Rectangle 6">
             <a:extLst>
               <a:ext uri="{FF2B5EF4-FFF2-40B4-BE49-F238E27FC236}">
-                <a16:creationId xmlns:a16="http://schemas.microsoft.com/office/drawing/2014/main" id="{BF15B652-1A88-4FEA-8AAB-850CA010240D}"/>
+                <a16:creationId xmlns:a16="http://schemas.microsoft.com/office/drawing/2014/main" xmlns="" id="{BF15B652-1A88-4FEA-8AAB-850CA010240D}"/>
               </a:ext>
             </a:extLst>
           </p:cNvPr>
@@ -5802,7 +5825,7 @@
           <p:cNvPr id="5" name="Connecteur droit avec flèche 4">
             <a:extLst>
               <a:ext uri="{FF2B5EF4-FFF2-40B4-BE49-F238E27FC236}">
-                <a16:creationId xmlns:a16="http://schemas.microsoft.com/office/drawing/2014/main" id="{17B5342D-0470-46A5-A949-541ABCEED23F}"/>
+                <a16:creationId xmlns:a16="http://schemas.microsoft.com/office/drawing/2014/main" xmlns="" id="{17B5342D-0470-46A5-A949-541ABCEED23F}"/>
               </a:ext>
             </a:extLst>
           </p:cNvPr>
@@ -5846,7 +5869,7 @@
           <p:cNvPr id="11" name="Connecteur droit avec flèche 10">
             <a:extLst>
               <a:ext uri="{FF2B5EF4-FFF2-40B4-BE49-F238E27FC236}">
-                <a16:creationId xmlns:a16="http://schemas.microsoft.com/office/drawing/2014/main" id="{7526AFE4-CCC4-496A-A2F4-EE4D9B8562E5}"/>
+                <a16:creationId xmlns:a16="http://schemas.microsoft.com/office/drawing/2014/main" xmlns="" id="{7526AFE4-CCC4-496A-A2F4-EE4D9B8562E5}"/>
               </a:ext>
             </a:extLst>
           </p:cNvPr>
@@ -5890,7 +5913,7 @@
           <p:cNvPr id="13" name="Connecteur droit avec flèche 12">
             <a:extLst>
               <a:ext uri="{FF2B5EF4-FFF2-40B4-BE49-F238E27FC236}">
-                <a16:creationId xmlns:a16="http://schemas.microsoft.com/office/drawing/2014/main" id="{35F9E32F-B794-49D1-BD8C-4F6CCAD1DDFA}"/>
+                <a16:creationId xmlns:a16="http://schemas.microsoft.com/office/drawing/2014/main" xmlns="" id="{35F9E32F-B794-49D1-BD8C-4F6CCAD1DDFA}"/>
               </a:ext>
             </a:extLst>
           </p:cNvPr>
@@ -6356,7 +6379,7 @@
           <p:cNvPr id="6" name="Titre 5">
             <a:extLst>
               <a:ext uri="{FF2B5EF4-FFF2-40B4-BE49-F238E27FC236}">
-                <a16:creationId xmlns:a16="http://schemas.microsoft.com/office/drawing/2014/main" id="{0AE7349F-B122-4428-81C5-26929BD17BEF}"/>
+                <a16:creationId xmlns:a16="http://schemas.microsoft.com/office/drawing/2014/main" xmlns="" id="{0AE7349F-B122-4428-81C5-26929BD17BEF}"/>
               </a:ext>
             </a:extLst>
           </p:cNvPr>
@@ -6385,7 +6408,7 @@
           <p:cNvPr id="7" name="Espace réservé du contenu 2">
             <a:extLst>
               <a:ext uri="{FF2B5EF4-FFF2-40B4-BE49-F238E27FC236}">
-                <a16:creationId xmlns:a16="http://schemas.microsoft.com/office/drawing/2014/main" id="{6E18DF23-18B8-4D16-B87F-65E41B05C07B}"/>
+                <a16:creationId xmlns:a16="http://schemas.microsoft.com/office/drawing/2014/main" xmlns="" id="{6E18DF23-18B8-4D16-B87F-65E41B05C07B}"/>
               </a:ext>
             </a:extLst>
           </p:cNvPr>
@@ -6633,6 +6656,15 @@
               <a:buFont typeface="Arial" panose="020B0604020202020204" pitchFamily="34" charset="0"/>
               <a:buNone/>
             </a:pPr>
+            <a:r>
+              <a:rPr lang="fr-FR" dirty="0">
+                <a:solidFill>
+                  <a:srgbClr val="24292E"/>
+                </a:solidFill>
+                <a:latin typeface="Consolas" panose="020B0609020204030204" pitchFamily="49" charset="0"/>
+              </a:rPr>
+              <a:t/>
+            </a:r>
             <a:br>
               <a:rPr lang="fr-FR" dirty="0">
                 <a:solidFill>
@@ -6782,6 +6814,15 @@
               <a:buFont typeface="Arial" panose="020B0604020202020204" pitchFamily="34" charset="0"/>
               <a:buNone/>
             </a:pPr>
+            <a:r>
+              <a:rPr lang="fr-FR" dirty="0">
+                <a:solidFill>
+                  <a:srgbClr val="24292E"/>
+                </a:solidFill>
+                <a:latin typeface="Consolas" panose="020B0609020204030204" pitchFamily="49" charset="0"/>
+              </a:rPr>
+              <a:t/>
+            </a:r>
             <a:br>
               <a:rPr lang="fr-FR" dirty="0">
                 <a:solidFill>
@@ -7039,6 +7080,15 @@
               <a:buFont typeface="Arial" panose="020B0604020202020204" pitchFamily="34" charset="0"/>
               <a:buNone/>
             </a:pPr>
+            <a:r>
+              <a:rPr lang="fr-FR" dirty="0">
+                <a:solidFill>
+                  <a:srgbClr val="24292E"/>
+                </a:solidFill>
+                <a:latin typeface="Consolas" panose="020B0609020204030204" pitchFamily="49" charset="0"/>
+              </a:rPr>
+              <a:t/>
+            </a:r>
             <a:br>
               <a:rPr lang="fr-FR" dirty="0">
                 <a:solidFill>
@@ -7547,7 +7597,7 @@
           <p:cNvPr id="10" name="Espace réservé du contenu 4">
             <a:extLst>
               <a:ext uri="{FF2B5EF4-FFF2-40B4-BE49-F238E27FC236}">
-                <a16:creationId xmlns:a16="http://schemas.microsoft.com/office/drawing/2014/main" id="{DAF74B08-C913-4C13-9877-80BC3FEDBF6A}"/>
+                <a16:creationId xmlns:a16="http://schemas.microsoft.com/office/drawing/2014/main" xmlns="" id="{DAF74B08-C913-4C13-9877-80BC3FEDBF6A}"/>
               </a:ext>
             </a:extLst>
           </p:cNvPr>
@@ -7591,7 +7641,7 @@
           <p:cNvPr id="2" name="Accolade fermante 1">
             <a:extLst>
               <a:ext uri="{FF2B5EF4-FFF2-40B4-BE49-F238E27FC236}">
-                <a16:creationId xmlns:a16="http://schemas.microsoft.com/office/drawing/2014/main" id="{35C32B7B-0C20-4629-8789-D2A9551C15B2}"/>
+                <a16:creationId xmlns:a16="http://schemas.microsoft.com/office/drawing/2014/main" xmlns="" id="{35C32B7B-0C20-4629-8789-D2A9551C15B2}"/>
               </a:ext>
             </a:extLst>
           </p:cNvPr>
@@ -7638,7 +7688,7 @@
           <p:cNvPr id="8" name="Accolade fermante 7">
             <a:extLst>
               <a:ext uri="{FF2B5EF4-FFF2-40B4-BE49-F238E27FC236}">
-                <a16:creationId xmlns:a16="http://schemas.microsoft.com/office/drawing/2014/main" id="{10BBB7F2-4105-4A77-8880-0D01DA3295FC}"/>
+                <a16:creationId xmlns:a16="http://schemas.microsoft.com/office/drawing/2014/main" xmlns="" id="{10BBB7F2-4105-4A77-8880-0D01DA3295FC}"/>
               </a:ext>
             </a:extLst>
           </p:cNvPr>
@@ -7685,7 +7735,7 @@
           <p:cNvPr id="9" name="Accolade fermante 8">
             <a:extLst>
               <a:ext uri="{FF2B5EF4-FFF2-40B4-BE49-F238E27FC236}">
-                <a16:creationId xmlns:a16="http://schemas.microsoft.com/office/drawing/2014/main" id="{A013FC11-AC2C-4BAC-B80F-BE2C5FF3EA45}"/>
+                <a16:creationId xmlns:a16="http://schemas.microsoft.com/office/drawing/2014/main" xmlns="" id="{A013FC11-AC2C-4BAC-B80F-BE2C5FF3EA45}"/>
               </a:ext>
             </a:extLst>
           </p:cNvPr>
@@ -7732,7 +7782,7 @@
           <p:cNvPr id="3" name="ZoneTexte 2">
             <a:extLst>
               <a:ext uri="{FF2B5EF4-FFF2-40B4-BE49-F238E27FC236}">
-                <a16:creationId xmlns:a16="http://schemas.microsoft.com/office/drawing/2014/main" id="{7663C318-74F1-4C93-ABCD-5BF7A746DF7C}"/>
+                <a16:creationId xmlns:a16="http://schemas.microsoft.com/office/drawing/2014/main" xmlns="" id="{7663C318-74F1-4C93-ABCD-5BF7A746DF7C}"/>
               </a:ext>
             </a:extLst>
           </p:cNvPr>
@@ -7767,7 +7817,7 @@
           <p:cNvPr id="11" name="ZoneTexte 10">
             <a:extLst>
               <a:ext uri="{FF2B5EF4-FFF2-40B4-BE49-F238E27FC236}">
-                <a16:creationId xmlns:a16="http://schemas.microsoft.com/office/drawing/2014/main" id="{76C51F7D-0784-4631-8DA7-0E961D035ACE}"/>
+                <a16:creationId xmlns:a16="http://schemas.microsoft.com/office/drawing/2014/main" xmlns="" id="{76C51F7D-0784-4631-8DA7-0E961D035ACE}"/>
               </a:ext>
             </a:extLst>
           </p:cNvPr>
@@ -7802,7 +7852,7 @@
           <p:cNvPr id="12" name="ZoneTexte 11">
             <a:extLst>
               <a:ext uri="{FF2B5EF4-FFF2-40B4-BE49-F238E27FC236}">
-                <a16:creationId xmlns:a16="http://schemas.microsoft.com/office/drawing/2014/main" id="{6187ED4D-5760-4E4A-81E3-108107B43B14}"/>
+                <a16:creationId xmlns:a16="http://schemas.microsoft.com/office/drawing/2014/main" xmlns="" id="{6187ED4D-5760-4E4A-81E3-108107B43B14}"/>
               </a:ext>
             </a:extLst>
           </p:cNvPr>
@@ -8169,7 +8219,7 @@
           <p:cNvPr id="2" name="Titre 1">
             <a:extLst>
               <a:ext uri="{FF2B5EF4-FFF2-40B4-BE49-F238E27FC236}">
-                <a16:creationId xmlns:a16="http://schemas.microsoft.com/office/drawing/2014/main" id="{7B80AAED-52E0-4F23-8B37-8856C39504C7}"/>
+                <a16:creationId xmlns:a16="http://schemas.microsoft.com/office/drawing/2014/main" xmlns="" id="{7B80AAED-52E0-4F23-8B37-8856C39504C7}"/>
               </a:ext>
             </a:extLst>
           </p:cNvPr>
@@ -8197,7 +8247,7 @@
           <p:cNvPr id="3" name="Espace réservé du contenu 2">
             <a:extLst>
               <a:ext uri="{FF2B5EF4-FFF2-40B4-BE49-F238E27FC236}">
-                <a16:creationId xmlns:a16="http://schemas.microsoft.com/office/drawing/2014/main" id="{7D923CEB-755C-49EA-8BD6-A42CA9D5CA2C}"/>
+                <a16:creationId xmlns:a16="http://schemas.microsoft.com/office/drawing/2014/main" xmlns="" id="{7D923CEB-755C-49EA-8BD6-A42CA9D5CA2C}"/>
               </a:ext>
             </a:extLst>
           </p:cNvPr>
@@ -8691,7 +8741,7 @@
           <p:cNvPr id="5" name="Image 4">
             <a:extLst>
               <a:ext uri="{FF2B5EF4-FFF2-40B4-BE49-F238E27FC236}">
-                <a16:creationId xmlns:a16="http://schemas.microsoft.com/office/drawing/2014/main" id="{3D811CAB-8370-431E-9B7C-62E5AB00E7D4}"/>
+                <a16:creationId xmlns:a16="http://schemas.microsoft.com/office/drawing/2014/main" xmlns="" id="{3D811CAB-8370-431E-9B7C-62E5AB00E7D4}"/>
               </a:ext>
             </a:extLst>
           </p:cNvPr>
@@ -8728,7 +8778,7 @@
           <p:cNvPr id="8" name="Connecteur droit avec flèche 7">
             <a:extLst>
               <a:ext uri="{FF2B5EF4-FFF2-40B4-BE49-F238E27FC236}">
-                <a16:creationId xmlns:a16="http://schemas.microsoft.com/office/drawing/2014/main" id="{840D2FE9-0284-442C-9A7B-9517D2F7DA1C}"/>
+                <a16:creationId xmlns:a16="http://schemas.microsoft.com/office/drawing/2014/main" xmlns="" id="{840D2FE9-0284-442C-9A7B-9517D2F7DA1C}"/>
               </a:ext>
             </a:extLst>
           </p:cNvPr>
@@ -8772,7 +8822,7 @@
           <p:cNvPr id="9" name="Connecteur droit avec flèche 8">
             <a:extLst>
               <a:ext uri="{FF2B5EF4-FFF2-40B4-BE49-F238E27FC236}">
-                <a16:creationId xmlns:a16="http://schemas.microsoft.com/office/drawing/2014/main" id="{D92133B2-7EDD-4652-8AE4-9113D5551F73}"/>
+                <a16:creationId xmlns:a16="http://schemas.microsoft.com/office/drawing/2014/main" xmlns="" id="{D92133B2-7EDD-4652-8AE4-9113D5551F73}"/>
               </a:ext>
             </a:extLst>
           </p:cNvPr>
@@ -8814,7 +8864,7 @@
           <p:cNvPr id="10" name="Connecteur droit avec flèche 9">
             <a:extLst>
               <a:ext uri="{FF2B5EF4-FFF2-40B4-BE49-F238E27FC236}">
-                <a16:creationId xmlns:a16="http://schemas.microsoft.com/office/drawing/2014/main" id="{6B1DD585-FAEF-4662-8CB5-2170D273BF08}"/>
+                <a16:creationId xmlns:a16="http://schemas.microsoft.com/office/drawing/2014/main" xmlns="" id="{6B1DD585-FAEF-4662-8CB5-2170D273BF08}"/>
               </a:ext>
             </a:extLst>
           </p:cNvPr>
@@ -8858,7 +8908,7 @@
           <p:cNvPr id="12" name="Accolade fermante 11">
             <a:extLst>
               <a:ext uri="{FF2B5EF4-FFF2-40B4-BE49-F238E27FC236}">
-                <a16:creationId xmlns:a16="http://schemas.microsoft.com/office/drawing/2014/main" id="{13A9C337-2FAC-4A0C-BFBF-33AB9054BC98}"/>
+                <a16:creationId xmlns:a16="http://schemas.microsoft.com/office/drawing/2014/main" xmlns="" id="{13A9C337-2FAC-4A0C-BFBF-33AB9054BC98}"/>
               </a:ext>
             </a:extLst>
           </p:cNvPr>
@@ -8905,7 +8955,7 @@
           <p:cNvPr id="16" name="Image 15">
             <a:extLst>
               <a:ext uri="{FF2B5EF4-FFF2-40B4-BE49-F238E27FC236}">
-                <a16:creationId xmlns:a16="http://schemas.microsoft.com/office/drawing/2014/main" id="{842B36E6-08A6-4766-9473-A601201993B2}"/>
+                <a16:creationId xmlns:a16="http://schemas.microsoft.com/office/drawing/2014/main" xmlns="" id="{842B36E6-08A6-4766-9473-A601201993B2}"/>
               </a:ext>
             </a:extLst>
           </p:cNvPr>
@@ -8915,7 +8965,7 @@
           <p:nvPr/>
         </p:nvPicPr>
         <p:blipFill>
-          <a:blip r:embed="rId3">
+          <a:blip r:embed="rId3" cstate="print">
             <a:extLst>
               <a:ext uri="{28A0092B-C50C-407E-A947-70E740481C1C}">
                 <a14:useLocalDpi xmlns:a14="http://schemas.microsoft.com/office/drawing/2010/main" val="0"/>
@@ -9286,7 +9336,7 @@
           <p:cNvPr id="2" name="Titre 1">
             <a:extLst>
               <a:ext uri="{FF2B5EF4-FFF2-40B4-BE49-F238E27FC236}">
-                <a16:creationId xmlns:a16="http://schemas.microsoft.com/office/drawing/2014/main" id="{A70E3617-25B1-46EC-9D69-B4B1E6125451}"/>
+                <a16:creationId xmlns:a16="http://schemas.microsoft.com/office/drawing/2014/main" xmlns="" id="{A70E3617-25B1-46EC-9D69-B4B1E6125451}"/>
               </a:ext>
             </a:extLst>
           </p:cNvPr>
@@ -9320,7 +9370,7 @@
           <p:cNvPr id="5" name="Espace réservé du contenu 2">
             <a:extLst>
               <a:ext uri="{FF2B5EF4-FFF2-40B4-BE49-F238E27FC236}">
-                <a16:creationId xmlns:a16="http://schemas.microsoft.com/office/drawing/2014/main" id="{049501FA-9AF5-434D-8DDD-A3BB21F61031}"/>
+                <a16:creationId xmlns:a16="http://schemas.microsoft.com/office/drawing/2014/main" xmlns="" id="{049501FA-9AF5-434D-8DDD-A3BB21F61031}"/>
               </a:ext>
             </a:extLst>
           </p:cNvPr>
@@ -9568,6 +9618,15 @@
               <a:buFont typeface="Arial" panose="020B0604020202020204" pitchFamily="34" charset="0"/>
               <a:buNone/>
             </a:pPr>
+            <a:r>
+              <a:rPr lang="fr-FR" dirty="0">
+                <a:solidFill>
+                  <a:srgbClr val="24292E"/>
+                </a:solidFill>
+                <a:latin typeface="Consolas" panose="020B0609020204030204" pitchFamily="49" charset="0"/>
+              </a:rPr>
+              <a:t/>
+            </a:r>
             <a:br>
               <a:rPr lang="fr-FR" dirty="0">
                 <a:solidFill>
@@ -9675,6 +9734,15 @@
               <a:buFont typeface="Arial" panose="020B0604020202020204" pitchFamily="34" charset="0"/>
               <a:buNone/>
             </a:pPr>
+            <a:r>
+              <a:rPr lang="fr-FR" dirty="0">
+                <a:solidFill>
+                  <a:srgbClr val="24292E"/>
+                </a:solidFill>
+                <a:latin typeface="Consolas" panose="020B0609020204030204" pitchFamily="49" charset="0"/>
+              </a:rPr>
+              <a:t/>
+            </a:r>
             <a:br>
               <a:rPr lang="fr-FR" dirty="0">
                 <a:solidFill>
@@ -9899,6 +9967,15 @@
               <a:buFont typeface="Arial" panose="020B0604020202020204" pitchFamily="34" charset="0"/>
               <a:buNone/>
             </a:pPr>
+            <a:r>
+              <a:rPr lang="fr-FR" dirty="0">
+                <a:solidFill>
+                  <a:srgbClr val="24292E"/>
+                </a:solidFill>
+                <a:latin typeface="Consolas" panose="020B0609020204030204" pitchFamily="49" charset="0"/>
+              </a:rPr>
+              <a:t/>
+            </a:r>
             <a:br>
               <a:rPr lang="fr-FR" dirty="0">
                 <a:solidFill>
@@ -10266,7 +10343,7 @@
           <p:cNvPr id="14" name="Groupe 13">
             <a:extLst>
               <a:ext uri="{FF2B5EF4-FFF2-40B4-BE49-F238E27FC236}">
-                <a16:creationId xmlns:a16="http://schemas.microsoft.com/office/drawing/2014/main" id="{A4547AA7-DEA5-407A-82F0-CDEC42D25738}"/>
+                <a16:creationId xmlns:a16="http://schemas.microsoft.com/office/drawing/2014/main" xmlns="" id="{A4547AA7-DEA5-407A-82F0-CDEC42D25738}"/>
               </a:ext>
             </a:extLst>
           </p:cNvPr>
@@ -10286,7 +10363,7 @@
             <p:cNvPr id="10" name="Forme libre : forme 9">
               <a:extLst>
                 <a:ext uri="{FF2B5EF4-FFF2-40B4-BE49-F238E27FC236}">
-                  <a16:creationId xmlns:a16="http://schemas.microsoft.com/office/drawing/2014/main" id="{F8A1A1D5-4F0B-408D-8C9F-F19F6A8FE7EF}"/>
+                  <a16:creationId xmlns:a16="http://schemas.microsoft.com/office/drawing/2014/main" xmlns="" id="{F8A1A1D5-4F0B-408D-8C9F-F19F6A8FE7EF}"/>
                 </a:ext>
               </a:extLst>
             </p:cNvPr>
@@ -10383,7 +10460,7 @@
             <p:cNvPr id="11" name="ZoneTexte 10">
               <a:extLst>
                 <a:ext uri="{FF2B5EF4-FFF2-40B4-BE49-F238E27FC236}">
-                  <a16:creationId xmlns:a16="http://schemas.microsoft.com/office/drawing/2014/main" id="{1F1C678F-244D-4D53-B40D-9CE38BD3626C}"/>
+                  <a16:creationId xmlns:a16="http://schemas.microsoft.com/office/drawing/2014/main" xmlns="" id="{1F1C678F-244D-4D53-B40D-9CE38BD3626C}"/>
                 </a:ext>
               </a:extLst>
             </p:cNvPr>
@@ -10418,7 +10495,7 @@
             <p:cNvPr id="12" name="ZoneTexte 11">
               <a:extLst>
                 <a:ext uri="{FF2B5EF4-FFF2-40B4-BE49-F238E27FC236}">
-                  <a16:creationId xmlns:a16="http://schemas.microsoft.com/office/drawing/2014/main" id="{38389B41-6BC0-4A24-9D3C-C11B8792388E}"/>
+                  <a16:creationId xmlns:a16="http://schemas.microsoft.com/office/drawing/2014/main" xmlns="" id="{38389B41-6BC0-4A24-9D3C-C11B8792388E}"/>
                 </a:ext>
               </a:extLst>
             </p:cNvPr>
@@ -10454,7 +10531,7 @@
           <p:cNvPr id="13" name="ZoneTexte 12">
             <a:extLst>
               <a:ext uri="{FF2B5EF4-FFF2-40B4-BE49-F238E27FC236}">
-                <a16:creationId xmlns:a16="http://schemas.microsoft.com/office/drawing/2014/main" id="{D620A5FA-137D-4533-A56E-4D7AE7C2FB55}"/>
+                <a16:creationId xmlns:a16="http://schemas.microsoft.com/office/drawing/2014/main" xmlns="" id="{D620A5FA-137D-4533-A56E-4D7AE7C2FB55}"/>
               </a:ext>
             </a:extLst>
           </p:cNvPr>
@@ -10691,7 +10768,7 @@
           <p:cNvPr id="9" name="Rectangle 8">
             <a:extLst>
               <a:ext uri="{FF2B5EF4-FFF2-40B4-BE49-F238E27FC236}">
-                <a16:creationId xmlns:a16="http://schemas.microsoft.com/office/drawing/2014/main" id="{D87D1269-12D2-44D2-89FB-D2D5E4D8CD7D}"/>
+                <a16:creationId xmlns:a16="http://schemas.microsoft.com/office/drawing/2014/main" xmlns="" id="{D87D1269-12D2-44D2-89FB-D2D5E4D8CD7D}"/>
               </a:ext>
             </a:extLst>
           </p:cNvPr>
@@ -10746,7 +10823,7 @@
           <p:cNvPr id="2" name="Titre 1">
             <a:extLst>
               <a:ext uri="{FF2B5EF4-FFF2-40B4-BE49-F238E27FC236}">
-                <a16:creationId xmlns:a16="http://schemas.microsoft.com/office/drawing/2014/main" id="{A70E3617-25B1-46EC-9D69-B4B1E6125451}"/>
+                <a16:creationId xmlns:a16="http://schemas.microsoft.com/office/drawing/2014/main" xmlns="" id="{A70E3617-25B1-46EC-9D69-B4B1E6125451}"/>
               </a:ext>
             </a:extLst>
           </p:cNvPr>
@@ -10791,7 +10868,7 @@
           <p:cNvPr id="4" name="Tableau 4">
             <a:extLst>
               <a:ext uri="{FF2B5EF4-FFF2-40B4-BE49-F238E27FC236}">
-                <a16:creationId xmlns:a16="http://schemas.microsoft.com/office/drawing/2014/main" id="{43E31FF1-A8FB-4533-82F1-453569B0B5F7}"/>
+                <a16:creationId xmlns:a16="http://schemas.microsoft.com/office/drawing/2014/main" xmlns="" id="{43E31FF1-A8FB-4533-82F1-453569B0B5F7}"/>
               </a:ext>
             </a:extLst>
           </p:cNvPr>
@@ -10820,21 +10897,21 @@
                 <a:gridCol w="1391479">
                   <a:extLst>
                     <a:ext uri="{9D8B030D-6E8A-4147-A177-3AD203B41FA5}">
-                      <a16:colId xmlns:a16="http://schemas.microsoft.com/office/drawing/2014/main" val="131224004"/>
+                      <a16:colId xmlns:a16="http://schemas.microsoft.com/office/drawing/2014/main" xmlns="" val="131224004"/>
                     </a:ext>
                   </a:extLst>
                 </a:gridCol>
                 <a:gridCol w="1179443">
                   <a:extLst>
                     <a:ext uri="{9D8B030D-6E8A-4147-A177-3AD203B41FA5}">
-                      <a16:colId xmlns:a16="http://schemas.microsoft.com/office/drawing/2014/main" val="2965997092"/>
+                      <a16:colId xmlns:a16="http://schemas.microsoft.com/office/drawing/2014/main" xmlns="" val="2965997092"/>
                     </a:ext>
                   </a:extLst>
                 </a:gridCol>
                 <a:gridCol w="1520688">
                   <a:extLst>
                     <a:ext uri="{9D8B030D-6E8A-4147-A177-3AD203B41FA5}">
-                      <a16:colId xmlns:a16="http://schemas.microsoft.com/office/drawing/2014/main" val="2986827662"/>
+                      <a16:colId xmlns:a16="http://schemas.microsoft.com/office/drawing/2014/main" xmlns="" val="2986827662"/>
                     </a:ext>
                   </a:extLst>
                 </a:gridCol>
@@ -10884,7 +10961,7 @@
                 </a:tc>
                 <a:extLst>
                   <a:ext uri="{0D108BD9-81ED-4DB2-BD59-A6C34878D82A}">
-                    <a16:rowId xmlns:a16="http://schemas.microsoft.com/office/drawing/2014/main" val="2770393989"/>
+                    <a16:rowId xmlns:a16="http://schemas.microsoft.com/office/drawing/2014/main" xmlns="" val="2770393989"/>
                   </a:ext>
                 </a:extLst>
               </a:tr>
@@ -10930,7 +11007,7 @@
                 </a:tc>
                 <a:extLst>
                   <a:ext uri="{0D108BD9-81ED-4DB2-BD59-A6C34878D82A}">
-                    <a16:rowId xmlns:a16="http://schemas.microsoft.com/office/drawing/2014/main" val="3665726536"/>
+                    <a16:rowId xmlns:a16="http://schemas.microsoft.com/office/drawing/2014/main" xmlns="" val="3665726536"/>
                   </a:ext>
                 </a:extLst>
               </a:tr>
@@ -11009,7 +11086,7 @@
                 </a:tc>
                 <a:extLst>
                   <a:ext uri="{0D108BD9-81ED-4DB2-BD59-A6C34878D82A}">
-                    <a16:rowId xmlns:a16="http://schemas.microsoft.com/office/drawing/2014/main" val="1054496806"/>
+                    <a16:rowId xmlns:a16="http://schemas.microsoft.com/office/drawing/2014/main" xmlns="" val="1054496806"/>
                   </a:ext>
                 </a:extLst>
               </a:tr>
@@ -11130,7 +11207,7 @@
                 </a:tc>
                 <a:extLst>
                   <a:ext uri="{0D108BD9-81ED-4DB2-BD59-A6C34878D82A}">
-                    <a16:rowId xmlns:a16="http://schemas.microsoft.com/office/drawing/2014/main" val="4221552092"/>
+                    <a16:rowId xmlns:a16="http://schemas.microsoft.com/office/drawing/2014/main" xmlns="" val="4221552092"/>
                   </a:ext>
                 </a:extLst>
               </a:tr>
@@ -11182,7 +11259,7 @@
                 </a:tc>
                 <a:extLst>
                   <a:ext uri="{0D108BD9-81ED-4DB2-BD59-A6C34878D82A}">
-                    <a16:rowId xmlns:a16="http://schemas.microsoft.com/office/drawing/2014/main" val="3906504615"/>
+                    <a16:rowId xmlns:a16="http://schemas.microsoft.com/office/drawing/2014/main" xmlns="" val="3906504615"/>
                   </a:ext>
                 </a:extLst>
               </a:tr>
@@ -11222,7 +11299,7 @@
                 </a:tc>
                 <a:extLst>
                   <a:ext uri="{0D108BD9-81ED-4DB2-BD59-A6C34878D82A}">
-                    <a16:rowId xmlns:a16="http://schemas.microsoft.com/office/drawing/2014/main" val="54323278"/>
+                    <a16:rowId xmlns:a16="http://schemas.microsoft.com/office/drawing/2014/main" xmlns="" val="54323278"/>
                   </a:ext>
                 </a:extLst>
               </a:tr>
@@ -11235,7 +11312,7 @@
           <p:cNvPr id="5" name="Espace réservé du contenu 2">
             <a:extLst>
               <a:ext uri="{FF2B5EF4-FFF2-40B4-BE49-F238E27FC236}">
-                <a16:creationId xmlns:a16="http://schemas.microsoft.com/office/drawing/2014/main" id="{049501FA-9AF5-434D-8DDD-A3BB21F61031}"/>
+                <a16:creationId xmlns:a16="http://schemas.microsoft.com/office/drawing/2014/main" xmlns="" id="{049501FA-9AF5-434D-8DDD-A3BB21F61031}"/>
               </a:ext>
             </a:extLst>
           </p:cNvPr>
@@ -11483,6 +11560,15 @@
               <a:buFont typeface="Arial" panose="020B0604020202020204" pitchFamily="34" charset="0"/>
               <a:buNone/>
             </a:pPr>
+            <a:r>
+              <a:rPr lang="fr-FR" dirty="0">
+                <a:solidFill>
+                  <a:srgbClr val="24292E"/>
+                </a:solidFill>
+                <a:latin typeface="Consolas" panose="020B0609020204030204" pitchFamily="49" charset="0"/>
+              </a:rPr>
+              <a:t/>
+            </a:r>
             <a:br>
               <a:rPr lang="fr-FR" dirty="0">
                 <a:solidFill>
@@ -11590,6 +11676,15 @@
               <a:buFont typeface="Arial" panose="020B0604020202020204" pitchFamily="34" charset="0"/>
               <a:buNone/>
             </a:pPr>
+            <a:r>
+              <a:rPr lang="fr-FR" dirty="0">
+                <a:solidFill>
+                  <a:srgbClr val="24292E"/>
+                </a:solidFill>
+                <a:latin typeface="Consolas" panose="020B0609020204030204" pitchFamily="49" charset="0"/>
+              </a:rPr>
+              <a:t/>
+            </a:r>
             <a:br>
               <a:rPr lang="fr-FR" dirty="0">
                 <a:solidFill>
@@ -11814,6 +11909,15 @@
               <a:buFont typeface="Arial" panose="020B0604020202020204" pitchFamily="34" charset="0"/>
               <a:buNone/>
             </a:pPr>
+            <a:r>
+              <a:rPr lang="fr-FR" dirty="0">
+                <a:solidFill>
+                  <a:srgbClr val="24292E"/>
+                </a:solidFill>
+                <a:latin typeface="Consolas" panose="020B0609020204030204" pitchFamily="49" charset="0"/>
+              </a:rPr>
+              <a:t/>
+            </a:r>
             <a:br>
               <a:rPr lang="fr-FR" dirty="0">
                 <a:solidFill>
@@ -12181,7 +12285,7 @@
           <p:cNvPr id="8" name="Triangle isocèle 7">
             <a:extLst>
               <a:ext uri="{FF2B5EF4-FFF2-40B4-BE49-F238E27FC236}">
-                <a16:creationId xmlns:a16="http://schemas.microsoft.com/office/drawing/2014/main" id="{FD930DE8-EE9D-4D16-A873-8D7F405152E3}"/>
+                <a16:creationId xmlns:a16="http://schemas.microsoft.com/office/drawing/2014/main" xmlns="" id="{FD930DE8-EE9D-4D16-A873-8D7F405152E3}"/>
               </a:ext>
             </a:extLst>
           </p:cNvPr>
@@ -12260,7 +12364,7 @@
           <p:cNvPr id="3" name="Groupe 2">
             <a:extLst>
               <a:ext uri="{FF2B5EF4-FFF2-40B4-BE49-F238E27FC236}">
-                <a16:creationId xmlns:a16="http://schemas.microsoft.com/office/drawing/2014/main" id="{A58517FD-1DD5-4D98-842C-51356DBE7CBD}"/>
+                <a16:creationId xmlns:a16="http://schemas.microsoft.com/office/drawing/2014/main" xmlns="" id="{A58517FD-1DD5-4D98-842C-51356DBE7CBD}"/>
               </a:ext>
             </a:extLst>
           </p:cNvPr>
@@ -12280,7 +12384,7 @@
             <p:cNvPr id="9" name="Rectangle 8">
               <a:extLst>
                 <a:ext uri="{FF2B5EF4-FFF2-40B4-BE49-F238E27FC236}">
-                  <a16:creationId xmlns:a16="http://schemas.microsoft.com/office/drawing/2014/main" id="{D87D1269-12D2-44D2-89FB-D2D5E4D8CD7D}"/>
+                  <a16:creationId xmlns:a16="http://schemas.microsoft.com/office/drawing/2014/main" xmlns="" id="{D87D1269-12D2-44D2-89FB-D2D5E4D8CD7D}"/>
                 </a:ext>
               </a:extLst>
             </p:cNvPr>
@@ -12335,7 +12439,7 @@
             <p:cNvPr id="8" name="Triangle isocèle 7">
               <a:extLst>
                 <a:ext uri="{FF2B5EF4-FFF2-40B4-BE49-F238E27FC236}">
-                  <a16:creationId xmlns:a16="http://schemas.microsoft.com/office/drawing/2014/main" id="{FD930DE8-EE9D-4D16-A873-8D7F405152E3}"/>
+                  <a16:creationId xmlns:a16="http://schemas.microsoft.com/office/drawing/2014/main" xmlns="" id="{FD930DE8-EE9D-4D16-A873-8D7F405152E3}"/>
                 </a:ext>
               </a:extLst>
             </p:cNvPr>
@@ -12385,7 +12489,7 @@
           <p:cNvPr id="2" name="Titre 1">
             <a:extLst>
               <a:ext uri="{FF2B5EF4-FFF2-40B4-BE49-F238E27FC236}">
-                <a16:creationId xmlns:a16="http://schemas.microsoft.com/office/drawing/2014/main" id="{A70E3617-25B1-46EC-9D69-B4B1E6125451}"/>
+                <a16:creationId xmlns:a16="http://schemas.microsoft.com/office/drawing/2014/main" xmlns="" id="{A70E3617-25B1-46EC-9D69-B4B1E6125451}"/>
               </a:ext>
             </a:extLst>
           </p:cNvPr>
@@ -12430,7 +12534,7 @@
           <p:cNvPr id="4" name="Tableau 4">
             <a:extLst>
               <a:ext uri="{FF2B5EF4-FFF2-40B4-BE49-F238E27FC236}">
-                <a16:creationId xmlns:a16="http://schemas.microsoft.com/office/drawing/2014/main" id="{43E31FF1-A8FB-4533-82F1-453569B0B5F7}"/>
+                <a16:creationId xmlns:a16="http://schemas.microsoft.com/office/drawing/2014/main" xmlns="" id="{43E31FF1-A8FB-4533-82F1-453569B0B5F7}"/>
               </a:ext>
             </a:extLst>
           </p:cNvPr>
@@ -12459,21 +12563,21 @@
                 <a:gridCol w="1391479">
                   <a:extLst>
                     <a:ext uri="{9D8B030D-6E8A-4147-A177-3AD203B41FA5}">
-                      <a16:colId xmlns:a16="http://schemas.microsoft.com/office/drawing/2014/main" val="131224004"/>
+                      <a16:colId xmlns:a16="http://schemas.microsoft.com/office/drawing/2014/main" xmlns="" val="131224004"/>
                     </a:ext>
                   </a:extLst>
                 </a:gridCol>
                 <a:gridCol w="1179443">
                   <a:extLst>
                     <a:ext uri="{9D8B030D-6E8A-4147-A177-3AD203B41FA5}">
-                      <a16:colId xmlns:a16="http://schemas.microsoft.com/office/drawing/2014/main" val="2965997092"/>
+                      <a16:colId xmlns:a16="http://schemas.microsoft.com/office/drawing/2014/main" xmlns="" val="2965997092"/>
                     </a:ext>
                   </a:extLst>
                 </a:gridCol>
                 <a:gridCol w="1520688">
                   <a:extLst>
                     <a:ext uri="{9D8B030D-6E8A-4147-A177-3AD203B41FA5}">
-                      <a16:colId xmlns:a16="http://schemas.microsoft.com/office/drawing/2014/main" val="2986827662"/>
+                      <a16:colId xmlns:a16="http://schemas.microsoft.com/office/drawing/2014/main" xmlns="" val="2986827662"/>
                     </a:ext>
                   </a:extLst>
                 </a:gridCol>
@@ -12523,7 +12627,7 @@
                 </a:tc>
                 <a:extLst>
                   <a:ext uri="{0D108BD9-81ED-4DB2-BD59-A6C34878D82A}">
-                    <a16:rowId xmlns:a16="http://schemas.microsoft.com/office/drawing/2014/main" val="2770393989"/>
+                    <a16:rowId xmlns:a16="http://schemas.microsoft.com/office/drawing/2014/main" xmlns="" val="2770393989"/>
                   </a:ext>
                 </a:extLst>
               </a:tr>
@@ -12569,7 +12673,7 @@
                 </a:tc>
                 <a:extLst>
                   <a:ext uri="{0D108BD9-81ED-4DB2-BD59-A6C34878D82A}">
-                    <a16:rowId xmlns:a16="http://schemas.microsoft.com/office/drawing/2014/main" val="3665726536"/>
+                    <a16:rowId xmlns:a16="http://schemas.microsoft.com/office/drawing/2014/main" xmlns="" val="3665726536"/>
                   </a:ext>
                 </a:extLst>
               </a:tr>
@@ -12648,7 +12752,7 @@
                 </a:tc>
                 <a:extLst>
                   <a:ext uri="{0D108BD9-81ED-4DB2-BD59-A6C34878D82A}">
-                    <a16:rowId xmlns:a16="http://schemas.microsoft.com/office/drawing/2014/main" val="1054496806"/>
+                    <a16:rowId xmlns:a16="http://schemas.microsoft.com/office/drawing/2014/main" xmlns="" val="1054496806"/>
                   </a:ext>
                 </a:extLst>
               </a:tr>
@@ -12727,7 +12831,7 @@
                 </a:tc>
                 <a:extLst>
                   <a:ext uri="{0D108BD9-81ED-4DB2-BD59-A6C34878D82A}">
-                    <a16:rowId xmlns:a16="http://schemas.microsoft.com/office/drawing/2014/main" val="4221552092"/>
+                    <a16:rowId xmlns:a16="http://schemas.microsoft.com/office/drawing/2014/main" xmlns="" val="4221552092"/>
                   </a:ext>
                 </a:extLst>
               </a:tr>
@@ -12776,7 +12880,7 @@
                 </a:tc>
                 <a:extLst>
                   <a:ext uri="{0D108BD9-81ED-4DB2-BD59-A6C34878D82A}">
-                    <a16:rowId xmlns:a16="http://schemas.microsoft.com/office/drawing/2014/main" val="3906504615"/>
+                    <a16:rowId xmlns:a16="http://schemas.microsoft.com/office/drawing/2014/main" xmlns="" val="3906504615"/>
                   </a:ext>
                 </a:extLst>
               </a:tr>
@@ -12816,7 +12920,7 @@
                 </a:tc>
                 <a:extLst>
                   <a:ext uri="{0D108BD9-81ED-4DB2-BD59-A6C34878D82A}">
-                    <a16:rowId xmlns:a16="http://schemas.microsoft.com/office/drawing/2014/main" val="54323278"/>
+                    <a16:rowId xmlns:a16="http://schemas.microsoft.com/office/drawing/2014/main" xmlns="" val="54323278"/>
                   </a:ext>
                 </a:extLst>
               </a:tr>
@@ -12829,7 +12933,7 @@
           <p:cNvPr id="5" name="Espace réservé du contenu 2">
             <a:extLst>
               <a:ext uri="{FF2B5EF4-FFF2-40B4-BE49-F238E27FC236}">
-                <a16:creationId xmlns:a16="http://schemas.microsoft.com/office/drawing/2014/main" id="{049501FA-9AF5-434D-8DDD-A3BB21F61031}"/>
+                <a16:creationId xmlns:a16="http://schemas.microsoft.com/office/drawing/2014/main" xmlns="" id="{049501FA-9AF5-434D-8DDD-A3BB21F61031}"/>
               </a:ext>
             </a:extLst>
           </p:cNvPr>
@@ -13077,6 +13181,15 @@
               <a:buFont typeface="Arial" panose="020B0604020202020204" pitchFamily="34" charset="0"/>
               <a:buNone/>
             </a:pPr>
+            <a:r>
+              <a:rPr lang="fr-FR" dirty="0">
+                <a:solidFill>
+                  <a:srgbClr val="24292E"/>
+                </a:solidFill>
+                <a:latin typeface="Consolas" panose="020B0609020204030204" pitchFamily="49" charset="0"/>
+              </a:rPr>
+              <a:t/>
+            </a:r>
             <a:br>
               <a:rPr lang="fr-FR" dirty="0">
                 <a:solidFill>
@@ -13184,6 +13297,15 @@
               <a:buFont typeface="Arial" panose="020B0604020202020204" pitchFamily="34" charset="0"/>
               <a:buNone/>
             </a:pPr>
+            <a:r>
+              <a:rPr lang="fr-FR" dirty="0">
+                <a:solidFill>
+                  <a:srgbClr val="24292E"/>
+                </a:solidFill>
+                <a:latin typeface="Consolas" panose="020B0609020204030204" pitchFamily="49" charset="0"/>
+              </a:rPr>
+              <a:t/>
+            </a:r>
             <a:br>
               <a:rPr lang="fr-FR" dirty="0">
                 <a:solidFill>
@@ -13408,6 +13530,15 @@
               <a:buFont typeface="Arial" panose="020B0604020202020204" pitchFamily="34" charset="0"/>
               <a:buNone/>
             </a:pPr>
+            <a:r>
+              <a:rPr lang="fr-FR" dirty="0">
+                <a:solidFill>
+                  <a:srgbClr val="24292E"/>
+                </a:solidFill>
+                <a:latin typeface="Consolas" panose="020B0609020204030204" pitchFamily="49" charset="0"/>
+              </a:rPr>
+              <a:t/>
+            </a:r>
             <a:br>
               <a:rPr lang="fr-FR" dirty="0">
                 <a:solidFill>
@@ -13775,7 +13906,7 @@
           <p:cNvPr id="6" name="Forme libre : forme 5">
             <a:extLst>
               <a:ext uri="{FF2B5EF4-FFF2-40B4-BE49-F238E27FC236}">
-                <a16:creationId xmlns:a16="http://schemas.microsoft.com/office/drawing/2014/main" id="{156EF0C2-64C4-4625-86BB-D6B36515BA48}"/>
+                <a16:creationId xmlns:a16="http://schemas.microsoft.com/office/drawing/2014/main" xmlns="" id="{156EF0C2-64C4-4625-86BB-D6B36515BA48}"/>
               </a:ext>
             </a:extLst>
           </p:cNvPr>
@@ -13866,7 +13997,7 @@
           <p:cNvPr id="7" name="ZoneTexte 6">
             <a:extLst>
               <a:ext uri="{FF2B5EF4-FFF2-40B4-BE49-F238E27FC236}">
-                <a16:creationId xmlns:a16="http://schemas.microsoft.com/office/drawing/2014/main" id="{6CF49DED-EC9B-4330-9C54-ADFE00405858}"/>
+                <a16:creationId xmlns:a16="http://schemas.microsoft.com/office/drawing/2014/main" xmlns="" id="{6CF49DED-EC9B-4330-9C54-ADFE00405858}"/>
               </a:ext>
             </a:extLst>
           </p:cNvPr>
@@ -14053,7 +14184,7 @@
           <p:cNvPr id="3" name="Groupe 2">
             <a:extLst>
               <a:ext uri="{FF2B5EF4-FFF2-40B4-BE49-F238E27FC236}">
-                <a16:creationId xmlns:a16="http://schemas.microsoft.com/office/drawing/2014/main" id="{A58517FD-1DD5-4D98-842C-51356DBE7CBD}"/>
+                <a16:creationId xmlns:a16="http://schemas.microsoft.com/office/drawing/2014/main" xmlns="" id="{A58517FD-1DD5-4D98-842C-51356DBE7CBD}"/>
               </a:ext>
             </a:extLst>
           </p:cNvPr>
@@ -14073,7 +14204,7 @@
             <p:cNvPr id="9" name="Rectangle 8">
               <a:extLst>
                 <a:ext uri="{FF2B5EF4-FFF2-40B4-BE49-F238E27FC236}">
-                  <a16:creationId xmlns:a16="http://schemas.microsoft.com/office/drawing/2014/main" id="{D87D1269-12D2-44D2-89FB-D2D5E4D8CD7D}"/>
+                  <a16:creationId xmlns:a16="http://schemas.microsoft.com/office/drawing/2014/main" xmlns="" id="{D87D1269-12D2-44D2-89FB-D2D5E4D8CD7D}"/>
                 </a:ext>
               </a:extLst>
             </p:cNvPr>
@@ -14128,7 +14259,7 @@
             <p:cNvPr id="8" name="Triangle isocèle 7">
               <a:extLst>
                 <a:ext uri="{FF2B5EF4-FFF2-40B4-BE49-F238E27FC236}">
-                  <a16:creationId xmlns:a16="http://schemas.microsoft.com/office/drawing/2014/main" id="{FD930DE8-EE9D-4D16-A873-8D7F405152E3}"/>
+                  <a16:creationId xmlns:a16="http://schemas.microsoft.com/office/drawing/2014/main" xmlns="" id="{FD930DE8-EE9D-4D16-A873-8D7F405152E3}"/>
                 </a:ext>
               </a:extLst>
             </p:cNvPr>
@@ -14178,7 +14309,7 @@
           <p:cNvPr id="2" name="Titre 1">
             <a:extLst>
               <a:ext uri="{FF2B5EF4-FFF2-40B4-BE49-F238E27FC236}">
-                <a16:creationId xmlns:a16="http://schemas.microsoft.com/office/drawing/2014/main" id="{A70E3617-25B1-46EC-9D69-B4B1E6125451}"/>
+                <a16:creationId xmlns:a16="http://schemas.microsoft.com/office/drawing/2014/main" xmlns="" id="{A70E3617-25B1-46EC-9D69-B4B1E6125451}"/>
               </a:ext>
             </a:extLst>
           </p:cNvPr>
@@ -14223,7 +14354,7 @@
           <p:cNvPr id="4" name="Tableau 4">
             <a:extLst>
               <a:ext uri="{FF2B5EF4-FFF2-40B4-BE49-F238E27FC236}">
-                <a16:creationId xmlns:a16="http://schemas.microsoft.com/office/drawing/2014/main" id="{43E31FF1-A8FB-4533-82F1-453569B0B5F7}"/>
+                <a16:creationId xmlns:a16="http://schemas.microsoft.com/office/drawing/2014/main" xmlns="" id="{43E31FF1-A8FB-4533-82F1-453569B0B5F7}"/>
               </a:ext>
             </a:extLst>
           </p:cNvPr>
@@ -14252,21 +14383,21 @@
                 <a:gridCol w="1391479">
                   <a:extLst>
                     <a:ext uri="{9D8B030D-6E8A-4147-A177-3AD203B41FA5}">
-                      <a16:colId xmlns:a16="http://schemas.microsoft.com/office/drawing/2014/main" val="131224004"/>
+                      <a16:colId xmlns:a16="http://schemas.microsoft.com/office/drawing/2014/main" xmlns="" val="131224004"/>
                     </a:ext>
                   </a:extLst>
                 </a:gridCol>
                 <a:gridCol w="1179443">
                   <a:extLst>
                     <a:ext uri="{9D8B030D-6E8A-4147-A177-3AD203B41FA5}">
-                      <a16:colId xmlns:a16="http://schemas.microsoft.com/office/drawing/2014/main" val="2965997092"/>
+                      <a16:colId xmlns:a16="http://schemas.microsoft.com/office/drawing/2014/main" xmlns="" val="2965997092"/>
                     </a:ext>
                   </a:extLst>
                 </a:gridCol>
                 <a:gridCol w="1520688">
                   <a:extLst>
                     <a:ext uri="{9D8B030D-6E8A-4147-A177-3AD203B41FA5}">
-                      <a16:colId xmlns:a16="http://schemas.microsoft.com/office/drawing/2014/main" val="2986827662"/>
+                      <a16:colId xmlns:a16="http://schemas.microsoft.com/office/drawing/2014/main" xmlns="" val="2986827662"/>
                     </a:ext>
                   </a:extLst>
                 </a:gridCol>
@@ -14316,7 +14447,7 @@
                 </a:tc>
                 <a:extLst>
                   <a:ext uri="{0D108BD9-81ED-4DB2-BD59-A6C34878D82A}">
-                    <a16:rowId xmlns:a16="http://schemas.microsoft.com/office/drawing/2014/main" val="2770393989"/>
+                    <a16:rowId xmlns:a16="http://schemas.microsoft.com/office/drawing/2014/main" xmlns="" val="2770393989"/>
                   </a:ext>
                 </a:extLst>
               </a:tr>
@@ -14359,7 +14490,7 @@
                 </a:tc>
                 <a:extLst>
                   <a:ext uri="{0D108BD9-81ED-4DB2-BD59-A6C34878D82A}">
-                    <a16:rowId xmlns:a16="http://schemas.microsoft.com/office/drawing/2014/main" val="3665726536"/>
+                    <a16:rowId xmlns:a16="http://schemas.microsoft.com/office/drawing/2014/main" xmlns="" val="3665726536"/>
                   </a:ext>
                 </a:extLst>
               </a:tr>
@@ -14435,7 +14566,7 @@
                 </a:tc>
                 <a:extLst>
                   <a:ext uri="{0D108BD9-81ED-4DB2-BD59-A6C34878D82A}">
-                    <a16:rowId xmlns:a16="http://schemas.microsoft.com/office/drawing/2014/main" val="1054496806"/>
+                    <a16:rowId xmlns:a16="http://schemas.microsoft.com/office/drawing/2014/main" xmlns="" val="1054496806"/>
                   </a:ext>
                 </a:extLst>
               </a:tr>
@@ -14514,7 +14645,7 @@
                 </a:tc>
                 <a:extLst>
                   <a:ext uri="{0D108BD9-81ED-4DB2-BD59-A6C34878D82A}">
-                    <a16:rowId xmlns:a16="http://schemas.microsoft.com/office/drawing/2014/main" val="4221552092"/>
+                    <a16:rowId xmlns:a16="http://schemas.microsoft.com/office/drawing/2014/main" xmlns="" val="4221552092"/>
                   </a:ext>
                 </a:extLst>
               </a:tr>
@@ -14563,7 +14694,7 @@
                 </a:tc>
                 <a:extLst>
                   <a:ext uri="{0D108BD9-81ED-4DB2-BD59-A6C34878D82A}">
-                    <a16:rowId xmlns:a16="http://schemas.microsoft.com/office/drawing/2014/main" val="3906504615"/>
+                    <a16:rowId xmlns:a16="http://schemas.microsoft.com/office/drawing/2014/main" xmlns="" val="3906504615"/>
                   </a:ext>
                 </a:extLst>
               </a:tr>
@@ -14610,7 +14741,7 @@
                 </a:tc>
                 <a:extLst>
                   <a:ext uri="{0D108BD9-81ED-4DB2-BD59-A6C34878D82A}">
-                    <a16:rowId xmlns:a16="http://schemas.microsoft.com/office/drawing/2014/main" val="54323278"/>
+                    <a16:rowId xmlns:a16="http://schemas.microsoft.com/office/drawing/2014/main" xmlns="" val="54323278"/>
                   </a:ext>
                 </a:extLst>
               </a:tr>
@@ -14623,7 +14754,7 @@
           <p:cNvPr id="5" name="Espace réservé du contenu 2">
             <a:extLst>
               <a:ext uri="{FF2B5EF4-FFF2-40B4-BE49-F238E27FC236}">
-                <a16:creationId xmlns:a16="http://schemas.microsoft.com/office/drawing/2014/main" id="{049501FA-9AF5-434D-8DDD-A3BB21F61031}"/>
+                <a16:creationId xmlns:a16="http://schemas.microsoft.com/office/drawing/2014/main" xmlns="" id="{049501FA-9AF5-434D-8DDD-A3BB21F61031}"/>
               </a:ext>
             </a:extLst>
           </p:cNvPr>
@@ -14871,6 +15002,15 @@
               <a:buFont typeface="Arial" panose="020B0604020202020204" pitchFamily="34" charset="0"/>
               <a:buNone/>
             </a:pPr>
+            <a:r>
+              <a:rPr lang="fr-FR" dirty="0">
+                <a:solidFill>
+                  <a:srgbClr val="24292E"/>
+                </a:solidFill>
+                <a:latin typeface="Consolas" panose="020B0609020204030204" pitchFamily="49" charset="0"/>
+              </a:rPr>
+              <a:t/>
+            </a:r>
             <a:br>
               <a:rPr lang="fr-FR" dirty="0">
                 <a:solidFill>
@@ -14978,6 +15118,15 @@
               <a:buFont typeface="Arial" panose="020B0604020202020204" pitchFamily="34" charset="0"/>
               <a:buNone/>
             </a:pPr>
+            <a:r>
+              <a:rPr lang="fr-FR" dirty="0">
+                <a:solidFill>
+                  <a:srgbClr val="24292E"/>
+                </a:solidFill>
+                <a:latin typeface="Consolas" panose="020B0609020204030204" pitchFamily="49" charset="0"/>
+              </a:rPr>
+              <a:t/>
+            </a:r>
             <a:br>
               <a:rPr lang="fr-FR" dirty="0">
                 <a:solidFill>
@@ -15202,6 +15351,15 @@
               <a:buFont typeface="Arial" panose="020B0604020202020204" pitchFamily="34" charset="0"/>
               <a:buNone/>
             </a:pPr>
+            <a:r>
+              <a:rPr lang="fr-FR" dirty="0">
+                <a:solidFill>
+                  <a:srgbClr val="24292E"/>
+                </a:solidFill>
+                <a:latin typeface="Consolas" panose="020B0609020204030204" pitchFamily="49" charset="0"/>
+              </a:rPr>
+              <a:t/>
+            </a:r>
             <a:br>
               <a:rPr lang="fr-FR" dirty="0">
                 <a:solidFill>
@@ -15569,7 +15727,7 @@
           <p:cNvPr id="6" name="Ellipse 5">
             <a:extLst>
               <a:ext uri="{FF2B5EF4-FFF2-40B4-BE49-F238E27FC236}">
-                <a16:creationId xmlns:a16="http://schemas.microsoft.com/office/drawing/2014/main" id="{11E8638C-E90B-426D-B380-F32E7D8CAE74}"/>
+                <a16:creationId xmlns:a16="http://schemas.microsoft.com/office/drawing/2014/main" xmlns="" id="{11E8638C-E90B-426D-B380-F32E7D8CAE74}"/>
               </a:ext>
             </a:extLst>
           </p:cNvPr>
@@ -15748,7 +15906,7 @@
           <p:cNvPr id="3" name="Groupe 2">
             <a:extLst>
               <a:ext uri="{FF2B5EF4-FFF2-40B4-BE49-F238E27FC236}">
-                <a16:creationId xmlns:a16="http://schemas.microsoft.com/office/drawing/2014/main" id="{A58517FD-1DD5-4D98-842C-51356DBE7CBD}"/>
+                <a16:creationId xmlns:a16="http://schemas.microsoft.com/office/drawing/2014/main" xmlns="" id="{A58517FD-1DD5-4D98-842C-51356DBE7CBD}"/>
               </a:ext>
             </a:extLst>
           </p:cNvPr>
@@ -15768,7 +15926,7 @@
             <p:cNvPr id="9" name="Rectangle 8">
               <a:extLst>
                 <a:ext uri="{FF2B5EF4-FFF2-40B4-BE49-F238E27FC236}">
-                  <a16:creationId xmlns:a16="http://schemas.microsoft.com/office/drawing/2014/main" id="{D87D1269-12D2-44D2-89FB-D2D5E4D8CD7D}"/>
+                  <a16:creationId xmlns:a16="http://schemas.microsoft.com/office/drawing/2014/main" xmlns="" id="{D87D1269-12D2-44D2-89FB-D2D5E4D8CD7D}"/>
                 </a:ext>
               </a:extLst>
             </p:cNvPr>
@@ -15823,7 +15981,7 @@
             <p:cNvPr id="8" name="Triangle isocèle 7">
               <a:extLst>
                 <a:ext uri="{FF2B5EF4-FFF2-40B4-BE49-F238E27FC236}">
-                  <a16:creationId xmlns:a16="http://schemas.microsoft.com/office/drawing/2014/main" id="{FD930DE8-EE9D-4D16-A873-8D7F405152E3}"/>
+                  <a16:creationId xmlns:a16="http://schemas.microsoft.com/office/drawing/2014/main" xmlns="" id="{FD930DE8-EE9D-4D16-A873-8D7F405152E3}"/>
                 </a:ext>
               </a:extLst>
             </p:cNvPr>
@@ -15873,7 +16031,7 @@
           <p:cNvPr id="2" name="Titre 1">
             <a:extLst>
               <a:ext uri="{FF2B5EF4-FFF2-40B4-BE49-F238E27FC236}">
-                <a16:creationId xmlns:a16="http://schemas.microsoft.com/office/drawing/2014/main" id="{A70E3617-25B1-46EC-9D69-B4B1E6125451}"/>
+                <a16:creationId xmlns:a16="http://schemas.microsoft.com/office/drawing/2014/main" xmlns="" id="{A70E3617-25B1-46EC-9D69-B4B1E6125451}"/>
               </a:ext>
             </a:extLst>
           </p:cNvPr>
@@ -15918,7 +16076,7 @@
           <p:cNvPr id="4" name="Tableau 4">
             <a:extLst>
               <a:ext uri="{FF2B5EF4-FFF2-40B4-BE49-F238E27FC236}">
-                <a16:creationId xmlns:a16="http://schemas.microsoft.com/office/drawing/2014/main" id="{43E31FF1-A8FB-4533-82F1-453569B0B5F7}"/>
+                <a16:creationId xmlns:a16="http://schemas.microsoft.com/office/drawing/2014/main" xmlns="" id="{43E31FF1-A8FB-4533-82F1-453569B0B5F7}"/>
               </a:ext>
             </a:extLst>
           </p:cNvPr>
@@ -15947,21 +16105,21 @@
                 <a:gridCol w="1391479">
                   <a:extLst>
                     <a:ext uri="{9D8B030D-6E8A-4147-A177-3AD203B41FA5}">
-                      <a16:colId xmlns:a16="http://schemas.microsoft.com/office/drawing/2014/main" val="131224004"/>
+                      <a16:colId xmlns:a16="http://schemas.microsoft.com/office/drawing/2014/main" xmlns="" val="131224004"/>
                     </a:ext>
                   </a:extLst>
                 </a:gridCol>
                 <a:gridCol w="1179443">
                   <a:extLst>
                     <a:ext uri="{9D8B030D-6E8A-4147-A177-3AD203B41FA5}">
-                      <a16:colId xmlns:a16="http://schemas.microsoft.com/office/drawing/2014/main" val="2965997092"/>
+                      <a16:colId xmlns:a16="http://schemas.microsoft.com/office/drawing/2014/main" xmlns="" val="2965997092"/>
                     </a:ext>
                   </a:extLst>
                 </a:gridCol>
                 <a:gridCol w="1520688">
                   <a:extLst>
                     <a:ext uri="{9D8B030D-6E8A-4147-A177-3AD203B41FA5}">
-                      <a16:colId xmlns:a16="http://schemas.microsoft.com/office/drawing/2014/main" val="2986827662"/>
+                      <a16:colId xmlns:a16="http://schemas.microsoft.com/office/drawing/2014/main" xmlns="" val="2986827662"/>
                     </a:ext>
                   </a:extLst>
                 </a:gridCol>
@@ -16011,7 +16169,7 @@
                 </a:tc>
                 <a:extLst>
                   <a:ext uri="{0D108BD9-81ED-4DB2-BD59-A6C34878D82A}">
-                    <a16:rowId xmlns:a16="http://schemas.microsoft.com/office/drawing/2014/main" val="2770393989"/>
+                    <a16:rowId xmlns:a16="http://schemas.microsoft.com/office/drawing/2014/main" xmlns="" val="2770393989"/>
                   </a:ext>
                 </a:extLst>
               </a:tr>
@@ -16054,7 +16212,7 @@
                 </a:tc>
                 <a:extLst>
                   <a:ext uri="{0D108BD9-81ED-4DB2-BD59-A6C34878D82A}">
-                    <a16:rowId xmlns:a16="http://schemas.microsoft.com/office/drawing/2014/main" val="3665726536"/>
+                    <a16:rowId xmlns:a16="http://schemas.microsoft.com/office/drawing/2014/main" xmlns="" val="3665726536"/>
                   </a:ext>
                 </a:extLst>
               </a:tr>
@@ -16130,7 +16288,7 @@
                 </a:tc>
                 <a:extLst>
                   <a:ext uri="{0D108BD9-81ED-4DB2-BD59-A6C34878D82A}">
-                    <a16:rowId xmlns:a16="http://schemas.microsoft.com/office/drawing/2014/main" val="1054496806"/>
+                    <a16:rowId xmlns:a16="http://schemas.microsoft.com/office/drawing/2014/main" xmlns="" val="1054496806"/>
                   </a:ext>
                 </a:extLst>
               </a:tr>
@@ -16209,7 +16367,7 @@
                 </a:tc>
                 <a:extLst>
                   <a:ext uri="{0D108BD9-81ED-4DB2-BD59-A6C34878D82A}">
-                    <a16:rowId xmlns:a16="http://schemas.microsoft.com/office/drawing/2014/main" val="4221552092"/>
+                    <a16:rowId xmlns:a16="http://schemas.microsoft.com/office/drawing/2014/main" xmlns="" val="4221552092"/>
                   </a:ext>
                 </a:extLst>
               </a:tr>
@@ -16258,7 +16416,7 @@
                 </a:tc>
                 <a:extLst>
                   <a:ext uri="{0D108BD9-81ED-4DB2-BD59-A6C34878D82A}">
-                    <a16:rowId xmlns:a16="http://schemas.microsoft.com/office/drawing/2014/main" val="3906504615"/>
+                    <a16:rowId xmlns:a16="http://schemas.microsoft.com/office/drawing/2014/main" xmlns="" val="3906504615"/>
                   </a:ext>
                 </a:extLst>
               </a:tr>
@@ -16308,7 +16466,7 @@
                 </a:tc>
                 <a:extLst>
                   <a:ext uri="{0D108BD9-81ED-4DB2-BD59-A6C34878D82A}">
-                    <a16:rowId xmlns:a16="http://schemas.microsoft.com/office/drawing/2014/main" val="54323278"/>
+                    <a16:rowId xmlns:a16="http://schemas.microsoft.com/office/drawing/2014/main" xmlns="" val="54323278"/>
                   </a:ext>
                 </a:extLst>
               </a:tr>
@@ -16321,7 +16479,7 @@
           <p:cNvPr id="5" name="Espace réservé du contenu 2">
             <a:extLst>
               <a:ext uri="{FF2B5EF4-FFF2-40B4-BE49-F238E27FC236}">
-                <a16:creationId xmlns:a16="http://schemas.microsoft.com/office/drawing/2014/main" id="{049501FA-9AF5-434D-8DDD-A3BB21F61031}"/>
+                <a16:creationId xmlns:a16="http://schemas.microsoft.com/office/drawing/2014/main" xmlns="" id="{049501FA-9AF5-434D-8DDD-A3BB21F61031}"/>
               </a:ext>
             </a:extLst>
           </p:cNvPr>
@@ -16569,6 +16727,15 @@
               <a:buFont typeface="Arial" panose="020B0604020202020204" pitchFamily="34" charset="0"/>
               <a:buNone/>
             </a:pPr>
+            <a:r>
+              <a:rPr lang="fr-FR" dirty="0">
+                <a:solidFill>
+                  <a:srgbClr val="24292E"/>
+                </a:solidFill>
+                <a:latin typeface="Consolas" panose="020B0609020204030204" pitchFamily="49" charset="0"/>
+              </a:rPr>
+              <a:t/>
+            </a:r>
             <a:br>
               <a:rPr lang="fr-FR" dirty="0">
                 <a:solidFill>
@@ -16676,6 +16843,15 @@
               <a:buFont typeface="Arial" panose="020B0604020202020204" pitchFamily="34" charset="0"/>
               <a:buNone/>
             </a:pPr>
+            <a:r>
+              <a:rPr lang="fr-FR" dirty="0">
+                <a:solidFill>
+                  <a:srgbClr val="24292E"/>
+                </a:solidFill>
+                <a:latin typeface="Consolas" panose="020B0609020204030204" pitchFamily="49" charset="0"/>
+              </a:rPr>
+              <a:t/>
+            </a:r>
             <a:br>
               <a:rPr lang="fr-FR" dirty="0">
                 <a:solidFill>
@@ -16900,6 +17076,15 @@
               <a:buFont typeface="Arial" panose="020B0604020202020204" pitchFamily="34" charset="0"/>
               <a:buNone/>
             </a:pPr>
+            <a:r>
+              <a:rPr lang="fr-FR" dirty="0">
+                <a:solidFill>
+                  <a:srgbClr val="24292E"/>
+                </a:solidFill>
+                <a:latin typeface="Consolas" panose="020B0609020204030204" pitchFamily="49" charset="0"/>
+              </a:rPr>
+              <a:t/>
+            </a:r>
             <a:br>
               <a:rPr lang="fr-FR" dirty="0">
                 <a:solidFill>
@@ -17297,7 +17482,7 @@
           <p:cNvPr id="3" name="Espace réservé du contenu 2">
             <a:extLst>
               <a:ext uri="{FF2B5EF4-FFF2-40B4-BE49-F238E27FC236}">
-                <a16:creationId xmlns:a16="http://schemas.microsoft.com/office/drawing/2014/main" id="{DFAF039C-3967-43B2-8160-69765897D409}"/>
+                <a16:creationId xmlns:a16="http://schemas.microsoft.com/office/drawing/2014/main" xmlns="" id="{DFAF039C-3967-43B2-8160-69765897D409}"/>
               </a:ext>
             </a:extLst>
           </p:cNvPr>
@@ -17775,7 +17960,7 @@
           <p:cNvPr id="3" name="Groupe 2">
             <a:extLst>
               <a:ext uri="{FF2B5EF4-FFF2-40B4-BE49-F238E27FC236}">
-                <a16:creationId xmlns:a16="http://schemas.microsoft.com/office/drawing/2014/main" id="{A58517FD-1DD5-4D98-842C-51356DBE7CBD}"/>
+                <a16:creationId xmlns:a16="http://schemas.microsoft.com/office/drawing/2014/main" xmlns="" id="{A58517FD-1DD5-4D98-842C-51356DBE7CBD}"/>
               </a:ext>
             </a:extLst>
           </p:cNvPr>
@@ -17795,7 +17980,7 @@
             <p:cNvPr id="9" name="Rectangle 8">
               <a:extLst>
                 <a:ext uri="{FF2B5EF4-FFF2-40B4-BE49-F238E27FC236}">
-                  <a16:creationId xmlns:a16="http://schemas.microsoft.com/office/drawing/2014/main" id="{D87D1269-12D2-44D2-89FB-D2D5E4D8CD7D}"/>
+                  <a16:creationId xmlns:a16="http://schemas.microsoft.com/office/drawing/2014/main" xmlns="" id="{D87D1269-12D2-44D2-89FB-D2D5E4D8CD7D}"/>
                 </a:ext>
               </a:extLst>
             </p:cNvPr>
@@ -17850,7 +18035,7 @@
             <p:cNvPr id="8" name="Triangle isocèle 7">
               <a:extLst>
                 <a:ext uri="{FF2B5EF4-FFF2-40B4-BE49-F238E27FC236}">
-                  <a16:creationId xmlns:a16="http://schemas.microsoft.com/office/drawing/2014/main" id="{FD930DE8-EE9D-4D16-A873-8D7F405152E3}"/>
+                  <a16:creationId xmlns:a16="http://schemas.microsoft.com/office/drawing/2014/main" xmlns="" id="{FD930DE8-EE9D-4D16-A873-8D7F405152E3}"/>
                 </a:ext>
               </a:extLst>
             </p:cNvPr>
@@ -17900,7 +18085,7 @@
           <p:cNvPr id="2" name="Titre 1">
             <a:extLst>
               <a:ext uri="{FF2B5EF4-FFF2-40B4-BE49-F238E27FC236}">
-                <a16:creationId xmlns:a16="http://schemas.microsoft.com/office/drawing/2014/main" id="{A70E3617-25B1-46EC-9D69-B4B1E6125451}"/>
+                <a16:creationId xmlns:a16="http://schemas.microsoft.com/office/drawing/2014/main" xmlns="" id="{A70E3617-25B1-46EC-9D69-B4B1E6125451}"/>
               </a:ext>
             </a:extLst>
           </p:cNvPr>
@@ -17945,7 +18130,7 @@
           <p:cNvPr id="4" name="Tableau 4">
             <a:extLst>
               <a:ext uri="{FF2B5EF4-FFF2-40B4-BE49-F238E27FC236}">
-                <a16:creationId xmlns:a16="http://schemas.microsoft.com/office/drawing/2014/main" id="{43E31FF1-A8FB-4533-82F1-453569B0B5F7}"/>
+                <a16:creationId xmlns:a16="http://schemas.microsoft.com/office/drawing/2014/main" xmlns="" id="{43E31FF1-A8FB-4533-82F1-453569B0B5F7}"/>
               </a:ext>
             </a:extLst>
           </p:cNvPr>
@@ -17974,21 +18159,21 @@
                 <a:gridCol w="1391479">
                   <a:extLst>
                     <a:ext uri="{9D8B030D-6E8A-4147-A177-3AD203B41FA5}">
-                      <a16:colId xmlns:a16="http://schemas.microsoft.com/office/drawing/2014/main" val="131224004"/>
+                      <a16:colId xmlns:a16="http://schemas.microsoft.com/office/drawing/2014/main" xmlns="" val="131224004"/>
                     </a:ext>
                   </a:extLst>
                 </a:gridCol>
                 <a:gridCol w="1179443">
                   <a:extLst>
                     <a:ext uri="{9D8B030D-6E8A-4147-A177-3AD203B41FA5}">
-                      <a16:colId xmlns:a16="http://schemas.microsoft.com/office/drawing/2014/main" val="2965997092"/>
+                      <a16:colId xmlns:a16="http://schemas.microsoft.com/office/drawing/2014/main" xmlns="" val="2965997092"/>
                     </a:ext>
                   </a:extLst>
                 </a:gridCol>
                 <a:gridCol w="1520688">
                   <a:extLst>
                     <a:ext uri="{9D8B030D-6E8A-4147-A177-3AD203B41FA5}">
-                      <a16:colId xmlns:a16="http://schemas.microsoft.com/office/drawing/2014/main" val="2986827662"/>
+                      <a16:colId xmlns:a16="http://schemas.microsoft.com/office/drawing/2014/main" xmlns="" val="2986827662"/>
                     </a:ext>
                   </a:extLst>
                 </a:gridCol>
@@ -18038,7 +18223,7 @@
                 </a:tc>
                 <a:extLst>
                   <a:ext uri="{0D108BD9-81ED-4DB2-BD59-A6C34878D82A}">
-                    <a16:rowId xmlns:a16="http://schemas.microsoft.com/office/drawing/2014/main" val="2770393989"/>
+                    <a16:rowId xmlns:a16="http://schemas.microsoft.com/office/drawing/2014/main" xmlns="" val="2770393989"/>
                   </a:ext>
                 </a:extLst>
               </a:tr>
@@ -18081,7 +18266,7 @@
                 </a:tc>
                 <a:extLst>
                   <a:ext uri="{0D108BD9-81ED-4DB2-BD59-A6C34878D82A}">
-                    <a16:rowId xmlns:a16="http://schemas.microsoft.com/office/drawing/2014/main" val="3665726536"/>
+                    <a16:rowId xmlns:a16="http://schemas.microsoft.com/office/drawing/2014/main" xmlns="" val="3665726536"/>
                   </a:ext>
                 </a:extLst>
               </a:tr>
@@ -18157,7 +18342,7 @@
                 </a:tc>
                 <a:extLst>
                   <a:ext uri="{0D108BD9-81ED-4DB2-BD59-A6C34878D82A}">
-                    <a16:rowId xmlns:a16="http://schemas.microsoft.com/office/drawing/2014/main" val="1054496806"/>
+                    <a16:rowId xmlns:a16="http://schemas.microsoft.com/office/drawing/2014/main" xmlns="" val="1054496806"/>
                   </a:ext>
                 </a:extLst>
               </a:tr>
@@ -18236,7 +18421,7 @@
                 </a:tc>
                 <a:extLst>
                   <a:ext uri="{0D108BD9-81ED-4DB2-BD59-A6C34878D82A}">
-                    <a16:rowId xmlns:a16="http://schemas.microsoft.com/office/drawing/2014/main" val="4221552092"/>
+                    <a16:rowId xmlns:a16="http://schemas.microsoft.com/office/drawing/2014/main" xmlns="" val="4221552092"/>
                   </a:ext>
                 </a:extLst>
               </a:tr>
@@ -18285,7 +18470,7 @@
                 </a:tc>
                 <a:extLst>
                   <a:ext uri="{0D108BD9-81ED-4DB2-BD59-A6C34878D82A}">
-                    <a16:rowId xmlns:a16="http://schemas.microsoft.com/office/drawing/2014/main" val="3906504615"/>
+                    <a16:rowId xmlns:a16="http://schemas.microsoft.com/office/drawing/2014/main" xmlns="" val="3906504615"/>
                   </a:ext>
                 </a:extLst>
               </a:tr>
@@ -18335,7 +18520,7 @@
                 </a:tc>
                 <a:extLst>
                   <a:ext uri="{0D108BD9-81ED-4DB2-BD59-A6C34878D82A}">
-                    <a16:rowId xmlns:a16="http://schemas.microsoft.com/office/drawing/2014/main" val="54323278"/>
+                    <a16:rowId xmlns:a16="http://schemas.microsoft.com/office/drawing/2014/main" xmlns="" val="54323278"/>
                   </a:ext>
                 </a:extLst>
               </a:tr>
@@ -18348,7 +18533,7 @@
           <p:cNvPr id="5" name="Espace réservé du contenu 2">
             <a:extLst>
               <a:ext uri="{FF2B5EF4-FFF2-40B4-BE49-F238E27FC236}">
-                <a16:creationId xmlns:a16="http://schemas.microsoft.com/office/drawing/2014/main" id="{049501FA-9AF5-434D-8DDD-A3BB21F61031}"/>
+                <a16:creationId xmlns:a16="http://schemas.microsoft.com/office/drawing/2014/main" xmlns="" id="{049501FA-9AF5-434D-8DDD-A3BB21F61031}"/>
               </a:ext>
             </a:extLst>
           </p:cNvPr>
@@ -18596,6 +18781,15 @@
               <a:buFont typeface="Arial" panose="020B0604020202020204" pitchFamily="34" charset="0"/>
               <a:buNone/>
             </a:pPr>
+            <a:r>
+              <a:rPr lang="fr-FR" dirty="0">
+                <a:solidFill>
+                  <a:srgbClr val="24292E"/>
+                </a:solidFill>
+                <a:latin typeface="Consolas" panose="020B0609020204030204" pitchFamily="49" charset="0"/>
+              </a:rPr>
+              <a:t/>
+            </a:r>
             <a:br>
               <a:rPr lang="fr-FR" dirty="0">
                 <a:solidFill>
@@ -18703,6 +18897,15 @@
               <a:buFont typeface="Arial" panose="020B0604020202020204" pitchFamily="34" charset="0"/>
               <a:buNone/>
             </a:pPr>
+            <a:r>
+              <a:rPr lang="fr-FR" dirty="0">
+                <a:solidFill>
+                  <a:srgbClr val="24292E"/>
+                </a:solidFill>
+                <a:latin typeface="Consolas" panose="020B0609020204030204" pitchFamily="49" charset="0"/>
+              </a:rPr>
+              <a:t/>
+            </a:r>
             <a:br>
               <a:rPr lang="fr-FR" dirty="0">
                 <a:solidFill>
@@ -18927,6 +19130,15 @@
               <a:buFont typeface="Arial" panose="020B0604020202020204" pitchFamily="34" charset="0"/>
               <a:buNone/>
             </a:pPr>
+            <a:r>
+              <a:rPr lang="fr-FR" dirty="0">
+                <a:solidFill>
+                  <a:srgbClr val="24292E"/>
+                </a:solidFill>
+                <a:latin typeface="Consolas" panose="020B0609020204030204" pitchFamily="49" charset="0"/>
+              </a:rPr>
+              <a:t/>
+            </a:r>
             <a:br>
               <a:rPr lang="fr-FR" dirty="0">
                 <a:solidFill>
@@ -19324,7 +19536,7 @@
           <p:cNvPr id="3" name="Groupe 2">
             <a:extLst>
               <a:ext uri="{FF2B5EF4-FFF2-40B4-BE49-F238E27FC236}">
-                <a16:creationId xmlns:a16="http://schemas.microsoft.com/office/drawing/2014/main" id="{A58517FD-1DD5-4D98-842C-51356DBE7CBD}"/>
+                <a16:creationId xmlns:a16="http://schemas.microsoft.com/office/drawing/2014/main" xmlns="" id="{A58517FD-1DD5-4D98-842C-51356DBE7CBD}"/>
               </a:ext>
             </a:extLst>
           </p:cNvPr>
@@ -19344,7 +19556,7 @@
             <p:cNvPr id="9" name="Rectangle 8">
               <a:extLst>
                 <a:ext uri="{FF2B5EF4-FFF2-40B4-BE49-F238E27FC236}">
-                  <a16:creationId xmlns:a16="http://schemas.microsoft.com/office/drawing/2014/main" id="{D87D1269-12D2-44D2-89FB-D2D5E4D8CD7D}"/>
+                  <a16:creationId xmlns:a16="http://schemas.microsoft.com/office/drawing/2014/main" xmlns="" id="{D87D1269-12D2-44D2-89FB-D2D5E4D8CD7D}"/>
                 </a:ext>
               </a:extLst>
             </p:cNvPr>
@@ -19399,7 +19611,7 @@
             <p:cNvPr id="8" name="Triangle isocèle 7">
               <a:extLst>
                 <a:ext uri="{FF2B5EF4-FFF2-40B4-BE49-F238E27FC236}">
-                  <a16:creationId xmlns:a16="http://schemas.microsoft.com/office/drawing/2014/main" id="{FD930DE8-EE9D-4D16-A873-8D7F405152E3}"/>
+                  <a16:creationId xmlns:a16="http://schemas.microsoft.com/office/drawing/2014/main" xmlns="" id="{FD930DE8-EE9D-4D16-A873-8D7F405152E3}"/>
                 </a:ext>
               </a:extLst>
             </p:cNvPr>
@@ -19449,7 +19661,7 @@
           <p:cNvPr id="2" name="Titre 1">
             <a:extLst>
               <a:ext uri="{FF2B5EF4-FFF2-40B4-BE49-F238E27FC236}">
-                <a16:creationId xmlns:a16="http://schemas.microsoft.com/office/drawing/2014/main" id="{A70E3617-25B1-46EC-9D69-B4B1E6125451}"/>
+                <a16:creationId xmlns:a16="http://schemas.microsoft.com/office/drawing/2014/main" xmlns="" id="{A70E3617-25B1-46EC-9D69-B4B1E6125451}"/>
               </a:ext>
             </a:extLst>
           </p:cNvPr>
@@ -19494,7 +19706,7 @@
           <p:cNvPr id="4" name="Tableau 4">
             <a:extLst>
               <a:ext uri="{FF2B5EF4-FFF2-40B4-BE49-F238E27FC236}">
-                <a16:creationId xmlns:a16="http://schemas.microsoft.com/office/drawing/2014/main" id="{43E31FF1-A8FB-4533-82F1-453569B0B5F7}"/>
+                <a16:creationId xmlns:a16="http://schemas.microsoft.com/office/drawing/2014/main" xmlns="" id="{43E31FF1-A8FB-4533-82F1-453569B0B5F7}"/>
               </a:ext>
             </a:extLst>
           </p:cNvPr>
@@ -19523,21 +19735,21 @@
                 <a:gridCol w="1391479">
                   <a:extLst>
                     <a:ext uri="{9D8B030D-6E8A-4147-A177-3AD203B41FA5}">
-                      <a16:colId xmlns:a16="http://schemas.microsoft.com/office/drawing/2014/main" val="131224004"/>
+                      <a16:colId xmlns:a16="http://schemas.microsoft.com/office/drawing/2014/main" xmlns="" val="131224004"/>
                     </a:ext>
                   </a:extLst>
                 </a:gridCol>
                 <a:gridCol w="1179443">
                   <a:extLst>
                     <a:ext uri="{9D8B030D-6E8A-4147-A177-3AD203B41FA5}">
-                      <a16:colId xmlns:a16="http://schemas.microsoft.com/office/drawing/2014/main" val="2965997092"/>
+                      <a16:colId xmlns:a16="http://schemas.microsoft.com/office/drawing/2014/main" xmlns="" val="2965997092"/>
                     </a:ext>
                   </a:extLst>
                 </a:gridCol>
                 <a:gridCol w="1520688">
                   <a:extLst>
                     <a:ext uri="{9D8B030D-6E8A-4147-A177-3AD203B41FA5}">
-                      <a16:colId xmlns:a16="http://schemas.microsoft.com/office/drawing/2014/main" val="2986827662"/>
+                      <a16:colId xmlns:a16="http://schemas.microsoft.com/office/drawing/2014/main" xmlns="" val="2986827662"/>
                     </a:ext>
                   </a:extLst>
                 </a:gridCol>
@@ -19587,7 +19799,7 @@
                 </a:tc>
                 <a:extLst>
                   <a:ext uri="{0D108BD9-81ED-4DB2-BD59-A6C34878D82A}">
-                    <a16:rowId xmlns:a16="http://schemas.microsoft.com/office/drawing/2014/main" val="2770393989"/>
+                    <a16:rowId xmlns:a16="http://schemas.microsoft.com/office/drawing/2014/main" xmlns="" val="2770393989"/>
                   </a:ext>
                 </a:extLst>
               </a:tr>
@@ -19636,7 +19848,7 @@
                 </a:tc>
                 <a:extLst>
                   <a:ext uri="{0D108BD9-81ED-4DB2-BD59-A6C34878D82A}">
-                    <a16:rowId xmlns:a16="http://schemas.microsoft.com/office/drawing/2014/main" val="3665726536"/>
+                    <a16:rowId xmlns:a16="http://schemas.microsoft.com/office/drawing/2014/main" xmlns="" val="3665726536"/>
                   </a:ext>
                 </a:extLst>
               </a:tr>
@@ -19715,7 +19927,7 @@
                 </a:tc>
                 <a:extLst>
                   <a:ext uri="{0D108BD9-81ED-4DB2-BD59-A6C34878D82A}">
-                    <a16:rowId xmlns:a16="http://schemas.microsoft.com/office/drawing/2014/main" val="1054496806"/>
+                    <a16:rowId xmlns:a16="http://schemas.microsoft.com/office/drawing/2014/main" xmlns="" val="1054496806"/>
                   </a:ext>
                 </a:extLst>
               </a:tr>
@@ -19785,7 +19997,7 @@
                 </a:tc>
                 <a:extLst>
                   <a:ext uri="{0D108BD9-81ED-4DB2-BD59-A6C34878D82A}">
-                    <a16:rowId xmlns:a16="http://schemas.microsoft.com/office/drawing/2014/main" val="4221552092"/>
+                    <a16:rowId xmlns:a16="http://schemas.microsoft.com/office/drawing/2014/main" xmlns="" val="4221552092"/>
                   </a:ext>
                 </a:extLst>
               </a:tr>
@@ -19825,7 +20037,7 @@
                 </a:tc>
                 <a:extLst>
                   <a:ext uri="{0D108BD9-81ED-4DB2-BD59-A6C34878D82A}">
-                    <a16:rowId xmlns:a16="http://schemas.microsoft.com/office/drawing/2014/main" val="3906504615"/>
+                    <a16:rowId xmlns:a16="http://schemas.microsoft.com/office/drawing/2014/main" xmlns="" val="3906504615"/>
                   </a:ext>
                 </a:extLst>
               </a:tr>
@@ -19865,7 +20077,7 @@
                 </a:tc>
                 <a:extLst>
                   <a:ext uri="{0D108BD9-81ED-4DB2-BD59-A6C34878D82A}">
-                    <a16:rowId xmlns:a16="http://schemas.microsoft.com/office/drawing/2014/main" val="54323278"/>
+                    <a16:rowId xmlns:a16="http://schemas.microsoft.com/office/drawing/2014/main" xmlns="" val="54323278"/>
                   </a:ext>
                 </a:extLst>
               </a:tr>
@@ -19878,7 +20090,7 @@
           <p:cNvPr id="5" name="Espace réservé du contenu 2">
             <a:extLst>
               <a:ext uri="{FF2B5EF4-FFF2-40B4-BE49-F238E27FC236}">
-                <a16:creationId xmlns:a16="http://schemas.microsoft.com/office/drawing/2014/main" id="{049501FA-9AF5-434D-8DDD-A3BB21F61031}"/>
+                <a16:creationId xmlns:a16="http://schemas.microsoft.com/office/drawing/2014/main" xmlns="" id="{049501FA-9AF5-434D-8DDD-A3BB21F61031}"/>
               </a:ext>
             </a:extLst>
           </p:cNvPr>
@@ -20126,6 +20338,15 @@
               <a:buFont typeface="Arial" panose="020B0604020202020204" pitchFamily="34" charset="0"/>
               <a:buNone/>
             </a:pPr>
+            <a:r>
+              <a:rPr lang="fr-FR" dirty="0">
+                <a:solidFill>
+                  <a:srgbClr val="24292E"/>
+                </a:solidFill>
+                <a:latin typeface="Consolas" panose="020B0609020204030204" pitchFamily="49" charset="0"/>
+              </a:rPr>
+              <a:t/>
+            </a:r>
             <a:br>
               <a:rPr lang="fr-FR" dirty="0">
                 <a:solidFill>
@@ -20233,6 +20454,15 @@
               <a:buFont typeface="Arial" panose="020B0604020202020204" pitchFamily="34" charset="0"/>
               <a:buNone/>
             </a:pPr>
+            <a:r>
+              <a:rPr lang="fr-FR" dirty="0">
+                <a:solidFill>
+                  <a:srgbClr val="24292E"/>
+                </a:solidFill>
+                <a:latin typeface="Consolas" panose="020B0609020204030204" pitchFamily="49" charset="0"/>
+              </a:rPr>
+              <a:t/>
+            </a:r>
             <a:br>
               <a:rPr lang="fr-FR" dirty="0">
                 <a:solidFill>
@@ -20457,6 +20687,15 @@
               <a:buFont typeface="Arial" panose="020B0604020202020204" pitchFamily="34" charset="0"/>
               <a:buNone/>
             </a:pPr>
+            <a:r>
+              <a:rPr lang="fr-FR" dirty="0">
+                <a:solidFill>
+                  <a:srgbClr val="24292E"/>
+                </a:solidFill>
+                <a:latin typeface="Consolas" panose="020B0609020204030204" pitchFamily="49" charset="0"/>
+              </a:rPr>
+              <a:t/>
+            </a:r>
             <a:br>
               <a:rPr lang="fr-FR" dirty="0">
                 <a:solidFill>
@@ -20854,7 +21093,7 @@
           <p:cNvPr id="3" name="Groupe 2">
             <a:extLst>
               <a:ext uri="{FF2B5EF4-FFF2-40B4-BE49-F238E27FC236}">
-                <a16:creationId xmlns:a16="http://schemas.microsoft.com/office/drawing/2014/main" id="{839E0569-FF4A-4591-8525-BB17C39B06A2}"/>
+                <a16:creationId xmlns:a16="http://schemas.microsoft.com/office/drawing/2014/main" xmlns="" id="{839E0569-FF4A-4591-8525-BB17C39B06A2}"/>
               </a:ext>
             </a:extLst>
           </p:cNvPr>
@@ -20874,7 +21113,7 @@
             <p:cNvPr id="9" name="Rectangle 8">
               <a:extLst>
                 <a:ext uri="{FF2B5EF4-FFF2-40B4-BE49-F238E27FC236}">
-                  <a16:creationId xmlns:a16="http://schemas.microsoft.com/office/drawing/2014/main" id="{D87D1269-12D2-44D2-89FB-D2D5E4D8CD7D}"/>
+                  <a16:creationId xmlns:a16="http://schemas.microsoft.com/office/drawing/2014/main" xmlns="" id="{D87D1269-12D2-44D2-89FB-D2D5E4D8CD7D}"/>
                 </a:ext>
               </a:extLst>
             </p:cNvPr>
@@ -20929,7 +21168,7 @@
             <p:cNvPr id="8" name="Triangle isocèle 7">
               <a:extLst>
                 <a:ext uri="{FF2B5EF4-FFF2-40B4-BE49-F238E27FC236}">
-                  <a16:creationId xmlns:a16="http://schemas.microsoft.com/office/drawing/2014/main" id="{FD930DE8-EE9D-4D16-A873-8D7F405152E3}"/>
+                  <a16:creationId xmlns:a16="http://schemas.microsoft.com/office/drawing/2014/main" xmlns="" id="{FD930DE8-EE9D-4D16-A873-8D7F405152E3}"/>
                 </a:ext>
               </a:extLst>
             </p:cNvPr>
@@ -20979,7 +21218,7 @@
           <p:cNvPr id="2" name="Titre 1">
             <a:extLst>
               <a:ext uri="{FF2B5EF4-FFF2-40B4-BE49-F238E27FC236}">
-                <a16:creationId xmlns:a16="http://schemas.microsoft.com/office/drawing/2014/main" id="{A70E3617-25B1-46EC-9D69-B4B1E6125451}"/>
+                <a16:creationId xmlns:a16="http://schemas.microsoft.com/office/drawing/2014/main" xmlns="" id="{A70E3617-25B1-46EC-9D69-B4B1E6125451}"/>
               </a:ext>
             </a:extLst>
           </p:cNvPr>
@@ -21024,7 +21263,7 @@
           <p:cNvPr id="4" name="Tableau 4">
             <a:extLst>
               <a:ext uri="{FF2B5EF4-FFF2-40B4-BE49-F238E27FC236}">
-                <a16:creationId xmlns:a16="http://schemas.microsoft.com/office/drawing/2014/main" id="{43E31FF1-A8FB-4533-82F1-453569B0B5F7}"/>
+                <a16:creationId xmlns:a16="http://schemas.microsoft.com/office/drawing/2014/main" xmlns="" id="{43E31FF1-A8FB-4533-82F1-453569B0B5F7}"/>
               </a:ext>
             </a:extLst>
           </p:cNvPr>
@@ -21053,21 +21292,21 @@
                 <a:gridCol w="1391479">
                   <a:extLst>
                     <a:ext uri="{9D8B030D-6E8A-4147-A177-3AD203B41FA5}">
-                      <a16:colId xmlns:a16="http://schemas.microsoft.com/office/drawing/2014/main" val="131224004"/>
+                      <a16:colId xmlns:a16="http://schemas.microsoft.com/office/drawing/2014/main" xmlns="" val="131224004"/>
                     </a:ext>
                   </a:extLst>
                 </a:gridCol>
                 <a:gridCol w="1179443">
                   <a:extLst>
                     <a:ext uri="{9D8B030D-6E8A-4147-A177-3AD203B41FA5}">
-                      <a16:colId xmlns:a16="http://schemas.microsoft.com/office/drawing/2014/main" val="2965997092"/>
+                      <a16:colId xmlns:a16="http://schemas.microsoft.com/office/drawing/2014/main" xmlns="" val="2965997092"/>
                     </a:ext>
                   </a:extLst>
                 </a:gridCol>
                 <a:gridCol w="1520688">
                   <a:extLst>
                     <a:ext uri="{9D8B030D-6E8A-4147-A177-3AD203B41FA5}">
-                      <a16:colId xmlns:a16="http://schemas.microsoft.com/office/drawing/2014/main" val="2986827662"/>
+                      <a16:colId xmlns:a16="http://schemas.microsoft.com/office/drawing/2014/main" xmlns="" val="2986827662"/>
                     </a:ext>
                   </a:extLst>
                 </a:gridCol>
@@ -21117,7 +21356,7 @@
                 </a:tc>
                 <a:extLst>
                   <a:ext uri="{0D108BD9-81ED-4DB2-BD59-A6C34878D82A}">
-                    <a16:rowId xmlns:a16="http://schemas.microsoft.com/office/drawing/2014/main" val="2770393989"/>
+                    <a16:rowId xmlns:a16="http://schemas.microsoft.com/office/drawing/2014/main" xmlns="" val="2770393989"/>
                   </a:ext>
                 </a:extLst>
               </a:tr>
@@ -21163,7 +21402,7 @@
                 </a:tc>
                 <a:extLst>
                   <a:ext uri="{0D108BD9-81ED-4DB2-BD59-A6C34878D82A}">
-                    <a16:rowId xmlns:a16="http://schemas.microsoft.com/office/drawing/2014/main" val="3665726536"/>
+                    <a16:rowId xmlns:a16="http://schemas.microsoft.com/office/drawing/2014/main" xmlns="" val="3665726536"/>
                   </a:ext>
                 </a:extLst>
               </a:tr>
@@ -21242,7 +21481,7 @@
                 </a:tc>
                 <a:extLst>
                   <a:ext uri="{0D108BD9-81ED-4DB2-BD59-A6C34878D82A}">
-                    <a16:rowId xmlns:a16="http://schemas.microsoft.com/office/drawing/2014/main" val="1054496806"/>
+                    <a16:rowId xmlns:a16="http://schemas.microsoft.com/office/drawing/2014/main" xmlns="" val="1054496806"/>
                   </a:ext>
                 </a:extLst>
               </a:tr>
@@ -21363,7 +21602,7 @@
                 </a:tc>
                 <a:extLst>
                   <a:ext uri="{0D108BD9-81ED-4DB2-BD59-A6C34878D82A}">
-                    <a16:rowId xmlns:a16="http://schemas.microsoft.com/office/drawing/2014/main" val="4221552092"/>
+                    <a16:rowId xmlns:a16="http://schemas.microsoft.com/office/drawing/2014/main" xmlns="" val="4221552092"/>
                   </a:ext>
                 </a:extLst>
               </a:tr>
@@ -21415,7 +21654,7 @@
                 </a:tc>
                 <a:extLst>
                   <a:ext uri="{0D108BD9-81ED-4DB2-BD59-A6C34878D82A}">
-                    <a16:rowId xmlns:a16="http://schemas.microsoft.com/office/drawing/2014/main" val="3906504615"/>
+                    <a16:rowId xmlns:a16="http://schemas.microsoft.com/office/drawing/2014/main" xmlns="" val="3906504615"/>
                   </a:ext>
                 </a:extLst>
               </a:tr>
@@ -21455,7 +21694,7 @@
                 </a:tc>
                 <a:extLst>
                   <a:ext uri="{0D108BD9-81ED-4DB2-BD59-A6C34878D82A}">
-                    <a16:rowId xmlns:a16="http://schemas.microsoft.com/office/drawing/2014/main" val="54323278"/>
+                    <a16:rowId xmlns:a16="http://schemas.microsoft.com/office/drawing/2014/main" xmlns="" val="54323278"/>
                   </a:ext>
                 </a:extLst>
               </a:tr>
@@ -21468,7 +21707,7 @@
           <p:cNvPr id="5" name="Espace réservé du contenu 2">
             <a:extLst>
               <a:ext uri="{FF2B5EF4-FFF2-40B4-BE49-F238E27FC236}">
-                <a16:creationId xmlns:a16="http://schemas.microsoft.com/office/drawing/2014/main" id="{049501FA-9AF5-434D-8DDD-A3BB21F61031}"/>
+                <a16:creationId xmlns:a16="http://schemas.microsoft.com/office/drawing/2014/main" xmlns="" id="{049501FA-9AF5-434D-8DDD-A3BB21F61031}"/>
               </a:ext>
             </a:extLst>
           </p:cNvPr>
@@ -21716,6 +21955,15 @@
               <a:buFont typeface="Arial" panose="020B0604020202020204" pitchFamily="34" charset="0"/>
               <a:buNone/>
             </a:pPr>
+            <a:r>
+              <a:rPr lang="fr-FR" sz="2000" dirty="0">
+                <a:solidFill>
+                  <a:srgbClr val="24292E"/>
+                </a:solidFill>
+                <a:latin typeface="Consolas" panose="020B0609020204030204" pitchFamily="49" charset="0"/>
+              </a:rPr>
+              <a:t/>
+            </a:r>
             <a:br>
               <a:rPr lang="fr-FR" sz="2000" dirty="0">
                 <a:solidFill>
@@ -21850,6 +22098,15 @@
               <a:buFont typeface="Arial" panose="020B0604020202020204" pitchFamily="34" charset="0"/>
               <a:buNone/>
             </a:pPr>
+            <a:r>
+              <a:rPr lang="fr-FR" sz="2000" dirty="0">
+                <a:solidFill>
+                  <a:srgbClr val="24292E"/>
+                </a:solidFill>
+                <a:latin typeface="Consolas" panose="020B0609020204030204" pitchFamily="49" charset="0"/>
+              </a:rPr>
+              <a:t/>
+            </a:r>
             <a:br>
               <a:rPr lang="fr-FR" sz="2000" dirty="0">
                 <a:solidFill>
@@ -22056,6 +22313,15 @@
               <a:buFont typeface="Arial" panose="020B0604020202020204" pitchFamily="34" charset="0"/>
               <a:buNone/>
             </a:pPr>
+            <a:r>
+              <a:rPr lang="fr-FR" sz="2000" dirty="0">
+                <a:solidFill>
+                  <a:srgbClr val="24292E"/>
+                </a:solidFill>
+                <a:latin typeface="Consolas" panose="020B0609020204030204" pitchFamily="49" charset="0"/>
+              </a:rPr>
+              <a:t/>
+            </a:r>
             <a:br>
               <a:rPr lang="fr-FR" sz="2000" dirty="0">
                 <a:solidFill>
@@ -22357,7 +22623,7 @@
           <p:cNvPr id="10" name="Ellipse 9">
             <a:extLst>
               <a:ext uri="{FF2B5EF4-FFF2-40B4-BE49-F238E27FC236}">
-                <a16:creationId xmlns:a16="http://schemas.microsoft.com/office/drawing/2014/main" id="{71C2F676-609E-47EC-8477-39FEE80EF040}"/>
+                <a16:creationId xmlns:a16="http://schemas.microsoft.com/office/drawing/2014/main" xmlns="" id="{71C2F676-609E-47EC-8477-39FEE80EF040}"/>
               </a:ext>
             </a:extLst>
           </p:cNvPr>
@@ -22412,7 +22678,7 @@
           <p:cNvPr id="11" name="Ellipse 10">
             <a:extLst>
               <a:ext uri="{FF2B5EF4-FFF2-40B4-BE49-F238E27FC236}">
-                <a16:creationId xmlns:a16="http://schemas.microsoft.com/office/drawing/2014/main" id="{FD3FD282-8DBE-4AF0-9162-B734B815D224}"/>
+                <a16:creationId xmlns:a16="http://schemas.microsoft.com/office/drawing/2014/main" xmlns="" id="{FD3FD282-8DBE-4AF0-9162-B734B815D224}"/>
               </a:ext>
             </a:extLst>
           </p:cNvPr>
@@ -22467,7 +22733,7 @@
           <p:cNvPr id="12" name="Ellipse 11">
             <a:extLst>
               <a:ext uri="{FF2B5EF4-FFF2-40B4-BE49-F238E27FC236}">
-                <a16:creationId xmlns:a16="http://schemas.microsoft.com/office/drawing/2014/main" id="{4B2A89C7-D3B4-401F-BB6B-870541FA5397}"/>
+                <a16:creationId xmlns:a16="http://schemas.microsoft.com/office/drawing/2014/main" xmlns="" id="{4B2A89C7-D3B4-401F-BB6B-870541FA5397}"/>
               </a:ext>
             </a:extLst>
           </p:cNvPr>
@@ -22746,7 +23012,7 @@
           <p:cNvPr id="3" name="Groupe 2">
             <a:extLst>
               <a:ext uri="{FF2B5EF4-FFF2-40B4-BE49-F238E27FC236}">
-                <a16:creationId xmlns:a16="http://schemas.microsoft.com/office/drawing/2014/main" id="{839E0569-FF4A-4591-8525-BB17C39B06A2}"/>
+                <a16:creationId xmlns:a16="http://schemas.microsoft.com/office/drawing/2014/main" xmlns="" id="{839E0569-FF4A-4591-8525-BB17C39B06A2}"/>
               </a:ext>
             </a:extLst>
           </p:cNvPr>
@@ -22766,7 +23032,7 @@
             <p:cNvPr id="9" name="Rectangle 8">
               <a:extLst>
                 <a:ext uri="{FF2B5EF4-FFF2-40B4-BE49-F238E27FC236}">
-                  <a16:creationId xmlns:a16="http://schemas.microsoft.com/office/drawing/2014/main" id="{D87D1269-12D2-44D2-89FB-D2D5E4D8CD7D}"/>
+                  <a16:creationId xmlns:a16="http://schemas.microsoft.com/office/drawing/2014/main" xmlns="" id="{D87D1269-12D2-44D2-89FB-D2D5E4D8CD7D}"/>
                 </a:ext>
               </a:extLst>
             </p:cNvPr>
@@ -22821,7 +23087,7 @@
             <p:cNvPr id="8" name="Triangle isocèle 7">
               <a:extLst>
                 <a:ext uri="{FF2B5EF4-FFF2-40B4-BE49-F238E27FC236}">
-                  <a16:creationId xmlns:a16="http://schemas.microsoft.com/office/drawing/2014/main" id="{FD930DE8-EE9D-4D16-A873-8D7F405152E3}"/>
+                  <a16:creationId xmlns:a16="http://schemas.microsoft.com/office/drawing/2014/main" xmlns="" id="{FD930DE8-EE9D-4D16-A873-8D7F405152E3}"/>
                 </a:ext>
               </a:extLst>
             </p:cNvPr>
@@ -22871,7 +23137,7 @@
           <p:cNvPr id="2" name="Titre 1">
             <a:extLst>
               <a:ext uri="{FF2B5EF4-FFF2-40B4-BE49-F238E27FC236}">
-                <a16:creationId xmlns:a16="http://schemas.microsoft.com/office/drawing/2014/main" id="{A70E3617-25B1-46EC-9D69-B4B1E6125451}"/>
+                <a16:creationId xmlns:a16="http://schemas.microsoft.com/office/drawing/2014/main" xmlns="" id="{A70E3617-25B1-46EC-9D69-B4B1E6125451}"/>
               </a:ext>
             </a:extLst>
           </p:cNvPr>
@@ -22916,7 +23182,7 @@
           <p:cNvPr id="4" name="Tableau 4">
             <a:extLst>
               <a:ext uri="{FF2B5EF4-FFF2-40B4-BE49-F238E27FC236}">
-                <a16:creationId xmlns:a16="http://schemas.microsoft.com/office/drawing/2014/main" id="{43E31FF1-A8FB-4533-82F1-453569B0B5F7}"/>
+                <a16:creationId xmlns:a16="http://schemas.microsoft.com/office/drawing/2014/main" xmlns="" id="{43E31FF1-A8FB-4533-82F1-453569B0B5F7}"/>
               </a:ext>
             </a:extLst>
           </p:cNvPr>
@@ -22945,21 +23211,21 @@
                 <a:gridCol w="1391479">
                   <a:extLst>
                     <a:ext uri="{9D8B030D-6E8A-4147-A177-3AD203B41FA5}">
-                      <a16:colId xmlns:a16="http://schemas.microsoft.com/office/drawing/2014/main" val="131224004"/>
+                      <a16:colId xmlns:a16="http://schemas.microsoft.com/office/drawing/2014/main" xmlns="" val="131224004"/>
                     </a:ext>
                   </a:extLst>
                 </a:gridCol>
                 <a:gridCol w="1179443">
                   <a:extLst>
                     <a:ext uri="{9D8B030D-6E8A-4147-A177-3AD203B41FA5}">
-                      <a16:colId xmlns:a16="http://schemas.microsoft.com/office/drawing/2014/main" val="2965997092"/>
+                      <a16:colId xmlns:a16="http://schemas.microsoft.com/office/drawing/2014/main" xmlns="" val="2965997092"/>
                     </a:ext>
                   </a:extLst>
                 </a:gridCol>
                 <a:gridCol w="1520688">
                   <a:extLst>
                     <a:ext uri="{9D8B030D-6E8A-4147-A177-3AD203B41FA5}">
-                      <a16:colId xmlns:a16="http://schemas.microsoft.com/office/drawing/2014/main" val="2986827662"/>
+                      <a16:colId xmlns:a16="http://schemas.microsoft.com/office/drawing/2014/main" xmlns="" val="2986827662"/>
                     </a:ext>
                   </a:extLst>
                 </a:gridCol>
@@ -23009,7 +23275,7 @@
                 </a:tc>
                 <a:extLst>
                   <a:ext uri="{0D108BD9-81ED-4DB2-BD59-A6C34878D82A}">
-                    <a16:rowId xmlns:a16="http://schemas.microsoft.com/office/drawing/2014/main" val="2770393989"/>
+                    <a16:rowId xmlns:a16="http://schemas.microsoft.com/office/drawing/2014/main" xmlns="" val="2770393989"/>
                   </a:ext>
                 </a:extLst>
               </a:tr>
@@ -23055,7 +23321,7 @@
                 </a:tc>
                 <a:extLst>
                   <a:ext uri="{0D108BD9-81ED-4DB2-BD59-A6C34878D82A}">
-                    <a16:rowId xmlns:a16="http://schemas.microsoft.com/office/drawing/2014/main" val="3665726536"/>
+                    <a16:rowId xmlns:a16="http://schemas.microsoft.com/office/drawing/2014/main" xmlns="" val="3665726536"/>
                   </a:ext>
                 </a:extLst>
               </a:tr>
@@ -23134,7 +23400,7 @@
                 </a:tc>
                 <a:extLst>
                   <a:ext uri="{0D108BD9-81ED-4DB2-BD59-A6C34878D82A}">
-                    <a16:rowId xmlns:a16="http://schemas.microsoft.com/office/drawing/2014/main" val="1054496806"/>
+                    <a16:rowId xmlns:a16="http://schemas.microsoft.com/office/drawing/2014/main" xmlns="" val="1054496806"/>
                   </a:ext>
                 </a:extLst>
               </a:tr>
@@ -23264,7 +23530,7 @@
                 </a:tc>
                 <a:extLst>
                   <a:ext uri="{0D108BD9-81ED-4DB2-BD59-A6C34878D82A}">
-                    <a16:rowId xmlns:a16="http://schemas.microsoft.com/office/drawing/2014/main" val="4221552092"/>
+                    <a16:rowId xmlns:a16="http://schemas.microsoft.com/office/drawing/2014/main" xmlns="" val="4221552092"/>
                   </a:ext>
                 </a:extLst>
               </a:tr>
@@ -23325,7 +23591,7 @@
                 </a:tc>
                 <a:extLst>
                   <a:ext uri="{0D108BD9-81ED-4DB2-BD59-A6C34878D82A}">
-                    <a16:rowId xmlns:a16="http://schemas.microsoft.com/office/drawing/2014/main" val="3906504615"/>
+                    <a16:rowId xmlns:a16="http://schemas.microsoft.com/office/drawing/2014/main" xmlns="" val="3906504615"/>
                   </a:ext>
                 </a:extLst>
               </a:tr>
@@ -23374,7 +23640,7 @@
                 </a:tc>
                 <a:extLst>
                   <a:ext uri="{0D108BD9-81ED-4DB2-BD59-A6C34878D82A}">
-                    <a16:rowId xmlns:a16="http://schemas.microsoft.com/office/drawing/2014/main" val="54323278"/>
+                    <a16:rowId xmlns:a16="http://schemas.microsoft.com/office/drawing/2014/main" xmlns="" val="54323278"/>
                   </a:ext>
                 </a:extLst>
               </a:tr>
@@ -23387,7 +23653,7 @@
           <p:cNvPr id="5" name="Espace réservé du contenu 2">
             <a:extLst>
               <a:ext uri="{FF2B5EF4-FFF2-40B4-BE49-F238E27FC236}">
-                <a16:creationId xmlns:a16="http://schemas.microsoft.com/office/drawing/2014/main" id="{049501FA-9AF5-434D-8DDD-A3BB21F61031}"/>
+                <a16:creationId xmlns:a16="http://schemas.microsoft.com/office/drawing/2014/main" xmlns="" id="{049501FA-9AF5-434D-8DDD-A3BB21F61031}"/>
               </a:ext>
             </a:extLst>
           </p:cNvPr>
@@ -23635,6 +23901,15 @@
               <a:buFont typeface="Arial" panose="020B0604020202020204" pitchFamily="34" charset="0"/>
               <a:buNone/>
             </a:pPr>
+            <a:r>
+              <a:rPr lang="fr-FR" sz="2000" dirty="0">
+                <a:solidFill>
+                  <a:srgbClr val="24292E"/>
+                </a:solidFill>
+                <a:latin typeface="Consolas" panose="020B0609020204030204" pitchFamily="49" charset="0"/>
+              </a:rPr>
+              <a:t/>
+            </a:r>
             <a:br>
               <a:rPr lang="fr-FR" sz="2000" dirty="0">
                 <a:solidFill>
@@ -23769,6 +24044,15 @@
               <a:buFont typeface="Arial" panose="020B0604020202020204" pitchFamily="34" charset="0"/>
               <a:buNone/>
             </a:pPr>
+            <a:r>
+              <a:rPr lang="fr-FR" sz="2000" dirty="0">
+                <a:solidFill>
+                  <a:srgbClr val="24292E"/>
+                </a:solidFill>
+                <a:latin typeface="Consolas" panose="020B0609020204030204" pitchFamily="49" charset="0"/>
+              </a:rPr>
+              <a:t/>
+            </a:r>
             <a:br>
               <a:rPr lang="fr-FR" sz="2000" dirty="0">
                 <a:solidFill>
@@ -23975,6 +24259,15 @@
               <a:buFont typeface="Arial" panose="020B0604020202020204" pitchFamily="34" charset="0"/>
               <a:buNone/>
             </a:pPr>
+            <a:r>
+              <a:rPr lang="fr-FR" sz="2000" dirty="0">
+                <a:solidFill>
+                  <a:srgbClr val="24292E"/>
+                </a:solidFill>
+                <a:latin typeface="Consolas" panose="020B0609020204030204" pitchFamily="49" charset="0"/>
+              </a:rPr>
+              <a:t/>
+            </a:r>
             <a:br>
               <a:rPr lang="fr-FR" sz="2000" dirty="0">
                 <a:solidFill>
@@ -24276,7 +24569,7 @@
           <p:cNvPr id="6" name="Groupe 5">
             <a:extLst>
               <a:ext uri="{FF2B5EF4-FFF2-40B4-BE49-F238E27FC236}">
-                <a16:creationId xmlns:a16="http://schemas.microsoft.com/office/drawing/2014/main" id="{14849CE8-4B85-49AA-9CC3-841901AB0C00}"/>
+                <a16:creationId xmlns:a16="http://schemas.microsoft.com/office/drawing/2014/main" xmlns="" id="{14849CE8-4B85-49AA-9CC3-841901AB0C00}"/>
               </a:ext>
             </a:extLst>
           </p:cNvPr>
@@ -24296,7 +24589,7 @@
             <p:cNvPr id="10" name="Forme libre : forme 9">
               <a:extLst>
                 <a:ext uri="{FF2B5EF4-FFF2-40B4-BE49-F238E27FC236}">
-                  <a16:creationId xmlns:a16="http://schemas.microsoft.com/office/drawing/2014/main" id="{7C757A31-912C-411F-A413-1B103EF7EF79}"/>
+                  <a16:creationId xmlns:a16="http://schemas.microsoft.com/office/drawing/2014/main" xmlns="" id="{7C757A31-912C-411F-A413-1B103EF7EF79}"/>
                 </a:ext>
               </a:extLst>
             </p:cNvPr>
@@ -24387,7 +24680,7 @@
             <p:cNvPr id="11" name="ZoneTexte 10">
               <a:extLst>
                 <a:ext uri="{FF2B5EF4-FFF2-40B4-BE49-F238E27FC236}">
-                  <a16:creationId xmlns:a16="http://schemas.microsoft.com/office/drawing/2014/main" id="{AE3C526B-01DE-4418-85EE-D4A5B2EADF6F}"/>
+                  <a16:creationId xmlns:a16="http://schemas.microsoft.com/office/drawing/2014/main" xmlns="" id="{AE3C526B-01DE-4418-85EE-D4A5B2EADF6F}"/>
                 </a:ext>
               </a:extLst>
             </p:cNvPr>
@@ -24536,7 +24829,7 @@
           <p:cNvPr id="3" name="Groupe 2">
             <a:extLst>
               <a:ext uri="{FF2B5EF4-FFF2-40B4-BE49-F238E27FC236}">
-                <a16:creationId xmlns:a16="http://schemas.microsoft.com/office/drawing/2014/main" id="{839E0569-FF4A-4591-8525-BB17C39B06A2}"/>
+                <a16:creationId xmlns:a16="http://schemas.microsoft.com/office/drawing/2014/main" xmlns="" id="{839E0569-FF4A-4591-8525-BB17C39B06A2}"/>
               </a:ext>
             </a:extLst>
           </p:cNvPr>
@@ -24556,7 +24849,7 @@
             <p:cNvPr id="9" name="Rectangle 8">
               <a:extLst>
                 <a:ext uri="{FF2B5EF4-FFF2-40B4-BE49-F238E27FC236}">
-                  <a16:creationId xmlns:a16="http://schemas.microsoft.com/office/drawing/2014/main" id="{D87D1269-12D2-44D2-89FB-D2D5E4D8CD7D}"/>
+                  <a16:creationId xmlns:a16="http://schemas.microsoft.com/office/drawing/2014/main" xmlns="" id="{D87D1269-12D2-44D2-89FB-D2D5E4D8CD7D}"/>
                 </a:ext>
               </a:extLst>
             </p:cNvPr>
@@ -24611,7 +24904,7 @@
             <p:cNvPr id="8" name="Triangle isocèle 7">
               <a:extLst>
                 <a:ext uri="{FF2B5EF4-FFF2-40B4-BE49-F238E27FC236}">
-                  <a16:creationId xmlns:a16="http://schemas.microsoft.com/office/drawing/2014/main" id="{FD930DE8-EE9D-4D16-A873-8D7F405152E3}"/>
+                  <a16:creationId xmlns:a16="http://schemas.microsoft.com/office/drawing/2014/main" xmlns="" id="{FD930DE8-EE9D-4D16-A873-8D7F405152E3}"/>
                 </a:ext>
               </a:extLst>
             </p:cNvPr>
@@ -24661,7 +24954,7 @@
           <p:cNvPr id="2" name="Titre 1">
             <a:extLst>
               <a:ext uri="{FF2B5EF4-FFF2-40B4-BE49-F238E27FC236}">
-                <a16:creationId xmlns:a16="http://schemas.microsoft.com/office/drawing/2014/main" id="{A70E3617-25B1-46EC-9D69-B4B1E6125451}"/>
+                <a16:creationId xmlns:a16="http://schemas.microsoft.com/office/drawing/2014/main" xmlns="" id="{A70E3617-25B1-46EC-9D69-B4B1E6125451}"/>
               </a:ext>
             </a:extLst>
           </p:cNvPr>
@@ -24706,7 +24999,7 @@
           <p:cNvPr id="4" name="Tableau 4">
             <a:extLst>
               <a:ext uri="{FF2B5EF4-FFF2-40B4-BE49-F238E27FC236}">
-                <a16:creationId xmlns:a16="http://schemas.microsoft.com/office/drawing/2014/main" id="{43E31FF1-A8FB-4533-82F1-453569B0B5F7}"/>
+                <a16:creationId xmlns:a16="http://schemas.microsoft.com/office/drawing/2014/main" xmlns="" id="{43E31FF1-A8FB-4533-82F1-453569B0B5F7}"/>
               </a:ext>
             </a:extLst>
           </p:cNvPr>
@@ -24735,21 +25028,21 @@
                 <a:gridCol w="1391479">
                   <a:extLst>
                     <a:ext uri="{9D8B030D-6E8A-4147-A177-3AD203B41FA5}">
-                      <a16:colId xmlns:a16="http://schemas.microsoft.com/office/drawing/2014/main" val="131224004"/>
+                      <a16:colId xmlns:a16="http://schemas.microsoft.com/office/drawing/2014/main" xmlns="" val="131224004"/>
                     </a:ext>
                   </a:extLst>
                 </a:gridCol>
                 <a:gridCol w="1179443">
                   <a:extLst>
                     <a:ext uri="{9D8B030D-6E8A-4147-A177-3AD203B41FA5}">
-                      <a16:colId xmlns:a16="http://schemas.microsoft.com/office/drawing/2014/main" val="2965997092"/>
+                      <a16:colId xmlns:a16="http://schemas.microsoft.com/office/drawing/2014/main" xmlns="" val="2965997092"/>
                     </a:ext>
                   </a:extLst>
                 </a:gridCol>
                 <a:gridCol w="1520688">
                   <a:extLst>
                     <a:ext uri="{9D8B030D-6E8A-4147-A177-3AD203B41FA5}">
-                      <a16:colId xmlns:a16="http://schemas.microsoft.com/office/drawing/2014/main" val="2986827662"/>
+                      <a16:colId xmlns:a16="http://schemas.microsoft.com/office/drawing/2014/main" xmlns="" val="2986827662"/>
                     </a:ext>
                   </a:extLst>
                 </a:gridCol>
@@ -24799,7 +25092,7 @@
                 </a:tc>
                 <a:extLst>
                   <a:ext uri="{0D108BD9-81ED-4DB2-BD59-A6C34878D82A}">
-                    <a16:rowId xmlns:a16="http://schemas.microsoft.com/office/drawing/2014/main" val="2770393989"/>
+                    <a16:rowId xmlns:a16="http://schemas.microsoft.com/office/drawing/2014/main" xmlns="" val="2770393989"/>
                   </a:ext>
                 </a:extLst>
               </a:tr>
@@ -24845,7 +25138,7 @@
                 </a:tc>
                 <a:extLst>
                   <a:ext uri="{0D108BD9-81ED-4DB2-BD59-A6C34878D82A}">
-                    <a16:rowId xmlns:a16="http://schemas.microsoft.com/office/drawing/2014/main" val="3665726536"/>
+                    <a16:rowId xmlns:a16="http://schemas.microsoft.com/office/drawing/2014/main" xmlns="" val="3665726536"/>
                   </a:ext>
                 </a:extLst>
               </a:tr>
@@ -24921,7 +25214,7 @@
                 </a:tc>
                 <a:extLst>
                   <a:ext uri="{0D108BD9-81ED-4DB2-BD59-A6C34878D82A}">
-                    <a16:rowId xmlns:a16="http://schemas.microsoft.com/office/drawing/2014/main" val="1054496806"/>
+                    <a16:rowId xmlns:a16="http://schemas.microsoft.com/office/drawing/2014/main" xmlns="" val="1054496806"/>
                   </a:ext>
                 </a:extLst>
               </a:tr>
@@ -25051,7 +25344,7 @@
                 </a:tc>
                 <a:extLst>
                   <a:ext uri="{0D108BD9-81ED-4DB2-BD59-A6C34878D82A}">
-                    <a16:rowId xmlns:a16="http://schemas.microsoft.com/office/drawing/2014/main" val="4221552092"/>
+                    <a16:rowId xmlns:a16="http://schemas.microsoft.com/office/drawing/2014/main" xmlns="" val="4221552092"/>
                   </a:ext>
                 </a:extLst>
               </a:tr>
@@ -25112,7 +25405,7 @@
                 </a:tc>
                 <a:extLst>
                   <a:ext uri="{0D108BD9-81ED-4DB2-BD59-A6C34878D82A}">
-                    <a16:rowId xmlns:a16="http://schemas.microsoft.com/office/drawing/2014/main" val="3906504615"/>
+                    <a16:rowId xmlns:a16="http://schemas.microsoft.com/office/drawing/2014/main" xmlns="" val="3906504615"/>
                   </a:ext>
                 </a:extLst>
               </a:tr>
@@ -25161,7 +25454,7 @@
                 </a:tc>
                 <a:extLst>
                   <a:ext uri="{0D108BD9-81ED-4DB2-BD59-A6C34878D82A}">
-                    <a16:rowId xmlns:a16="http://schemas.microsoft.com/office/drawing/2014/main" val="54323278"/>
+                    <a16:rowId xmlns:a16="http://schemas.microsoft.com/office/drawing/2014/main" xmlns="" val="54323278"/>
                   </a:ext>
                 </a:extLst>
               </a:tr>
@@ -25174,7 +25467,7 @@
           <p:cNvPr id="5" name="Espace réservé du contenu 2">
             <a:extLst>
               <a:ext uri="{FF2B5EF4-FFF2-40B4-BE49-F238E27FC236}">
-                <a16:creationId xmlns:a16="http://schemas.microsoft.com/office/drawing/2014/main" id="{049501FA-9AF5-434D-8DDD-A3BB21F61031}"/>
+                <a16:creationId xmlns:a16="http://schemas.microsoft.com/office/drawing/2014/main" xmlns="" id="{049501FA-9AF5-434D-8DDD-A3BB21F61031}"/>
               </a:ext>
             </a:extLst>
           </p:cNvPr>
@@ -25422,6 +25715,15 @@
               <a:buFont typeface="Arial" panose="020B0604020202020204" pitchFamily="34" charset="0"/>
               <a:buNone/>
             </a:pPr>
+            <a:r>
+              <a:rPr lang="fr-FR" sz="2000" dirty="0">
+                <a:solidFill>
+                  <a:srgbClr val="24292E"/>
+                </a:solidFill>
+                <a:latin typeface="Consolas" panose="020B0609020204030204" pitchFamily="49" charset="0"/>
+              </a:rPr>
+              <a:t/>
+            </a:r>
             <a:br>
               <a:rPr lang="fr-FR" sz="2000" dirty="0">
                 <a:solidFill>
@@ -25556,6 +25858,15 @@
               <a:buFont typeface="Arial" panose="020B0604020202020204" pitchFamily="34" charset="0"/>
               <a:buNone/>
             </a:pPr>
+            <a:r>
+              <a:rPr lang="fr-FR" sz="2000" dirty="0">
+                <a:solidFill>
+                  <a:srgbClr val="24292E"/>
+                </a:solidFill>
+                <a:latin typeface="Consolas" panose="020B0609020204030204" pitchFamily="49" charset="0"/>
+              </a:rPr>
+              <a:t/>
+            </a:r>
             <a:br>
               <a:rPr lang="fr-FR" sz="2000" dirty="0">
                 <a:solidFill>
@@ -25762,6 +26073,15 @@
               <a:buFont typeface="Arial" panose="020B0604020202020204" pitchFamily="34" charset="0"/>
               <a:buNone/>
             </a:pPr>
+            <a:r>
+              <a:rPr lang="fr-FR" sz="2000" dirty="0">
+                <a:solidFill>
+                  <a:srgbClr val="24292E"/>
+                </a:solidFill>
+                <a:latin typeface="Consolas" panose="020B0609020204030204" pitchFamily="49" charset="0"/>
+              </a:rPr>
+              <a:t/>
+            </a:r>
             <a:br>
               <a:rPr lang="fr-FR" sz="2000" dirty="0">
                 <a:solidFill>
@@ -26093,7 +26413,7 @@
           <p:cNvPr id="3" name="Groupe 2">
             <a:extLst>
               <a:ext uri="{FF2B5EF4-FFF2-40B4-BE49-F238E27FC236}">
-                <a16:creationId xmlns:a16="http://schemas.microsoft.com/office/drawing/2014/main" id="{839E0569-FF4A-4591-8525-BB17C39B06A2}"/>
+                <a16:creationId xmlns:a16="http://schemas.microsoft.com/office/drawing/2014/main" xmlns="" id="{839E0569-FF4A-4591-8525-BB17C39B06A2}"/>
               </a:ext>
             </a:extLst>
           </p:cNvPr>
@@ -26113,7 +26433,7 @@
             <p:cNvPr id="9" name="Rectangle 8">
               <a:extLst>
                 <a:ext uri="{FF2B5EF4-FFF2-40B4-BE49-F238E27FC236}">
-                  <a16:creationId xmlns:a16="http://schemas.microsoft.com/office/drawing/2014/main" id="{D87D1269-12D2-44D2-89FB-D2D5E4D8CD7D}"/>
+                  <a16:creationId xmlns:a16="http://schemas.microsoft.com/office/drawing/2014/main" xmlns="" id="{D87D1269-12D2-44D2-89FB-D2D5E4D8CD7D}"/>
                 </a:ext>
               </a:extLst>
             </p:cNvPr>
@@ -26168,7 +26488,7 @@
             <p:cNvPr id="8" name="Triangle isocèle 7">
               <a:extLst>
                 <a:ext uri="{FF2B5EF4-FFF2-40B4-BE49-F238E27FC236}">
-                  <a16:creationId xmlns:a16="http://schemas.microsoft.com/office/drawing/2014/main" id="{FD930DE8-EE9D-4D16-A873-8D7F405152E3}"/>
+                  <a16:creationId xmlns:a16="http://schemas.microsoft.com/office/drawing/2014/main" xmlns="" id="{FD930DE8-EE9D-4D16-A873-8D7F405152E3}"/>
                 </a:ext>
               </a:extLst>
             </p:cNvPr>
@@ -26218,7 +26538,7 @@
           <p:cNvPr id="2" name="Titre 1">
             <a:extLst>
               <a:ext uri="{FF2B5EF4-FFF2-40B4-BE49-F238E27FC236}">
-                <a16:creationId xmlns:a16="http://schemas.microsoft.com/office/drawing/2014/main" id="{A70E3617-25B1-46EC-9D69-B4B1E6125451}"/>
+                <a16:creationId xmlns:a16="http://schemas.microsoft.com/office/drawing/2014/main" xmlns="" id="{A70E3617-25B1-46EC-9D69-B4B1E6125451}"/>
               </a:ext>
             </a:extLst>
           </p:cNvPr>
@@ -26263,7 +26583,7 @@
           <p:cNvPr id="4" name="Tableau 4">
             <a:extLst>
               <a:ext uri="{FF2B5EF4-FFF2-40B4-BE49-F238E27FC236}">
-                <a16:creationId xmlns:a16="http://schemas.microsoft.com/office/drawing/2014/main" id="{43E31FF1-A8FB-4533-82F1-453569B0B5F7}"/>
+                <a16:creationId xmlns:a16="http://schemas.microsoft.com/office/drawing/2014/main" xmlns="" id="{43E31FF1-A8FB-4533-82F1-453569B0B5F7}"/>
               </a:ext>
             </a:extLst>
           </p:cNvPr>
@@ -26292,21 +26612,21 @@
                 <a:gridCol w="1391479">
                   <a:extLst>
                     <a:ext uri="{9D8B030D-6E8A-4147-A177-3AD203B41FA5}">
-                      <a16:colId xmlns:a16="http://schemas.microsoft.com/office/drawing/2014/main" val="131224004"/>
+                      <a16:colId xmlns:a16="http://schemas.microsoft.com/office/drawing/2014/main" xmlns="" val="131224004"/>
                     </a:ext>
                   </a:extLst>
                 </a:gridCol>
                 <a:gridCol w="1179443">
                   <a:extLst>
                     <a:ext uri="{9D8B030D-6E8A-4147-A177-3AD203B41FA5}">
-                      <a16:colId xmlns:a16="http://schemas.microsoft.com/office/drawing/2014/main" val="2965997092"/>
+                      <a16:colId xmlns:a16="http://schemas.microsoft.com/office/drawing/2014/main" xmlns="" val="2965997092"/>
                     </a:ext>
                   </a:extLst>
                 </a:gridCol>
                 <a:gridCol w="1520688">
                   <a:extLst>
                     <a:ext uri="{9D8B030D-6E8A-4147-A177-3AD203B41FA5}">
-                      <a16:colId xmlns:a16="http://schemas.microsoft.com/office/drawing/2014/main" val="2986827662"/>
+                      <a16:colId xmlns:a16="http://schemas.microsoft.com/office/drawing/2014/main" xmlns="" val="2986827662"/>
                     </a:ext>
                   </a:extLst>
                 </a:gridCol>
@@ -26356,7 +26676,7 @@
                 </a:tc>
                 <a:extLst>
                   <a:ext uri="{0D108BD9-81ED-4DB2-BD59-A6C34878D82A}">
-                    <a16:rowId xmlns:a16="http://schemas.microsoft.com/office/drawing/2014/main" val="2770393989"/>
+                    <a16:rowId xmlns:a16="http://schemas.microsoft.com/office/drawing/2014/main" xmlns="" val="2770393989"/>
                   </a:ext>
                 </a:extLst>
               </a:tr>
@@ -26405,7 +26725,7 @@
                 </a:tc>
                 <a:extLst>
                   <a:ext uri="{0D108BD9-81ED-4DB2-BD59-A6C34878D82A}">
-                    <a16:rowId xmlns:a16="http://schemas.microsoft.com/office/drawing/2014/main" val="3665726536"/>
+                    <a16:rowId xmlns:a16="http://schemas.microsoft.com/office/drawing/2014/main" xmlns="" val="3665726536"/>
                   </a:ext>
                 </a:extLst>
               </a:tr>
@@ -26484,7 +26804,7 @@
                 </a:tc>
                 <a:extLst>
                   <a:ext uri="{0D108BD9-81ED-4DB2-BD59-A6C34878D82A}">
-                    <a16:rowId xmlns:a16="http://schemas.microsoft.com/office/drawing/2014/main" val="1054496806"/>
+                    <a16:rowId xmlns:a16="http://schemas.microsoft.com/office/drawing/2014/main" xmlns="" val="1054496806"/>
                   </a:ext>
                 </a:extLst>
               </a:tr>
@@ -26605,7 +26925,7 @@
                 </a:tc>
                 <a:extLst>
                   <a:ext uri="{0D108BD9-81ED-4DB2-BD59-A6C34878D82A}">
-                    <a16:rowId xmlns:a16="http://schemas.microsoft.com/office/drawing/2014/main" val="4221552092"/>
+                    <a16:rowId xmlns:a16="http://schemas.microsoft.com/office/drawing/2014/main" xmlns="" val="4221552092"/>
                   </a:ext>
                 </a:extLst>
               </a:tr>
@@ -26657,7 +26977,7 @@
                 </a:tc>
                 <a:extLst>
                   <a:ext uri="{0D108BD9-81ED-4DB2-BD59-A6C34878D82A}">
-                    <a16:rowId xmlns:a16="http://schemas.microsoft.com/office/drawing/2014/main" val="3906504615"/>
+                    <a16:rowId xmlns:a16="http://schemas.microsoft.com/office/drawing/2014/main" xmlns="" val="3906504615"/>
                   </a:ext>
                 </a:extLst>
               </a:tr>
@@ -26697,7 +27017,7 @@
                 </a:tc>
                 <a:extLst>
                   <a:ext uri="{0D108BD9-81ED-4DB2-BD59-A6C34878D82A}">
-                    <a16:rowId xmlns:a16="http://schemas.microsoft.com/office/drawing/2014/main" val="54323278"/>
+                    <a16:rowId xmlns:a16="http://schemas.microsoft.com/office/drawing/2014/main" xmlns="" val="54323278"/>
                   </a:ext>
                 </a:extLst>
               </a:tr>
@@ -26710,7 +27030,7 @@
           <p:cNvPr id="5" name="Espace réservé du contenu 2">
             <a:extLst>
               <a:ext uri="{FF2B5EF4-FFF2-40B4-BE49-F238E27FC236}">
-                <a16:creationId xmlns:a16="http://schemas.microsoft.com/office/drawing/2014/main" id="{049501FA-9AF5-434D-8DDD-A3BB21F61031}"/>
+                <a16:creationId xmlns:a16="http://schemas.microsoft.com/office/drawing/2014/main" xmlns="" id="{049501FA-9AF5-434D-8DDD-A3BB21F61031}"/>
               </a:ext>
             </a:extLst>
           </p:cNvPr>
@@ -26958,6 +27278,15 @@
               <a:buFont typeface="Arial" panose="020B0604020202020204" pitchFamily="34" charset="0"/>
               <a:buNone/>
             </a:pPr>
+            <a:r>
+              <a:rPr lang="fr-FR" sz="2000" dirty="0">
+                <a:solidFill>
+                  <a:srgbClr val="24292E"/>
+                </a:solidFill>
+                <a:latin typeface="Consolas" panose="020B0609020204030204" pitchFamily="49" charset="0"/>
+              </a:rPr>
+              <a:t/>
+            </a:r>
             <a:br>
               <a:rPr lang="fr-FR" sz="2000" dirty="0">
                 <a:solidFill>
@@ -27092,6 +27421,15 @@
               <a:buFont typeface="Arial" panose="020B0604020202020204" pitchFamily="34" charset="0"/>
               <a:buNone/>
             </a:pPr>
+            <a:r>
+              <a:rPr lang="fr-FR" sz="2000" dirty="0">
+                <a:solidFill>
+                  <a:srgbClr val="24292E"/>
+                </a:solidFill>
+                <a:latin typeface="Consolas" panose="020B0609020204030204" pitchFamily="49" charset="0"/>
+              </a:rPr>
+              <a:t/>
+            </a:r>
             <a:br>
               <a:rPr lang="fr-FR" sz="2000" dirty="0">
                 <a:solidFill>
@@ -27298,6 +27636,15 @@
               <a:buFont typeface="Arial" panose="020B0604020202020204" pitchFamily="34" charset="0"/>
               <a:buNone/>
             </a:pPr>
+            <a:r>
+              <a:rPr lang="fr-FR" sz="2000" dirty="0">
+                <a:solidFill>
+                  <a:srgbClr val="24292E"/>
+                </a:solidFill>
+                <a:latin typeface="Consolas" panose="020B0609020204030204" pitchFamily="49" charset="0"/>
+              </a:rPr>
+              <a:t/>
+            </a:r>
             <a:br>
               <a:rPr lang="fr-FR" sz="2000" dirty="0">
                 <a:solidFill>
@@ -27598,6 +27945,2717 @@
     <p:extLst>
       <p:ext uri="{BB962C8B-B14F-4D97-AF65-F5344CB8AC3E}">
         <p14:creationId xmlns:p14="http://schemas.microsoft.com/office/powerpoint/2010/main" val="2202598108"/>
+      </p:ext>
+    </p:extLst>
+  </p:cSld>
+  <p:clrMapOvr>
+    <a:masterClrMapping/>
+  </p:clrMapOvr>
+</p:sld>
+</file>
+
+<file path=ppt/slides/slide26.xml><?xml version="1.0" encoding="utf-8"?>
+<p:sld xmlns:a="http://schemas.openxmlformats.org/drawingml/2006/main" xmlns:r="http://schemas.openxmlformats.org/officeDocument/2006/relationships" xmlns:p="http://schemas.openxmlformats.org/presentationml/2006/main">
+  <p:cSld>
+    <p:spTree>
+      <p:nvGrpSpPr>
+        <p:cNvPr id="1" name=""/>
+        <p:cNvGrpSpPr/>
+        <p:nvPr/>
+      </p:nvGrpSpPr>
+      <p:grpSpPr>
+        <a:xfrm>
+          <a:off x="0" y="0"/>
+          <a:ext cx="0" cy="0"/>
+          <a:chOff x="0" y="0"/>
+          <a:chExt cx="0" cy="0"/>
+        </a:xfrm>
+      </p:grpSpPr>
+      <p:sp>
+        <p:nvSpPr>
+          <p:cNvPr id="2" name="Titre 1">
+            <a:extLst>
+              <a:ext uri="{FF2B5EF4-FFF2-40B4-BE49-F238E27FC236}">
+                <a16:creationId xmlns:a16="http://schemas.microsoft.com/office/drawing/2014/main" xmlns="" id="{7B80AAED-52E0-4F23-8B37-8856C39504C7}"/>
+              </a:ext>
+            </a:extLst>
+          </p:cNvPr>
+          <p:cNvSpPr>
+            <a:spLocks noGrp="1"/>
+          </p:cNvSpPr>
+          <p:nvPr>
+            <p:ph type="title"/>
+          </p:nvPr>
+        </p:nvSpPr>
+        <p:spPr/>
+        <p:txBody>
+          <a:bodyPr/>
+          <a:lstStyle/>
+          <a:p>
+            <a:r>
+              <a:rPr lang="fr-FR" dirty="0" smtClean="0"/>
+              <a:t>Cas des tableaux</a:t>
+            </a:r>
+            <a:endParaRPr lang="fr-FR" dirty="0"/>
+          </a:p>
+        </p:txBody>
+      </p:sp>
+      <p:sp>
+        <p:nvSpPr>
+          <p:cNvPr id="3" name="Espace réservé du contenu 2">
+            <a:extLst>
+              <a:ext uri="{FF2B5EF4-FFF2-40B4-BE49-F238E27FC236}">
+                <a16:creationId xmlns:a16="http://schemas.microsoft.com/office/drawing/2014/main" xmlns="" id="{7D923CEB-755C-49EA-8BD6-A42CA9D5CA2C}"/>
+              </a:ext>
+            </a:extLst>
+          </p:cNvPr>
+          <p:cNvSpPr>
+            <a:spLocks noGrp="1"/>
+          </p:cNvSpPr>
+          <p:nvPr>
+            <p:ph idx="1"/>
+          </p:nvPr>
+        </p:nvSpPr>
+        <p:spPr/>
+        <p:txBody>
+          <a:bodyPr>
+            <a:normAutofit/>
+          </a:bodyPr>
+          <a:lstStyle/>
+          <a:p>
+            <a:r>
+              <a:rPr lang="fr-FR" dirty="0" smtClean="0"/>
+              <a:t>L’identificateur d’un tableau étant un pointeur sur le premier élément, le passage d’un tableau en argument d’une fonction ne peut se faire </a:t>
+            </a:r>
+            <a:r>
+              <a:rPr lang="fr-FR" b="1" dirty="0" smtClean="0"/>
+              <a:t>que par adresse</a:t>
+            </a:r>
+            <a:r>
+              <a:rPr lang="fr-FR" dirty="0" smtClean="0"/>
+              <a:t>.</a:t>
+            </a:r>
+          </a:p>
+          <a:p>
+            <a:endParaRPr lang="fr-FR" b="1" dirty="0" smtClean="0"/>
+          </a:p>
+          <a:p>
+            <a:r>
+              <a:rPr lang="fr-FR" dirty="0" smtClean="0"/>
+              <a:t>Cela implique qu’une fonction pourra toujours modifier le tableau envoyé.</a:t>
+            </a:r>
+          </a:p>
+          <a:p>
+            <a:endParaRPr lang="fr-FR" dirty="0"/>
+          </a:p>
+          <a:p>
+            <a:r>
+              <a:rPr lang="fr-FR" dirty="0" smtClean="0"/>
+              <a:t>Même si ce n’est pas obligatoire, il est vivement recommandé de passé la taille du tableau en argument pour pouvoir le parcourir.</a:t>
+            </a:r>
+            <a:endParaRPr lang="fr-FR" dirty="0"/>
+          </a:p>
+        </p:txBody>
+      </p:sp>
+    </p:spTree>
+    <p:extLst>
+      <p:ext uri="{BB962C8B-B14F-4D97-AF65-F5344CB8AC3E}">
+        <p14:creationId xmlns:p14="http://schemas.microsoft.com/office/powerpoint/2010/main" val="340395620"/>
+      </p:ext>
+    </p:extLst>
+  </p:cSld>
+  <p:clrMapOvr>
+    <a:masterClrMapping/>
+  </p:clrMapOvr>
+  <p:timing>
+    <p:tnLst>
+      <p:par>
+        <p:cTn id="1" dur="indefinite" restart="never" nodeType="tmRoot"/>
+      </p:par>
+    </p:tnLst>
+  </p:timing>
+</p:sld>
+</file>
+
+<file path=ppt/slides/slide27.xml><?xml version="1.0" encoding="utf-8"?>
+<p:sld xmlns:a="http://schemas.openxmlformats.org/drawingml/2006/main" xmlns:r="http://schemas.openxmlformats.org/officeDocument/2006/relationships" xmlns:p="http://schemas.openxmlformats.org/presentationml/2006/main">
+  <p:cSld>
+    <p:spTree>
+      <p:nvGrpSpPr>
+        <p:cNvPr id="1" name=""/>
+        <p:cNvGrpSpPr/>
+        <p:nvPr/>
+      </p:nvGrpSpPr>
+      <p:grpSpPr>
+        <a:xfrm>
+          <a:off x="0" y="0"/>
+          <a:ext cx="0" cy="0"/>
+          <a:chOff x="0" y="0"/>
+          <a:chExt cx="0" cy="0"/>
+        </a:xfrm>
+      </p:grpSpPr>
+      <p:sp>
+        <p:nvSpPr>
+          <p:cNvPr id="2" name="Titre 1">
+            <a:extLst>
+              <a:ext uri="{FF2B5EF4-FFF2-40B4-BE49-F238E27FC236}">
+                <a16:creationId xmlns:a16="http://schemas.microsoft.com/office/drawing/2014/main" xmlns="" id="{A70E3617-25B1-46EC-9D69-B4B1E6125451}"/>
+              </a:ext>
+            </a:extLst>
+          </p:cNvPr>
+          <p:cNvSpPr>
+            <a:spLocks noGrp="1"/>
+          </p:cNvSpPr>
+          <p:nvPr>
+            <p:ph type="title"/>
+          </p:nvPr>
+        </p:nvSpPr>
+        <p:spPr>
+          <a:xfrm>
+            <a:off x="5327374" y="365125"/>
+            <a:ext cx="6026426" cy="1325563"/>
+          </a:xfrm>
+        </p:spPr>
+        <p:txBody>
+          <a:bodyPr/>
+          <a:lstStyle/>
+          <a:p>
+            <a:pPr algn="r"/>
+            <a:r>
+              <a:rPr lang="fr-FR" dirty="0" smtClean="0"/>
+              <a:t>Cas des tableaux</a:t>
+            </a:r>
+            <a:br>
+              <a:rPr lang="fr-FR" dirty="0" smtClean="0"/>
+            </a:br>
+            <a:r>
+              <a:rPr lang="fr-FR" dirty="0" smtClean="0"/>
+              <a:t>Prototype 1</a:t>
+            </a:r>
+            <a:endParaRPr lang="fr-FR" b="1" dirty="0"/>
+          </a:p>
+        </p:txBody>
+      </p:sp>
+      <p:sp>
+        <p:nvSpPr>
+          <p:cNvPr id="5" name="Espace réservé du contenu 2">
+            <a:extLst>
+              <a:ext uri="{FF2B5EF4-FFF2-40B4-BE49-F238E27FC236}">
+                <a16:creationId xmlns:a16="http://schemas.microsoft.com/office/drawing/2014/main" xmlns="" id="{049501FA-9AF5-434D-8DDD-A3BB21F61031}"/>
+              </a:ext>
+            </a:extLst>
+          </p:cNvPr>
+          <p:cNvSpPr txBox="1">
+            <a:spLocks/>
+          </p:cNvSpPr>
+          <p:nvPr/>
+        </p:nvSpPr>
+        <p:spPr>
+          <a:xfrm>
+            <a:off x="683168" y="365125"/>
+            <a:ext cx="9034763" cy="6406055"/>
+          </a:xfrm>
+          <a:prstGeom prst="rect">
+            <a:avLst/>
+          </a:prstGeom>
+        </p:spPr>
+        <p:txBody>
+          <a:bodyPr vert="horz" lIns="91440" tIns="45720" rIns="91440" bIns="45720" rtlCol="0">
+            <a:normAutofit lnSpcReduction="10000"/>
+          </a:bodyPr>
+          <a:lstStyle>
+            <a:lvl1pPr marL="228600" indent="-228600" algn="l" defTabSz="914400" rtl="0" eaLnBrk="1" latinLnBrk="0" hangingPunct="1">
+              <a:lnSpc>
+                <a:spcPct val="90000"/>
+              </a:lnSpc>
+              <a:spcBef>
+                <a:spcPts val="1000"/>
+              </a:spcBef>
+              <a:buFont typeface="Arial" panose="020B0604020202020204" pitchFamily="34" charset="0"/>
+              <a:buChar char="•"/>
+              <a:defRPr sz="2800" kern="1200">
+                <a:solidFill>
+                  <a:schemeClr val="tx1"/>
+                </a:solidFill>
+                <a:latin typeface="+mn-lt"/>
+                <a:ea typeface="+mn-ea"/>
+                <a:cs typeface="+mn-cs"/>
+              </a:defRPr>
+            </a:lvl1pPr>
+            <a:lvl2pPr marL="685800" indent="-228600" algn="l" defTabSz="914400" rtl="0" eaLnBrk="1" latinLnBrk="0" hangingPunct="1">
+              <a:lnSpc>
+                <a:spcPct val="90000"/>
+              </a:lnSpc>
+              <a:spcBef>
+                <a:spcPts val="500"/>
+              </a:spcBef>
+              <a:buFont typeface="Arial" panose="020B0604020202020204" pitchFamily="34" charset="0"/>
+              <a:buChar char="•"/>
+              <a:defRPr sz="2400" kern="1200">
+                <a:solidFill>
+                  <a:schemeClr val="tx1"/>
+                </a:solidFill>
+                <a:latin typeface="+mn-lt"/>
+                <a:ea typeface="+mn-ea"/>
+                <a:cs typeface="+mn-cs"/>
+              </a:defRPr>
+            </a:lvl2pPr>
+            <a:lvl3pPr marL="1143000" indent="-228600" algn="l" defTabSz="914400" rtl="0" eaLnBrk="1" latinLnBrk="0" hangingPunct="1">
+              <a:lnSpc>
+                <a:spcPct val="90000"/>
+              </a:lnSpc>
+              <a:spcBef>
+                <a:spcPts val="500"/>
+              </a:spcBef>
+              <a:buFont typeface="Arial" panose="020B0604020202020204" pitchFamily="34" charset="0"/>
+              <a:buChar char="•"/>
+              <a:defRPr sz="2000" kern="1200">
+                <a:solidFill>
+                  <a:schemeClr val="tx1"/>
+                </a:solidFill>
+                <a:latin typeface="+mn-lt"/>
+                <a:ea typeface="+mn-ea"/>
+                <a:cs typeface="+mn-cs"/>
+              </a:defRPr>
+            </a:lvl3pPr>
+            <a:lvl4pPr marL="1600200" indent="-228600" algn="l" defTabSz="914400" rtl="0" eaLnBrk="1" latinLnBrk="0" hangingPunct="1">
+              <a:lnSpc>
+                <a:spcPct val="90000"/>
+              </a:lnSpc>
+              <a:spcBef>
+                <a:spcPts val="500"/>
+              </a:spcBef>
+              <a:buFont typeface="Arial" panose="020B0604020202020204" pitchFamily="34" charset="0"/>
+              <a:buChar char="•"/>
+              <a:defRPr sz="1800" kern="1200">
+                <a:solidFill>
+                  <a:schemeClr val="tx1"/>
+                </a:solidFill>
+                <a:latin typeface="+mn-lt"/>
+                <a:ea typeface="+mn-ea"/>
+                <a:cs typeface="+mn-cs"/>
+              </a:defRPr>
+            </a:lvl4pPr>
+            <a:lvl5pPr marL="2057400" indent="-228600" algn="l" defTabSz="914400" rtl="0" eaLnBrk="1" latinLnBrk="0" hangingPunct="1">
+              <a:lnSpc>
+                <a:spcPct val="90000"/>
+              </a:lnSpc>
+              <a:spcBef>
+                <a:spcPts val="500"/>
+              </a:spcBef>
+              <a:buFont typeface="Arial" panose="020B0604020202020204" pitchFamily="34" charset="0"/>
+              <a:buChar char="•"/>
+              <a:defRPr sz="1800" kern="1200">
+                <a:solidFill>
+                  <a:schemeClr val="tx1"/>
+                </a:solidFill>
+                <a:latin typeface="+mn-lt"/>
+                <a:ea typeface="+mn-ea"/>
+                <a:cs typeface="+mn-cs"/>
+              </a:defRPr>
+            </a:lvl5pPr>
+            <a:lvl6pPr marL="2514600" indent="-228600" algn="l" defTabSz="914400" rtl="0" eaLnBrk="1" latinLnBrk="0" hangingPunct="1">
+              <a:lnSpc>
+                <a:spcPct val="90000"/>
+              </a:lnSpc>
+              <a:spcBef>
+                <a:spcPts val="500"/>
+              </a:spcBef>
+              <a:buFont typeface="Arial" panose="020B0604020202020204" pitchFamily="34" charset="0"/>
+              <a:buChar char="•"/>
+              <a:defRPr sz="1800" kern="1200">
+                <a:solidFill>
+                  <a:schemeClr val="tx1"/>
+                </a:solidFill>
+                <a:latin typeface="+mn-lt"/>
+                <a:ea typeface="+mn-ea"/>
+                <a:cs typeface="+mn-cs"/>
+              </a:defRPr>
+            </a:lvl6pPr>
+            <a:lvl7pPr marL="2971800" indent="-228600" algn="l" defTabSz="914400" rtl="0" eaLnBrk="1" latinLnBrk="0" hangingPunct="1">
+              <a:lnSpc>
+                <a:spcPct val="90000"/>
+              </a:lnSpc>
+              <a:spcBef>
+                <a:spcPts val="500"/>
+              </a:spcBef>
+              <a:buFont typeface="Arial" panose="020B0604020202020204" pitchFamily="34" charset="0"/>
+              <a:buChar char="•"/>
+              <a:defRPr sz="1800" kern="1200">
+                <a:solidFill>
+                  <a:schemeClr val="tx1"/>
+                </a:solidFill>
+                <a:latin typeface="+mn-lt"/>
+                <a:ea typeface="+mn-ea"/>
+                <a:cs typeface="+mn-cs"/>
+              </a:defRPr>
+            </a:lvl7pPr>
+            <a:lvl8pPr marL="3429000" indent="-228600" algn="l" defTabSz="914400" rtl="0" eaLnBrk="1" latinLnBrk="0" hangingPunct="1">
+              <a:lnSpc>
+                <a:spcPct val="90000"/>
+              </a:lnSpc>
+              <a:spcBef>
+                <a:spcPts val="500"/>
+              </a:spcBef>
+              <a:buFont typeface="Arial" panose="020B0604020202020204" pitchFamily="34" charset="0"/>
+              <a:buChar char="•"/>
+              <a:defRPr sz="1800" kern="1200">
+                <a:solidFill>
+                  <a:schemeClr val="tx1"/>
+                </a:solidFill>
+                <a:latin typeface="+mn-lt"/>
+                <a:ea typeface="+mn-ea"/>
+                <a:cs typeface="+mn-cs"/>
+              </a:defRPr>
+            </a:lvl8pPr>
+            <a:lvl9pPr marL="3886200" indent="-228600" algn="l" defTabSz="914400" rtl="0" eaLnBrk="1" latinLnBrk="0" hangingPunct="1">
+              <a:lnSpc>
+                <a:spcPct val="90000"/>
+              </a:lnSpc>
+              <a:spcBef>
+                <a:spcPts val="500"/>
+              </a:spcBef>
+              <a:buFont typeface="Arial" panose="020B0604020202020204" pitchFamily="34" charset="0"/>
+              <a:buChar char="•"/>
+              <a:defRPr sz="1800" kern="1200">
+                <a:solidFill>
+                  <a:schemeClr val="tx1"/>
+                </a:solidFill>
+                <a:latin typeface="+mn-lt"/>
+                <a:ea typeface="+mn-ea"/>
+                <a:cs typeface="+mn-cs"/>
+              </a:defRPr>
+            </a:lvl9pPr>
+          </a:lstStyle>
+          <a:p>
+            <a:pPr marL="0" indent="0">
+              <a:buFont typeface="Arial" panose="020B0604020202020204" pitchFamily="34" charset="0"/>
+              <a:buNone/>
+            </a:pPr>
+            <a:r>
+              <a:rPr lang="fr-FR" sz="2000" dirty="0">
+                <a:solidFill>
+                  <a:srgbClr val="D73A49"/>
+                </a:solidFill>
+                <a:latin typeface="Consolas" panose="020B0609020204030204" pitchFamily="49" charset="0"/>
+              </a:rPr>
+              <a:t>#include</a:t>
+            </a:r>
+            <a:r>
+              <a:rPr lang="fr-FR" sz="2000" dirty="0">
+                <a:solidFill>
+                  <a:srgbClr val="24292E"/>
+                </a:solidFill>
+                <a:latin typeface="Consolas" panose="020B0609020204030204" pitchFamily="49" charset="0"/>
+              </a:rPr>
+              <a:t> </a:t>
+            </a:r>
+            <a:r>
+              <a:rPr lang="fr-FR" sz="2000" dirty="0">
+                <a:solidFill>
+                  <a:srgbClr val="032F62"/>
+                </a:solidFill>
+                <a:latin typeface="Consolas" panose="020B0609020204030204" pitchFamily="49" charset="0"/>
+              </a:rPr>
+              <a:t>&lt;</a:t>
+            </a:r>
+            <a:r>
+              <a:rPr lang="fr-FR" sz="2000" dirty="0" err="1">
+                <a:solidFill>
+                  <a:srgbClr val="032F62"/>
+                </a:solidFill>
+                <a:latin typeface="Consolas" panose="020B0609020204030204" pitchFamily="49" charset="0"/>
+              </a:rPr>
+              <a:t>stdio.h</a:t>
+            </a:r>
+            <a:r>
+              <a:rPr lang="fr-FR" sz="2000" dirty="0" smtClean="0">
+                <a:solidFill>
+                  <a:srgbClr val="032F62"/>
+                </a:solidFill>
+                <a:latin typeface="Consolas" panose="020B0609020204030204" pitchFamily="49" charset="0"/>
+              </a:rPr>
+              <a:t>&gt;</a:t>
+            </a:r>
+          </a:p>
+          <a:p>
+            <a:pPr marL="0" indent="0">
+              <a:buNone/>
+            </a:pPr>
+            <a:endParaRPr lang="fr-FR" sz="2000" dirty="0" smtClean="0">
+              <a:solidFill>
+                <a:srgbClr val="6A737D"/>
+              </a:solidFill>
+              <a:latin typeface="Consolas" panose="020B0609020204030204" pitchFamily="49" charset="0"/>
+            </a:endParaRPr>
+          </a:p>
+          <a:p>
+            <a:pPr marL="0" indent="0">
+              <a:buNone/>
+            </a:pPr>
+            <a:r>
+              <a:rPr lang="fr-FR" sz="2000" dirty="0" smtClean="0">
+                <a:solidFill>
+                  <a:srgbClr val="6A737D"/>
+                </a:solidFill>
+                <a:latin typeface="Consolas" panose="020B0609020204030204" pitchFamily="49" charset="0"/>
+              </a:rPr>
+              <a:t>//</a:t>
+            </a:r>
+            <a:r>
+              <a:rPr lang="fr-FR" sz="2000" dirty="0">
+                <a:solidFill>
+                  <a:srgbClr val="6A737D"/>
+                </a:solidFill>
+                <a:latin typeface="Consolas" panose="020B0609020204030204" pitchFamily="49" charset="0"/>
+              </a:rPr>
+              <a:t> </a:t>
+            </a:r>
+            <a:r>
+              <a:rPr lang="fr-FR" sz="2000" dirty="0" smtClean="0">
+                <a:solidFill>
+                  <a:srgbClr val="6A737D"/>
+                </a:solidFill>
+                <a:latin typeface="Consolas" panose="020B0609020204030204" pitchFamily="49" charset="0"/>
+              </a:rPr>
+              <a:t>Déclaration</a:t>
+            </a:r>
+          </a:p>
+          <a:p>
+            <a:pPr marL="0" indent="0">
+              <a:buNone/>
+            </a:pPr>
+            <a:r>
+              <a:rPr lang="fr-FR" sz="2000" dirty="0" err="1" smtClean="0">
+                <a:solidFill>
+                  <a:srgbClr val="D73A49"/>
+                </a:solidFill>
+                <a:latin typeface="Consolas" panose="020B0609020204030204" pitchFamily="49" charset="0"/>
+              </a:rPr>
+              <a:t>void</a:t>
+            </a:r>
+            <a:r>
+              <a:rPr lang="fr-FR" sz="2000" dirty="0">
+                <a:solidFill>
+                  <a:srgbClr val="24292E"/>
+                </a:solidFill>
+                <a:latin typeface="Consolas" panose="020B0609020204030204" pitchFamily="49" charset="0"/>
+              </a:rPr>
+              <a:t> </a:t>
+            </a:r>
+            <a:r>
+              <a:rPr lang="fr-FR" sz="2000" dirty="0" err="1">
+                <a:solidFill>
+                  <a:srgbClr val="6F42C1"/>
+                </a:solidFill>
+                <a:latin typeface="Consolas" panose="020B0609020204030204" pitchFamily="49" charset="0"/>
+              </a:rPr>
+              <a:t>modif_tableau</a:t>
+            </a:r>
+            <a:r>
+              <a:rPr lang="fr-FR" sz="2000" dirty="0">
+                <a:solidFill>
+                  <a:srgbClr val="24292E"/>
+                </a:solidFill>
+                <a:latin typeface="Consolas" panose="020B0609020204030204" pitchFamily="49" charset="0"/>
+              </a:rPr>
+              <a:t> (</a:t>
+            </a:r>
+            <a:r>
+              <a:rPr lang="fr-FR" sz="2000" dirty="0" err="1">
+                <a:solidFill>
+                  <a:srgbClr val="D73A49"/>
+                </a:solidFill>
+                <a:latin typeface="Consolas" panose="020B0609020204030204" pitchFamily="49" charset="0"/>
+              </a:rPr>
+              <a:t>int</a:t>
+            </a:r>
+            <a:r>
+              <a:rPr lang="fr-FR" sz="2000" dirty="0">
+                <a:solidFill>
+                  <a:srgbClr val="24292E"/>
+                </a:solidFill>
+                <a:latin typeface="Consolas" panose="020B0609020204030204" pitchFamily="49" charset="0"/>
+              </a:rPr>
+              <a:t> </a:t>
+            </a:r>
+            <a:r>
+              <a:rPr lang="fr-FR" sz="2000" dirty="0">
+                <a:solidFill>
+                  <a:srgbClr val="D73A49"/>
+                </a:solidFill>
+                <a:latin typeface="Consolas" panose="020B0609020204030204" pitchFamily="49" charset="0"/>
+              </a:rPr>
+              <a:t>*</a:t>
+            </a:r>
+            <a:r>
+              <a:rPr lang="fr-FR" sz="2000" dirty="0">
+                <a:solidFill>
+                  <a:srgbClr val="24292E"/>
+                </a:solidFill>
+                <a:latin typeface="Consolas" panose="020B0609020204030204" pitchFamily="49" charset="0"/>
+              </a:rPr>
+              <a:t>, </a:t>
+            </a:r>
+            <a:r>
+              <a:rPr lang="fr-FR" sz="2000" dirty="0" err="1">
+                <a:solidFill>
+                  <a:srgbClr val="D73A49"/>
+                </a:solidFill>
+                <a:latin typeface="Consolas" panose="020B0609020204030204" pitchFamily="49" charset="0"/>
+              </a:rPr>
+              <a:t>int</a:t>
+            </a:r>
+            <a:r>
+              <a:rPr lang="fr-FR" sz="2000" dirty="0">
+                <a:solidFill>
+                  <a:srgbClr val="24292E"/>
+                </a:solidFill>
+                <a:latin typeface="Consolas" panose="020B0609020204030204" pitchFamily="49" charset="0"/>
+              </a:rPr>
+              <a:t>);</a:t>
+            </a:r>
+          </a:p>
+          <a:p>
+            <a:pPr marL="0" indent="0">
+              <a:buNone/>
+            </a:pPr>
+            <a:r>
+              <a:rPr lang="fr-FR" sz="2000" dirty="0">
+                <a:solidFill>
+                  <a:srgbClr val="24292E"/>
+                </a:solidFill>
+                <a:latin typeface="Consolas" panose="020B0609020204030204" pitchFamily="49" charset="0"/>
+              </a:rPr>
+              <a:t/>
+            </a:r>
+            <a:br>
+              <a:rPr lang="fr-FR" sz="2000" dirty="0">
+                <a:solidFill>
+                  <a:srgbClr val="24292E"/>
+                </a:solidFill>
+                <a:latin typeface="Consolas" panose="020B0609020204030204" pitchFamily="49" charset="0"/>
+              </a:rPr>
+            </a:br>
+            <a:r>
+              <a:rPr lang="fr-FR" sz="2000" dirty="0">
+                <a:solidFill>
+                  <a:srgbClr val="6A737D"/>
+                </a:solidFill>
+                <a:latin typeface="Consolas" panose="020B0609020204030204" pitchFamily="49" charset="0"/>
+              </a:rPr>
+              <a:t>//Programme principal</a:t>
+            </a:r>
+            <a:endParaRPr lang="fr-FR" sz="2000" dirty="0">
+              <a:solidFill>
+                <a:srgbClr val="24292E"/>
+              </a:solidFill>
+              <a:latin typeface="Consolas" panose="020B0609020204030204" pitchFamily="49" charset="0"/>
+            </a:endParaRPr>
+          </a:p>
+          <a:p>
+            <a:pPr marL="0" indent="0">
+              <a:buNone/>
+            </a:pPr>
+            <a:r>
+              <a:rPr lang="fr-FR" sz="2000" dirty="0" err="1">
+                <a:solidFill>
+                  <a:srgbClr val="D73A49"/>
+                </a:solidFill>
+                <a:latin typeface="Consolas" panose="020B0609020204030204" pitchFamily="49" charset="0"/>
+              </a:rPr>
+              <a:t>int</a:t>
+            </a:r>
+            <a:r>
+              <a:rPr lang="fr-FR" sz="2000" dirty="0">
+                <a:solidFill>
+                  <a:srgbClr val="24292E"/>
+                </a:solidFill>
+                <a:latin typeface="Consolas" panose="020B0609020204030204" pitchFamily="49" charset="0"/>
+              </a:rPr>
+              <a:t> </a:t>
+            </a:r>
+            <a:r>
+              <a:rPr lang="fr-FR" sz="2000" dirty="0">
+                <a:solidFill>
+                  <a:srgbClr val="6F42C1"/>
+                </a:solidFill>
+                <a:latin typeface="Consolas" panose="020B0609020204030204" pitchFamily="49" charset="0"/>
+              </a:rPr>
+              <a:t>main</a:t>
+            </a:r>
+            <a:r>
+              <a:rPr lang="fr-FR" sz="2000" dirty="0">
+                <a:solidFill>
+                  <a:srgbClr val="24292E"/>
+                </a:solidFill>
+                <a:latin typeface="Consolas" panose="020B0609020204030204" pitchFamily="49" charset="0"/>
+              </a:rPr>
+              <a:t> () { </a:t>
+            </a:r>
+          </a:p>
+          <a:p>
+            <a:pPr marL="0" indent="0">
+              <a:buNone/>
+            </a:pPr>
+            <a:r>
+              <a:rPr lang="fr-FR" sz="2000" dirty="0">
+                <a:solidFill>
+                  <a:srgbClr val="24292E"/>
+                </a:solidFill>
+                <a:latin typeface="Consolas" panose="020B0609020204030204" pitchFamily="49" charset="0"/>
+              </a:rPr>
+              <a:t>    </a:t>
+            </a:r>
+            <a:r>
+              <a:rPr lang="fr-FR" sz="2000" dirty="0" err="1">
+                <a:solidFill>
+                  <a:srgbClr val="D73A49"/>
+                </a:solidFill>
+                <a:latin typeface="Consolas" panose="020B0609020204030204" pitchFamily="49" charset="0"/>
+              </a:rPr>
+              <a:t>int</a:t>
+            </a:r>
+            <a:r>
+              <a:rPr lang="fr-FR" sz="2000" dirty="0">
+                <a:solidFill>
+                  <a:srgbClr val="24292E"/>
+                </a:solidFill>
+                <a:latin typeface="Consolas" panose="020B0609020204030204" pitchFamily="49" charset="0"/>
+              </a:rPr>
+              <a:t> </a:t>
+            </a:r>
+            <a:r>
+              <a:rPr lang="fr-FR" sz="2000" dirty="0" err="1">
+                <a:solidFill>
+                  <a:srgbClr val="24292E"/>
+                </a:solidFill>
+                <a:latin typeface="Consolas" panose="020B0609020204030204" pitchFamily="49" charset="0"/>
+              </a:rPr>
+              <a:t>array</a:t>
+            </a:r>
+            <a:r>
+              <a:rPr lang="fr-FR" sz="2000" dirty="0">
+                <a:solidFill>
+                  <a:srgbClr val="24292E"/>
+                </a:solidFill>
+                <a:latin typeface="Consolas" panose="020B0609020204030204" pitchFamily="49" charset="0"/>
+              </a:rPr>
+              <a:t>[</a:t>
+            </a:r>
+            <a:r>
+              <a:rPr lang="fr-FR" sz="2000" dirty="0">
+                <a:solidFill>
+                  <a:srgbClr val="005CC5"/>
+                </a:solidFill>
+                <a:latin typeface="Consolas" panose="020B0609020204030204" pitchFamily="49" charset="0"/>
+              </a:rPr>
+              <a:t>4</a:t>
+            </a:r>
+            <a:r>
+              <a:rPr lang="fr-FR" sz="2000" dirty="0">
+                <a:solidFill>
+                  <a:srgbClr val="24292E"/>
+                </a:solidFill>
+                <a:latin typeface="Consolas" panose="020B0609020204030204" pitchFamily="49" charset="0"/>
+              </a:rPr>
+              <a:t>] </a:t>
+            </a:r>
+            <a:r>
+              <a:rPr lang="fr-FR" sz="2000" dirty="0">
+                <a:solidFill>
+                  <a:srgbClr val="D73A49"/>
+                </a:solidFill>
+                <a:latin typeface="Consolas" panose="020B0609020204030204" pitchFamily="49" charset="0"/>
+              </a:rPr>
+              <a:t>=</a:t>
+            </a:r>
+            <a:r>
+              <a:rPr lang="fr-FR" sz="2000" dirty="0">
+                <a:solidFill>
+                  <a:srgbClr val="24292E"/>
+                </a:solidFill>
+                <a:latin typeface="Consolas" panose="020B0609020204030204" pitchFamily="49" charset="0"/>
+              </a:rPr>
+              <a:t> {</a:t>
+            </a:r>
+            <a:r>
+              <a:rPr lang="fr-FR" sz="2000" dirty="0">
+                <a:solidFill>
+                  <a:srgbClr val="005CC5"/>
+                </a:solidFill>
+                <a:latin typeface="Consolas" panose="020B0609020204030204" pitchFamily="49" charset="0"/>
+              </a:rPr>
+              <a:t>1</a:t>
+            </a:r>
+            <a:r>
+              <a:rPr lang="fr-FR" sz="2000" dirty="0">
+                <a:solidFill>
+                  <a:srgbClr val="24292E"/>
+                </a:solidFill>
+                <a:latin typeface="Consolas" panose="020B0609020204030204" pitchFamily="49" charset="0"/>
+              </a:rPr>
+              <a:t>, </a:t>
+            </a:r>
+            <a:r>
+              <a:rPr lang="fr-FR" sz="2000" dirty="0">
+                <a:solidFill>
+                  <a:srgbClr val="005CC5"/>
+                </a:solidFill>
+                <a:latin typeface="Consolas" panose="020B0609020204030204" pitchFamily="49" charset="0"/>
+              </a:rPr>
+              <a:t>2</a:t>
+            </a:r>
+            <a:r>
+              <a:rPr lang="fr-FR" sz="2000" dirty="0">
+                <a:solidFill>
+                  <a:srgbClr val="24292E"/>
+                </a:solidFill>
+                <a:latin typeface="Consolas" panose="020B0609020204030204" pitchFamily="49" charset="0"/>
+              </a:rPr>
+              <a:t>, </a:t>
+            </a:r>
+            <a:r>
+              <a:rPr lang="fr-FR" sz="2000" dirty="0">
+                <a:solidFill>
+                  <a:srgbClr val="005CC5"/>
+                </a:solidFill>
+                <a:latin typeface="Consolas" panose="020B0609020204030204" pitchFamily="49" charset="0"/>
+              </a:rPr>
+              <a:t>3</a:t>
+            </a:r>
+            <a:r>
+              <a:rPr lang="fr-FR" sz="2000" dirty="0">
+                <a:solidFill>
+                  <a:srgbClr val="24292E"/>
+                </a:solidFill>
+                <a:latin typeface="Consolas" panose="020B0609020204030204" pitchFamily="49" charset="0"/>
+              </a:rPr>
+              <a:t>, </a:t>
+            </a:r>
+            <a:r>
+              <a:rPr lang="fr-FR" sz="2000" dirty="0">
+                <a:solidFill>
+                  <a:srgbClr val="005CC5"/>
+                </a:solidFill>
+                <a:latin typeface="Consolas" panose="020B0609020204030204" pitchFamily="49" charset="0"/>
+              </a:rPr>
+              <a:t>5</a:t>
+            </a:r>
+            <a:r>
+              <a:rPr lang="fr-FR" sz="2000" dirty="0">
+                <a:solidFill>
+                  <a:srgbClr val="24292E"/>
+                </a:solidFill>
+                <a:latin typeface="Consolas" panose="020B0609020204030204" pitchFamily="49" charset="0"/>
+              </a:rPr>
+              <a:t>};</a:t>
+            </a:r>
+          </a:p>
+          <a:p>
+            <a:pPr marL="0" indent="0">
+              <a:buNone/>
+            </a:pPr>
+            <a:r>
+              <a:rPr lang="fr-FR" sz="2000" dirty="0">
+                <a:solidFill>
+                  <a:srgbClr val="24292E"/>
+                </a:solidFill>
+                <a:latin typeface="Consolas" panose="020B0609020204030204" pitchFamily="49" charset="0"/>
+              </a:rPr>
+              <a:t>    </a:t>
+            </a:r>
+            <a:r>
+              <a:rPr lang="fr-FR" sz="2000" dirty="0" err="1">
+                <a:solidFill>
+                  <a:srgbClr val="6F42C1"/>
+                </a:solidFill>
+                <a:latin typeface="Consolas" panose="020B0609020204030204" pitchFamily="49" charset="0"/>
+              </a:rPr>
+              <a:t>modif_tableau</a:t>
+            </a:r>
+            <a:r>
+              <a:rPr lang="fr-FR" sz="2000" dirty="0">
+                <a:solidFill>
+                  <a:srgbClr val="24292E"/>
+                </a:solidFill>
+                <a:latin typeface="Consolas" panose="020B0609020204030204" pitchFamily="49" charset="0"/>
+              </a:rPr>
+              <a:t>(</a:t>
+            </a:r>
+            <a:r>
+              <a:rPr lang="fr-FR" sz="2000" dirty="0" err="1">
+                <a:solidFill>
+                  <a:srgbClr val="24292E"/>
+                </a:solidFill>
+                <a:latin typeface="Consolas" panose="020B0609020204030204" pitchFamily="49" charset="0"/>
+              </a:rPr>
+              <a:t>array</a:t>
+            </a:r>
+            <a:r>
+              <a:rPr lang="fr-FR" sz="2000" dirty="0">
+                <a:solidFill>
+                  <a:srgbClr val="24292E"/>
+                </a:solidFill>
+                <a:latin typeface="Consolas" panose="020B0609020204030204" pitchFamily="49" charset="0"/>
+              </a:rPr>
+              <a:t>, </a:t>
+            </a:r>
+            <a:r>
+              <a:rPr lang="fr-FR" sz="2000" dirty="0">
+                <a:solidFill>
+                  <a:srgbClr val="005CC5"/>
+                </a:solidFill>
+                <a:latin typeface="Consolas" panose="020B0609020204030204" pitchFamily="49" charset="0"/>
+              </a:rPr>
+              <a:t>4</a:t>
+            </a:r>
+            <a:r>
+              <a:rPr lang="fr-FR" sz="2000" dirty="0">
+                <a:solidFill>
+                  <a:srgbClr val="24292E"/>
+                </a:solidFill>
+                <a:latin typeface="Consolas" panose="020B0609020204030204" pitchFamily="49" charset="0"/>
+              </a:rPr>
+              <a:t>);</a:t>
+            </a:r>
+          </a:p>
+          <a:p>
+            <a:pPr marL="0" indent="0">
+              <a:buNone/>
+            </a:pPr>
+            <a:r>
+              <a:rPr lang="fr-FR" sz="2000" dirty="0" smtClean="0">
+                <a:solidFill>
+                  <a:srgbClr val="24292E"/>
+                </a:solidFill>
+                <a:latin typeface="Consolas" panose="020B0609020204030204" pitchFamily="49" charset="0"/>
+              </a:rPr>
+              <a:t>}</a:t>
+            </a:r>
+          </a:p>
+          <a:p>
+            <a:pPr marL="0" indent="0">
+              <a:buNone/>
+            </a:pPr>
+            <a:endParaRPr lang="fr-FR" sz="2000" dirty="0">
+              <a:solidFill>
+                <a:srgbClr val="24292E"/>
+              </a:solidFill>
+              <a:latin typeface="Consolas" panose="020B0609020204030204" pitchFamily="49" charset="0"/>
+            </a:endParaRPr>
+          </a:p>
+          <a:p>
+            <a:pPr marL="0" indent="0">
+              <a:buNone/>
+            </a:pPr>
+            <a:r>
+              <a:rPr lang="fr-FR" sz="2000" dirty="0">
+                <a:solidFill>
+                  <a:srgbClr val="6A737D"/>
+                </a:solidFill>
+                <a:latin typeface="Consolas" panose="020B0609020204030204" pitchFamily="49" charset="0"/>
+              </a:rPr>
+              <a:t>// </a:t>
+            </a:r>
+            <a:r>
+              <a:rPr lang="fr-FR" sz="2000" dirty="0" smtClean="0">
+                <a:solidFill>
+                  <a:srgbClr val="6A737D"/>
+                </a:solidFill>
+                <a:latin typeface="Consolas" panose="020B0609020204030204" pitchFamily="49" charset="0"/>
+              </a:rPr>
+              <a:t>Définition</a:t>
+            </a:r>
+          </a:p>
+          <a:p>
+            <a:pPr marL="0" indent="0">
+              <a:buNone/>
+            </a:pPr>
+            <a:r>
+              <a:rPr lang="fr-FR" sz="2000" dirty="0" err="1" smtClean="0">
+                <a:solidFill>
+                  <a:srgbClr val="D73A49"/>
+                </a:solidFill>
+                <a:latin typeface="Consolas" panose="020B0609020204030204" pitchFamily="49" charset="0"/>
+              </a:rPr>
+              <a:t>void</a:t>
+            </a:r>
+            <a:r>
+              <a:rPr lang="fr-FR" sz="2000" dirty="0">
+                <a:solidFill>
+                  <a:srgbClr val="24292E"/>
+                </a:solidFill>
+                <a:latin typeface="Consolas" panose="020B0609020204030204" pitchFamily="49" charset="0"/>
+              </a:rPr>
+              <a:t> </a:t>
+            </a:r>
+            <a:r>
+              <a:rPr lang="fr-FR" sz="2000" dirty="0" err="1">
+                <a:solidFill>
+                  <a:srgbClr val="6F42C1"/>
+                </a:solidFill>
+                <a:latin typeface="Consolas" panose="020B0609020204030204" pitchFamily="49" charset="0"/>
+              </a:rPr>
+              <a:t>modif_tableau</a:t>
+            </a:r>
+            <a:r>
+              <a:rPr lang="fr-FR" sz="2000" dirty="0">
+                <a:solidFill>
+                  <a:srgbClr val="24292E"/>
+                </a:solidFill>
+                <a:latin typeface="Consolas" panose="020B0609020204030204" pitchFamily="49" charset="0"/>
+              </a:rPr>
+              <a:t> (</a:t>
+            </a:r>
+            <a:r>
+              <a:rPr lang="fr-FR" sz="2000" dirty="0" err="1">
+                <a:solidFill>
+                  <a:srgbClr val="D73A49"/>
+                </a:solidFill>
+                <a:latin typeface="Consolas" panose="020B0609020204030204" pitchFamily="49" charset="0"/>
+              </a:rPr>
+              <a:t>int</a:t>
+            </a:r>
+            <a:r>
+              <a:rPr lang="fr-FR" sz="2000" dirty="0">
+                <a:solidFill>
+                  <a:srgbClr val="24292E"/>
+                </a:solidFill>
+                <a:latin typeface="Consolas" panose="020B0609020204030204" pitchFamily="49" charset="0"/>
+              </a:rPr>
+              <a:t> </a:t>
+            </a:r>
+            <a:r>
+              <a:rPr lang="fr-FR" sz="2000" dirty="0">
+                <a:solidFill>
+                  <a:srgbClr val="D73A49"/>
+                </a:solidFill>
+                <a:latin typeface="Consolas" panose="020B0609020204030204" pitchFamily="49" charset="0"/>
+              </a:rPr>
+              <a:t>*</a:t>
+            </a:r>
+            <a:r>
+              <a:rPr lang="fr-FR" sz="2000" dirty="0">
+                <a:solidFill>
+                  <a:srgbClr val="24292E"/>
+                </a:solidFill>
+                <a:latin typeface="Consolas" panose="020B0609020204030204" pitchFamily="49" charset="0"/>
+              </a:rPr>
+              <a:t> </a:t>
+            </a:r>
+            <a:r>
+              <a:rPr lang="fr-FR" sz="2000" dirty="0">
+                <a:solidFill>
+                  <a:srgbClr val="E36209"/>
+                </a:solidFill>
+                <a:latin typeface="Consolas" panose="020B0609020204030204" pitchFamily="49" charset="0"/>
+              </a:rPr>
+              <a:t>t</a:t>
+            </a:r>
+            <a:r>
+              <a:rPr lang="fr-FR" sz="2000" dirty="0" smtClean="0">
+                <a:solidFill>
+                  <a:srgbClr val="24292E"/>
+                </a:solidFill>
+                <a:latin typeface="Consolas" panose="020B0609020204030204" pitchFamily="49" charset="0"/>
+              </a:rPr>
+              <a:t>,</a:t>
+            </a:r>
+            <a:r>
+              <a:rPr lang="fr-FR" sz="2000" dirty="0">
+                <a:solidFill>
+                  <a:srgbClr val="24292E"/>
+                </a:solidFill>
+                <a:latin typeface="Consolas" panose="020B0609020204030204" pitchFamily="49" charset="0"/>
+              </a:rPr>
+              <a:t> </a:t>
+            </a:r>
+            <a:r>
+              <a:rPr lang="fr-FR" sz="2000" dirty="0" err="1">
+                <a:solidFill>
+                  <a:srgbClr val="D73A49"/>
+                </a:solidFill>
+                <a:latin typeface="Consolas" panose="020B0609020204030204" pitchFamily="49" charset="0"/>
+              </a:rPr>
+              <a:t>int</a:t>
+            </a:r>
+            <a:r>
+              <a:rPr lang="fr-FR" sz="2000" dirty="0">
+                <a:solidFill>
+                  <a:srgbClr val="24292E"/>
+                </a:solidFill>
+                <a:latin typeface="Consolas" panose="020B0609020204030204" pitchFamily="49" charset="0"/>
+              </a:rPr>
+              <a:t> </a:t>
+            </a:r>
+            <a:r>
+              <a:rPr lang="fr-FR" sz="2000" dirty="0" smtClean="0">
+                <a:solidFill>
+                  <a:srgbClr val="E36209"/>
+                </a:solidFill>
+                <a:latin typeface="Consolas" panose="020B0609020204030204" pitchFamily="49" charset="0"/>
+              </a:rPr>
+              <a:t>taille</a:t>
+            </a:r>
+            <a:r>
+              <a:rPr lang="fr-FR" sz="2000" dirty="0" smtClean="0">
+                <a:solidFill>
+                  <a:srgbClr val="24292E"/>
+                </a:solidFill>
+                <a:latin typeface="Consolas" panose="020B0609020204030204" pitchFamily="49" charset="0"/>
+              </a:rPr>
+              <a:t>)</a:t>
+            </a:r>
+            <a:r>
+              <a:rPr lang="fr-FR" sz="2000" dirty="0">
+                <a:solidFill>
+                  <a:srgbClr val="24292E"/>
+                </a:solidFill>
+                <a:latin typeface="Consolas" panose="020B0609020204030204" pitchFamily="49" charset="0"/>
+              </a:rPr>
+              <a:t> {</a:t>
+            </a:r>
+          </a:p>
+          <a:p>
+            <a:pPr marL="0" indent="0">
+              <a:buNone/>
+            </a:pPr>
+            <a:r>
+              <a:rPr lang="fr-FR" sz="2000" dirty="0">
+                <a:solidFill>
+                  <a:srgbClr val="24292E"/>
+                </a:solidFill>
+                <a:latin typeface="Consolas" panose="020B0609020204030204" pitchFamily="49" charset="0"/>
+              </a:rPr>
+              <a:t>    </a:t>
+            </a:r>
+            <a:r>
+              <a:rPr lang="fr-FR" sz="2000" dirty="0">
+                <a:solidFill>
+                  <a:srgbClr val="E36209"/>
+                </a:solidFill>
+                <a:latin typeface="Consolas" panose="020B0609020204030204" pitchFamily="49" charset="0"/>
+              </a:rPr>
+              <a:t>t</a:t>
+            </a:r>
+            <a:r>
+              <a:rPr lang="fr-FR" sz="2000" dirty="0">
+                <a:solidFill>
+                  <a:srgbClr val="24292E"/>
+                </a:solidFill>
+                <a:latin typeface="Consolas" panose="020B0609020204030204" pitchFamily="49" charset="0"/>
+              </a:rPr>
+              <a:t>[</a:t>
+            </a:r>
+            <a:r>
+              <a:rPr lang="fr-FR" sz="2000" dirty="0">
+                <a:solidFill>
+                  <a:srgbClr val="005CC5"/>
+                </a:solidFill>
+                <a:latin typeface="Consolas" panose="020B0609020204030204" pitchFamily="49" charset="0"/>
+              </a:rPr>
+              <a:t>0</a:t>
+            </a:r>
+            <a:r>
+              <a:rPr lang="fr-FR" sz="2000" dirty="0">
+                <a:solidFill>
+                  <a:srgbClr val="24292E"/>
+                </a:solidFill>
+                <a:latin typeface="Consolas" panose="020B0609020204030204" pitchFamily="49" charset="0"/>
+              </a:rPr>
+              <a:t>] </a:t>
+            </a:r>
+            <a:r>
+              <a:rPr lang="fr-FR" sz="2000" dirty="0">
+                <a:solidFill>
+                  <a:srgbClr val="D73A49"/>
+                </a:solidFill>
+                <a:latin typeface="Consolas" panose="020B0609020204030204" pitchFamily="49" charset="0"/>
+              </a:rPr>
+              <a:t>=</a:t>
+            </a:r>
+            <a:r>
+              <a:rPr lang="fr-FR" sz="2000" dirty="0">
+                <a:solidFill>
+                  <a:srgbClr val="24292E"/>
+                </a:solidFill>
+                <a:latin typeface="Consolas" panose="020B0609020204030204" pitchFamily="49" charset="0"/>
+              </a:rPr>
+              <a:t> </a:t>
+            </a:r>
+            <a:r>
+              <a:rPr lang="fr-FR" sz="2000" dirty="0">
+                <a:solidFill>
+                  <a:srgbClr val="005CC5"/>
+                </a:solidFill>
+                <a:latin typeface="Consolas" panose="020B0609020204030204" pitchFamily="49" charset="0"/>
+              </a:rPr>
+              <a:t>6</a:t>
+            </a:r>
+            <a:r>
+              <a:rPr lang="fr-FR" sz="2000" dirty="0">
+                <a:solidFill>
+                  <a:srgbClr val="24292E"/>
+                </a:solidFill>
+                <a:latin typeface="Consolas" panose="020B0609020204030204" pitchFamily="49" charset="0"/>
+              </a:rPr>
+              <a:t>;</a:t>
+            </a:r>
+          </a:p>
+          <a:p>
+            <a:pPr marL="0" indent="0">
+              <a:buNone/>
+            </a:pPr>
+            <a:r>
+              <a:rPr lang="fr-FR" sz="2000" dirty="0">
+                <a:solidFill>
+                  <a:srgbClr val="24292E"/>
+                </a:solidFill>
+                <a:latin typeface="Consolas" panose="020B0609020204030204" pitchFamily="49" charset="0"/>
+              </a:rPr>
+              <a:t>    </a:t>
+            </a:r>
+            <a:r>
+              <a:rPr lang="fr-FR" sz="2000" dirty="0">
+                <a:solidFill>
+                  <a:srgbClr val="D73A49"/>
+                </a:solidFill>
+                <a:latin typeface="Consolas" panose="020B0609020204030204" pitchFamily="49" charset="0"/>
+              </a:rPr>
+              <a:t>*</a:t>
+            </a:r>
+            <a:r>
+              <a:rPr lang="fr-FR" sz="2000" dirty="0">
+                <a:solidFill>
+                  <a:srgbClr val="24292E"/>
+                </a:solidFill>
+                <a:latin typeface="Consolas" panose="020B0609020204030204" pitchFamily="49" charset="0"/>
+              </a:rPr>
+              <a:t>(t</a:t>
+            </a:r>
+            <a:r>
+              <a:rPr lang="fr-FR" sz="2000" dirty="0">
+                <a:solidFill>
+                  <a:srgbClr val="D73A49"/>
+                </a:solidFill>
+                <a:latin typeface="Consolas" panose="020B0609020204030204" pitchFamily="49" charset="0"/>
+              </a:rPr>
+              <a:t>+</a:t>
+            </a:r>
+            <a:r>
+              <a:rPr lang="fr-FR" sz="2000" dirty="0">
+                <a:solidFill>
+                  <a:srgbClr val="005CC5"/>
+                </a:solidFill>
+                <a:latin typeface="Consolas" panose="020B0609020204030204" pitchFamily="49" charset="0"/>
+              </a:rPr>
+              <a:t>1</a:t>
+            </a:r>
+            <a:r>
+              <a:rPr lang="fr-FR" sz="2000" dirty="0">
+                <a:solidFill>
+                  <a:srgbClr val="24292E"/>
+                </a:solidFill>
+                <a:latin typeface="Consolas" panose="020B0609020204030204" pitchFamily="49" charset="0"/>
+              </a:rPr>
+              <a:t>) </a:t>
+            </a:r>
+            <a:r>
+              <a:rPr lang="fr-FR" sz="2000" dirty="0">
+                <a:solidFill>
+                  <a:srgbClr val="D73A49"/>
+                </a:solidFill>
+                <a:latin typeface="Consolas" panose="020B0609020204030204" pitchFamily="49" charset="0"/>
+              </a:rPr>
+              <a:t>=</a:t>
+            </a:r>
+            <a:r>
+              <a:rPr lang="fr-FR" sz="2000" dirty="0">
+                <a:solidFill>
+                  <a:srgbClr val="24292E"/>
+                </a:solidFill>
+                <a:latin typeface="Consolas" panose="020B0609020204030204" pitchFamily="49" charset="0"/>
+              </a:rPr>
+              <a:t> </a:t>
+            </a:r>
+            <a:r>
+              <a:rPr lang="fr-FR" sz="2000" dirty="0">
+                <a:solidFill>
+                  <a:srgbClr val="005CC5"/>
+                </a:solidFill>
+                <a:latin typeface="Consolas" panose="020B0609020204030204" pitchFamily="49" charset="0"/>
+              </a:rPr>
+              <a:t>4</a:t>
+            </a:r>
+            <a:r>
+              <a:rPr lang="fr-FR" sz="2000" dirty="0">
+                <a:solidFill>
+                  <a:srgbClr val="24292E"/>
+                </a:solidFill>
+                <a:latin typeface="Consolas" panose="020B0609020204030204" pitchFamily="49" charset="0"/>
+              </a:rPr>
+              <a:t>;         </a:t>
+            </a:r>
+            <a:r>
+              <a:rPr lang="fr-FR" sz="2000" dirty="0">
+                <a:solidFill>
+                  <a:srgbClr val="6A737D"/>
+                </a:solidFill>
+                <a:latin typeface="Consolas" panose="020B0609020204030204" pitchFamily="49" charset="0"/>
+              </a:rPr>
+              <a:t>// Elément suivant</a:t>
+            </a:r>
+            <a:endParaRPr lang="fr-FR" sz="2000" dirty="0">
+              <a:solidFill>
+                <a:srgbClr val="24292E"/>
+              </a:solidFill>
+              <a:latin typeface="Consolas" panose="020B0609020204030204" pitchFamily="49" charset="0"/>
+            </a:endParaRPr>
+          </a:p>
+          <a:p>
+            <a:pPr marL="0" indent="0">
+              <a:buNone/>
+            </a:pPr>
+            <a:r>
+              <a:rPr lang="fr-FR" sz="2000" dirty="0">
+                <a:solidFill>
+                  <a:srgbClr val="24292E"/>
+                </a:solidFill>
+                <a:latin typeface="Consolas" panose="020B0609020204030204" pitchFamily="49" charset="0"/>
+              </a:rPr>
+              <a:t>    </a:t>
+            </a:r>
+            <a:r>
+              <a:rPr lang="fr-FR" sz="2000" dirty="0">
+                <a:solidFill>
+                  <a:srgbClr val="E36209"/>
+                </a:solidFill>
+                <a:latin typeface="Consolas" panose="020B0609020204030204" pitchFamily="49" charset="0"/>
+              </a:rPr>
+              <a:t>t</a:t>
+            </a:r>
+            <a:r>
+              <a:rPr lang="fr-FR" sz="2000" dirty="0">
+                <a:solidFill>
+                  <a:srgbClr val="24292E"/>
+                </a:solidFill>
+                <a:latin typeface="Consolas" panose="020B0609020204030204" pitchFamily="49" charset="0"/>
+              </a:rPr>
+              <a:t>[taille </a:t>
+            </a:r>
+            <a:r>
+              <a:rPr lang="fr-FR" sz="2000" dirty="0" smtClean="0">
+                <a:solidFill>
+                  <a:srgbClr val="D73A49"/>
+                </a:solidFill>
+                <a:latin typeface="Consolas" panose="020B0609020204030204" pitchFamily="49" charset="0"/>
+              </a:rPr>
+              <a:t>-</a:t>
+            </a:r>
+            <a:r>
+              <a:rPr lang="fr-FR" sz="2000" dirty="0" smtClean="0">
+                <a:solidFill>
+                  <a:srgbClr val="24292E"/>
+                </a:solidFill>
+                <a:latin typeface="Consolas" panose="020B0609020204030204" pitchFamily="49" charset="0"/>
+              </a:rPr>
+              <a:t> </a:t>
+            </a:r>
+            <a:r>
+              <a:rPr lang="fr-FR" sz="2000" dirty="0" smtClean="0">
+                <a:solidFill>
+                  <a:srgbClr val="005CC5"/>
+                </a:solidFill>
+                <a:latin typeface="Consolas" panose="020B0609020204030204" pitchFamily="49" charset="0"/>
+              </a:rPr>
+              <a:t>1</a:t>
+            </a:r>
+            <a:r>
+              <a:rPr lang="fr-FR" sz="2000" dirty="0">
+                <a:solidFill>
+                  <a:srgbClr val="24292E"/>
+                </a:solidFill>
+                <a:latin typeface="Consolas" panose="020B0609020204030204" pitchFamily="49" charset="0"/>
+              </a:rPr>
+              <a:t>] </a:t>
+            </a:r>
+            <a:r>
+              <a:rPr lang="fr-FR" sz="2000" dirty="0">
+                <a:solidFill>
+                  <a:srgbClr val="D73A49"/>
+                </a:solidFill>
+                <a:latin typeface="Consolas" panose="020B0609020204030204" pitchFamily="49" charset="0"/>
+              </a:rPr>
+              <a:t>=</a:t>
+            </a:r>
+            <a:r>
+              <a:rPr lang="fr-FR" sz="2000" dirty="0">
+                <a:solidFill>
+                  <a:srgbClr val="24292E"/>
+                </a:solidFill>
+                <a:latin typeface="Consolas" panose="020B0609020204030204" pitchFamily="49" charset="0"/>
+              </a:rPr>
+              <a:t> </a:t>
+            </a:r>
+            <a:r>
+              <a:rPr lang="fr-FR" sz="2000" dirty="0">
+                <a:solidFill>
+                  <a:srgbClr val="005CC5"/>
+                </a:solidFill>
+                <a:latin typeface="Consolas" panose="020B0609020204030204" pitchFamily="49" charset="0"/>
+              </a:rPr>
+              <a:t>42</a:t>
+            </a:r>
+            <a:r>
+              <a:rPr lang="fr-FR" sz="2000" dirty="0">
+                <a:solidFill>
+                  <a:srgbClr val="24292E"/>
+                </a:solidFill>
+                <a:latin typeface="Consolas" panose="020B0609020204030204" pitchFamily="49" charset="0"/>
+              </a:rPr>
+              <a:t>  </a:t>
+            </a:r>
+            <a:r>
+              <a:rPr lang="fr-FR" sz="2000" dirty="0">
+                <a:solidFill>
+                  <a:srgbClr val="6A737D"/>
+                </a:solidFill>
+                <a:latin typeface="Consolas" panose="020B0609020204030204" pitchFamily="49" charset="0"/>
+              </a:rPr>
+              <a:t>// Dernier élément du tableau</a:t>
+            </a:r>
+            <a:endParaRPr lang="fr-FR" sz="2000" dirty="0">
+              <a:solidFill>
+                <a:srgbClr val="24292E"/>
+              </a:solidFill>
+              <a:latin typeface="Consolas" panose="020B0609020204030204" pitchFamily="49" charset="0"/>
+            </a:endParaRPr>
+          </a:p>
+          <a:p>
+            <a:pPr marL="0" indent="0">
+              <a:buNone/>
+            </a:pPr>
+            <a:r>
+              <a:rPr lang="fr-FR" sz="2000" dirty="0" smtClean="0">
+                <a:solidFill>
+                  <a:srgbClr val="24292E"/>
+                </a:solidFill>
+                <a:latin typeface="Consolas" panose="020B0609020204030204" pitchFamily="49" charset="0"/>
+              </a:rPr>
+              <a:t>}</a:t>
+            </a:r>
+            <a:endParaRPr lang="fr-FR" sz="2000" dirty="0">
+              <a:solidFill>
+                <a:srgbClr val="24292E"/>
+              </a:solidFill>
+              <a:latin typeface="Consolas" panose="020B0609020204030204" pitchFamily="49" charset="0"/>
+            </a:endParaRPr>
+          </a:p>
+        </p:txBody>
+      </p:sp>
+    </p:spTree>
+    <p:extLst>
+      <p:ext uri="{BB962C8B-B14F-4D97-AF65-F5344CB8AC3E}">
+        <p14:creationId xmlns:p14="http://schemas.microsoft.com/office/powerpoint/2010/main" val="3623098200"/>
+      </p:ext>
+    </p:extLst>
+  </p:cSld>
+  <p:clrMapOvr>
+    <a:masterClrMapping/>
+  </p:clrMapOvr>
+</p:sld>
+</file>
+
+<file path=ppt/slides/slide28.xml><?xml version="1.0" encoding="utf-8"?>
+<p:sld xmlns:a="http://schemas.openxmlformats.org/drawingml/2006/main" xmlns:r="http://schemas.openxmlformats.org/officeDocument/2006/relationships" xmlns:p="http://schemas.openxmlformats.org/presentationml/2006/main">
+  <p:cSld>
+    <p:spTree>
+      <p:nvGrpSpPr>
+        <p:cNvPr id="1" name=""/>
+        <p:cNvGrpSpPr/>
+        <p:nvPr/>
+      </p:nvGrpSpPr>
+      <p:grpSpPr>
+        <a:xfrm>
+          <a:off x="0" y="0"/>
+          <a:ext cx="0" cy="0"/>
+          <a:chOff x="0" y="0"/>
+          <a:chExt cx="0" cy="0"/>
+        </a:xfrm>
+      </p:grpSpPr>
+      <p:sp>
+        <p:nvSpPr>
+          <p:cNvPr id="2" name="Titre 1">
+            <a:extLst>
+              <a:ext uri="{FF2B5EF4-FFF2-40B4-BE49-F238E27FC236}">
+                <a16:creationId xmlns:a16="http://schemas.microsoft.com/office/drawing/2014/main" xmlns="" id="{A70E3617-25B1-46EC-9D69-B4B1E6125451}"/>
+              </a:ext>
+            </a:extLst>
+          </p:cNvPr>
+          <p:cNvSpPr>
+            <a:spLocks noGrp="1"/>
+          </p:cNvSpPr>
+          <p:nvPr>
+            <p:ph type="title"/>
+          </p:nvPr>
+        </p:nvSpPr>
+        <p:spPr>
+          <a:xfrm>
+            <a:off x="5327374" y="365125"/>
+            <a:ext cx="6026426" cy="1325563"/>
+          </a:xfrm>
+        </p:spPr>
+        <p:txBody>
+          <a:bodyPr/>
+          <a:lstStyle/>
+          <a:p>
+            <a:pPr algn="r"/>
+            <a:r>
+              <a:rPr lang="fr-FR" dirty="0" smtClean="0"/>
+              <a:t>Cas </a:t>
+            </a:r>
+            <a:r>
+              <a:rPr lang="fr-FR" dirty="0"/>
+              <a:t>des tableaux</a:t>
+            </a:r>
+            <a:br>
+              <a:rPr lang="fr-FR" dirty="0"/>
+            </a:br>
+            <a:r>
+              <a:rPr lang="fr-FR"/>
+              <a:t>Prototype </a:t>
+            </a:r>
+            <a:r>
+              <a:rPr lang="fr-FR" smtClean="0"/>
+              <a:t>2</a:t>
+            </a:r>
+            <a:endParaRPr lang="fr-FR" b="1" dirty="0"/>
+          </a:p>
+        </p:txBody>
+      </p:sp>
+      <p:sp>
+        <p:nvSpPr>
+          <p:cNvPr id="5" name="Espace réservé du contenu 2">
+            <a:extLst>
+              <a:ext uri="{FF2B5EF4-FFF2-40B4-BE49-F238E27FC236}">
+                <a16:creationId xmlns:a16="http://schemas.microsoft.com/office/drawing/2014/main" xmlns="" id="{049501FA-9AF5-434D-8DDD-A3BB21F61031}"/>
+              </a:ext>
+            </a:extLst>
+          </p:cNvPr>
+          <p:cNvSpPr txBox="1">
+            <a:spLocks/>
+          </p:cNvSpPr>
+          <p:nvPr/>
+        </p:nvSpPr>
+        <p:spPr>
+          <a:xfrm>
+            <a:off x="683168" y="365125"/>
+            <a:ext cx="9034763" cy="6406055"/>
+          </a:xfrm>
+          <a:prstGeom prst="rect">
+            <a:avLst/>
+          </a:prstGeom>
+        </p:spPr>
+        <p:txBody>
+          <a:bodyPr vert="horz" lIns="91440" tIns="45720" rIns="91440" bIns="45720" rtlCol="0">
+            <a:normAutofit lnSpcReduction="10000"/>
+          </a:bodyPr>
+          <a:lstStyle>
+            <a:lvl1pPr marL="228600" indent="-228600" algn="l" defTabSz="914400" rtl="0" eaLnBrk="1" latinLnBrk="0" hangingPunct="1">
+              <a:lnSpc>
+                <a:spcPct val="90000"/>
+              </a:lnSpc>
+              <a:spcBef>
+                <a:spcPts val="1000"/>
+              </a:spcBef>
+              <a:buFont typeface="Arial" panose="020B0604020202020204" pitchFamily="34" charset="0"/>
+              <a:buChar char="•"/>
+              <a:defRPr sz="2800" kern="1200">
+                <a:solidFill>
+                  <a:schemeClr val="tx1"/>
+                </a:solidFill>
+                <a:latin typeface="+mn-lt"/>
+                <a:ea typeface="+mn-ea"/>
+                <a:cs typeface="+mn-cs"/>
+              </a:defRPr>
+            </a:lvl1pPr>
+            <a:lvl2pPr marL="685800" indent="-228600" algn="l" defTabSz="914400" rtl="0" eaLnBrk="1" latinLnBrk="0" hangingPunct="1">
+              <a:lnSpc>
+                <a:spcPct val="90000"/>
+              </a:lnSpc>
+              <a:spcBef>
+                <a:spcPts val="500"/>
+              </a:spcBef>
+              <a:buFont typeface="Arial" panose="020B0604020202020204" pitchFamily="34" charset="0"/>
+              <a:buChar char="•"/>
+              <a:defRPr sz="2400" kern="1200">
+                <a:solidFill>
+                  <a:schemeClr val="tx1"/>
+                </a:solidFill>
+                <a:latin typeface="+mn-lt"/>
+                <a:ea typeface="+mn-ea"/>
+                <a:cs typeface="+mn-cs"/>
+              </a:defRPr>
+            </a:lvl2pPr>
+            <a:lvl3pPr marL="1143000" indent="-228600" algn="l" defTabSz="914400" rtl="0" eaLnBrk="1" latinLnBrk="0" hangingPunct="1">
+              <a:lnSpc>
+                <a:spcPct val="90000"/>
+              </a:lnSpc>
+              <a:spcBef>
+                <a:spcPts val="500"/>
+              </a:spcBef>
+              <a:buFont typeface="Arial" panose="020B0604020202020204" pitchFamily="34" charset="0"/>
+              <a:buChar char="•"/>
+              <a:defRPr sz="2000" kern="1200">
+                <a:solidFill>
+                  <a:schemeClr val="tx1"/>
+                </a:solidFill>
+                <a:latin typeface="+mn-lt"/>
+                <a:ea typeface="+mn-ea"/>
+                <a:cs typeface="+mn-cs"/>
+              </a:defRPr>
+            </a:lvl3pPr>
+            <a:lvl4pPr marL="1600200" indent="-228600" algn="l" defTabSz="914400" rtl="0" eaLnBrk="1" latinLnBrk="0" hangingPunct="1">
+              <a:lnSpc>
+                <a:spcPct val="90000"/>
+              </a:lnSpc>
+              <a:spcBef>
+                <a:spcPts val="500"/>
+              </a:spcBef>
+              <a:buFont typeface="Arial" panose="020B0604020202020204" pitchFamily="34" charset="0"/>
+              <a:buChar char="•"/>
+              <a:defRPr sz="1800" kern="1200">
+                <a:solidFill>
+                  <a:schemeClr val="tx1"/>
+                </a:solidFill>
+                <a:latin typeface="+mn-lt"/>
+                <a:ea typeface="+mn-ea"/>
+                <a:cs typeface="+mn-cs"/>
+              </a:defRPr>
+            </a:lvl4pPr>
+            <a:lvl5pPr marL="2057400" indent="-228600" algn="l" defTabSz="914400" rtl="0" eaLnBrk="1" latinLnBrk="0" hangingPunct="1">
+              <a:lnSpc>
+                <a:spcPct val="90000"/>
+              </a:lnSpc>
+              <a:spcBef>
+                <a:spcPts val="500"/>
+              </a:spcBef>
+              <a:buFont typeface="Arial" panose="020B0604020202020204" pitchFamily="34" charset="0"/>
+              <a:buChar char="•"/>
+              <a:defRPr sz="1800" kern="1200">
+                <a:solidFill>
+                  <a:schemeClr val="tx1"/>
+                </a:solidFill>
+                <a:latin typeface="+mn-lt"/>
+                <a:ea typeface="+mn-ea"/>
+                <a:cs typeface="+mn-cs"/>
+              </a:defRPr>
+            </a:lvl5pPr>
+            <a:lvl6pPr marL="2514600" indent="-228600" algn="l" defTabSz="914400" rtl="0" eaLnBrk="1" latinLnBrk="0" hangingPunct="1">
+              <a:lnSpc>
+                <a:spcPct val="90000"/>
+              </a:lnSpc>
+              <a:spcBef>
+                <a:spcPts val="500"/>
+              </a:spcBef>
+              <a:buFont typeface="Arial" panose="020B0604020202020204" pitchFamily="34" charset="0"/>
+              <a:buChar char="•"/>
+              <a:defRPr sz="1800" kern="1200">
+                <a:solidFill>
+                  <a:schemeClr val="tx1"/>
+                </a:solidFill>
+                <a:latin typeface="+mn-lt"/>
+                <a:ea typeface="+mn-ea"/>
+                <a:cs typeface="+mn-cs"/>
+              </a:defRPr>
+            </a:lvl6pPr>
+            <a:lvl7pPr marL="2971800" indent="-228600" algn="l" defTabSz="914400" rtl="0" eaLnBrk="1" latinLnBrk="0" hangingPunct="1">
+              <a:lnSpc>
+                <a:spcPct val="90000"/>
+              </a:lnSpc>
+              <a:spcBef>
+                <a:spcPts val="500"/>
+              </a:spcBef>
+              <a:buFont typeface="Arial" panose="020B0604020202020204" pitchFamily="34" charset="0"/>
+              <a:buChar char="•"/>
+              <a:defRPr sz="1800" kern="1200">
+                <a:solidFill>
+                  <a:schemeClr val="tx1"/>
+                </a:solidFill>
+                <a:latin typeface="+mn-lt"/>
+                <a:ea typeface="+mn-ea"/>
+                <a:cs typeface="+mn-cs"/>
+              </a:defRPr>
+            </a:lvl7pPr>
+            <a:lvl8pPr marL="3429000" indent="-228600" algn="l" defTabSz="914400" rtl="0" eaLnBrk="1" latinLnBrk="0" hangingPunct="1">
+              <a:lnSpc>
+                <a:spcPct val="90000"/>
+              </a:lnSpc>
+              <a:spcBef>
+                <a:spcPts val="500"/>
+              </a:spcBef>
+              <a:buFont typeface="Arial" panose="020B0604020202020204" pitchFamily="34" charset="0"/>
+              <a:buChar char="•"/>
+              <a:defRPr sz="1800" kern="1200">
+                <a:solidFill>
+                  <a:schemeClr val="tx1"/>
+                </a:solidFill>
+                <a:latin typeface="+mn-lt"/>
+                <a:ea typeface="+mn-ea"/>
+                <a:cs typeface="+mn-cs"/>
+              </a:defRPr>
+            </a:lvl8pPr>
+            <a:lvl9pPr marL="3886200" indent="-228600" algn="l" defTabSz="914400" rtl="0" eaLnBrk="1" latinLnBrk="0" hangingPunct="1">
+              <a:lnSpc>
+                <a:spcPct val="90000"/>
+              </a:lnSpc>
+              <a:spcBef>
+                <a:spcPts val="500"/>
+              </a:spcBef>
+              <a:buFont typeface="Arial" panose="020B0604020202020204" pitchFamily="34" charset="0"/>
+              <a:buChar char="•"/>
+              <a:defRPr sz="1800" kern="1200">
+                <a:solidFill>
+                  <a:schemeClr val="tx1"/>
+                </a:solidFill>
+                <a:latin typeface="+mn-lt"/>
+                <a:ea typeface="+mn-ea"/>
+                <a:cs typeface="+mn-cs"/>
+              </a:defRPr>
+            </a:lvl9pPr>
+          </a:lstStyle>
+          <a:p>
+            <a:pPr marL="0" indent="0">
+              <a:buFont typeface="Arial" panose="020B0604020202020204" pitchFamily="34" charset="0"/>
+              <a:buNone/>
+            </a:pPr>
+            <a:r>
+              <a:rPr lang="fr-FR" sz="2000" dirty="0">
+                <a:solidFill>
+                  <a:srgbClr val="D73A49"/>
+                </a:solidFill>
+                <a:latin typeface="Consolas" panose="020B0609020204030204" pitchFamily="49" charset="0"/>
+              </a:rPr>
+              <a:t>#include</a:t>
+            </a:r>
+            <a:r>
+              <a:rPr lang="fr-FR" sz="2000" dirty="0">
+                <a:solidFill>
+                  <a:srgbClr val="24292E"/>
+                </a:solidFill>
+                <a:latin typeface="Consolas" panose="020B0609020204030204" pitchFamily="49" charset="0"/>
+              </a:rPr>
+              <a:t> </a:t>
+            </a:r>
+            <a:r>
+              <a:rPr lang="fr-FR" sz="2000" dirty="0">
+                <a:solidFill>
+                  <a:srgbClr val="032F62"/>
+                </a:solidFill>
+                <a:latin typeface="Consolas" panose="020B0609020204030204" pitchFamily="49" charset="0"/>
+              </a:rPr>
+              <a:t>&lt;</a:t>
+            </a:r>
+            <a:r>
+              <a:rPr lang="fr-FR" sz="2000" dirty="0" err="1">
+                <a:solidFill>
+                  <a:srgbClr val="032F62"/>
+                </a:solidFill>
+                <a:latin typeface="Consolas" panose="020B0609020204030204" pitchFamily="49" charset="0"/>
+              </a:rPr>
+              <a:t>stdio.h</a:t>
+            </a:r>
+            <a:r>
+              <a:rPr lang="fr-FR" sz="2000" dirty="0" smtClean="0">
+                <a:solidFill>
+                  <a:srgbClr val="032F62"/>
+                </a:solidFill>
+                <a:latin typeface="Consolas" panose="020B0609020204030204" pitchFamily="49" charset="0"/>
+              </a:rPr>
+              <a:t>&gt;</a:t>
+            </a:r>
+          </a:p>
+          <a:p>
+            <a:pPr marL="0" indent="0">
+              <a:buNone/>
+            </a:pPr>
+            <a:endParaRPr lang="fr-FR" sz="2000" dirty="0" smtClean="0">
+              <a:solidFill>
+                <a:srgbClr val="6A737D"/>
+              </a:solidFill>
+              <a:latin typeface="Consolas" panose="020B0609020204030204" pitchFamily="49" charset="0"/>
+            </a:endParaRPr>
+          </a:p>
+          <a:p>
+            <a:pPr marL="0" indent="0">
+              <a:buNone/>
+            </a:pPr>
+            <a:r>
+              <a:rPr lang="fr-FR" sz="2000" dirty="0" smtClean="0">
+                <a:solidFill>
+                  <a:srgbClr val="6A737D"/>
+                </a:solidFill>
+                <a:latin typeface="Consolas" panose="020B0609020204030204" pitchFamily="49" charset="0"/>
+              </a:rPr>
+              <a:t>//</a:t>
+            </a:r>
+            <a:r>
+              <a:rPr lang="fr-FR" sz="2000" dirty="0">
+                <a:solidFill>
+                  <a:srgbClr val="6A737D"/>
+                </a:solidFill>
+                <a:latin typeface="Consolas" panose="020B0609020204030204" pitchFamily="49" charset="0"/>
+              </a:rPr>
+              <a:t> </a:t>
+            </a:r>
+            <a:r>
+              <a:rPr lang="fr-FR" sz="2000" dirty="0" smtClean="0">
+                <a:solidFill>
+                  <a:srgbClr val="6A737D"/>
+                </a:solidFill>
+                <a:latin typeface="Consolas" panose="020B0609020204030204" pitchFamily="49" charset="0"/>
+              </a:rPr>
+              <a:t>Déclaration</a:t>
+            </a:r>
+          </a:p>
+          <a:p>
+            <a:pPr marL="0" indent="0">
+              <a:buNone/>
+            </a:pPr>
+            <a:r>
+              <a:rPr lang="fr-FR" sz="2000" dirty="0" err="1" smtClean="0">
+                <a:solidFill>
+                  <a:srgbClr val="D73A49"/>
+                </a:solidFill>
+                <a:latin typeface="Consolas" panose="020B0609020204030204" pitchFamily="49" charset="0"/>
+              </a:rPr>
+              <a:t>void</a:t>
+            </a:r>
+            <a:r>
+              <a:rPr lang="fr-FR" sz="2000" dirty="0">
+                <a:solidFill>
+                  <a:srgbClr val="24292E"/>
+                </a:solidFill>
+                <a:latin typeface="Consolas" panose="020B0609020204030204" pitchFamily="49" charset="0"/>
+              </a:rPr>
+              <a:t> </a:t>
+            </a:r>
+            <a:r>
+              <a:rPr lang="fr-FR" sz="2000" dirty="0" err="1">
+                <a:solidFill>
+                  <a:srgbClr val="6F42C1"/>
+                </a:solidFill>
+                <a:latin typeface="Consolas" panose="020B0609020204030204" pitchFamily="49" charset="0"/>
+              </a:rPr>
+              <a:t>modif_tableau</a:t>
+            </a:r>
+            <a:r>
+              <a:rPr lang="fr-FR" sz="2000" dirty="0">
+                <a:solidFill>
+                  <a:srgbClr val="24292E"/>
+                </a:solidFill>
+                <a:latin typeface="Consolas" panose="020B0609020204030204" pitchFamily="49" charset="0"/>
+              </a:rPr>
+              <a:t> (</a:t>
+            </a:r>
+            <a:r>
+              <a:rPr lang="fr-FR" sz="2000" dirty="0" err="1">
+                <a:solidFill>
+                  <a:srgbClr val="D73A49"/>
+                </a:solidFill>
+                <a:latin typeface="Consolas" panose="020B0609020204030204" pitchFamily="49" charset="0"/>
+              </a:rPr>
+              <a:t>int</a:t>
+            </a:r>
+            <a:r>
+              <a:rPr lang="fr-FR" sz="2000" dirty="0">
+                <a:solidFill>
+                  <a:srgbClr val="24292E"/>
+                </a:solidFill>
+                <a:latin typeface="Consolas" panose="020B0609020204030204" pitchFamily="49" charset="0"/>
+              </a:rPr>
+              <a:t> </a:t>
+            </a:r>
+            <a:r>
+              <a:rPr lang="fr-FR" sz="2000" dirty="0" smtClean="0">
+                <a:solidFill>
+                  <a:srgbClr val="D73A49"/>
+                </a:solidFill>
+                <a:latin typeface="Consolas" panose="020B0609020204030204" pitchFamily="49" charset="0"/>
+              </a:rPr>
+              <a:t>[]</a:t>
+            </a:r>
+            <a:r>
+              <a:rPr lang="fr-FR" sz="2000" dirty="0" smtClean="0">
+                <a:solidFill>
+                  <a:srgbClr val="24292E"/>
+                </a:solidFill>
+                <a:latin typeface="Consolas" panose="020B0609020204030204" pitchFamily="49" charset="0"/>
+              </a:rPr>
+              <a:t>,</a:t>
+            </a:r>
+            <a:r>
+              <a:rPr lang="fr-FR" sz="2000" dirty="0">
+                <a:solidFill>
+                  <a:srgbClr val="24292E"/>
+                </a:solidFill>
+                <a:latin typeface="Consolas" panose="020B0609020204030204" pitchFamily="49" charset="0"/>
+              </a:rPr>
+              <a:t> </a:t>
+            </a:r>
+            <a:r>
+              <a:rPr lang="fr-FR" sz="2000" dirty="0" err="1">
+                <a:solidFill>
+                  <a:srgbClr val="D73A49"/>
+                </a:solidFill>
+                <a:latin typeface="Consolas" panose="020B0609020204030204" pitchFamily="49" charset="0"/>
+              </a:rPr>
+              <a:t>int</a:t>
+            </a:r>
+            <a:r>
+              <a:rPr lang="fr-FR" sz="2000" dirty="0">
+                <a:solidFill>
+                  <a:srgbClr val="24292E"/>
+                </a:solidFill>
+                <a:latin typeface="Consolas" panose="020B0609020204030204" pitchFamily="49" charset="0"/>
+              </a:rPr>
+              <a:t>);</a:t>
+            </a:r>
+          </a:p>
+          <a:p>
+            <a:pPr marL="0" indent="0">
+              <a:buNone/>
+            </a:pPr>
+            <a:r>
+              <a:rPr lang="fr-FR" sz="2000" dirty="0">
+                <a:solidFill>
+                  <a:srgbClr val="24292E"/>
+                </a:solidFill>
+                <a:latin typeface="Consolas" panose="020B0609020204030204" pitchFamily="49" charset="0"/>
+              </a:rPr>
+              <a:t/>
+            </a:r>
+            <a:br>
+              <a:rPr lang="fr-FR" sz="2000" dirty="0">
+                <a:solidFill>
+                  <a:srgbClr val="24292E"/>
+                </a:solidFill>
+                <a:latin typeface="Consolas" panose="020B0609020204030204" pitchFamily="49" charset="0"/>
+              </a:rPr>
+            </a:br>
+            <a:r>
+              <a:rPr lang="fr-FR" sz="2000" dirty="0">
+                <a:solidFill>
+                  <a:srgbClr val="6A737D"/>
+                </a:solidFill>
+                <a:latin typeface="Consolas" panose="020B0609020204030204" pitchFamily="49" charset="0"/>
+              </a:rPr>
+              <a:t>//Programme principal</a:t>
+            </a:r>
+            <a:endParaRPr lang="fr-FR" sz="2000" dirty="0">
+              <a:solidFill>
+                <a:srgbClr val="24292E"/>
+              </a:solidFill>
+              <a:latin typeface="Consolas" panose="020B0609020204030204" pitchFamily="49" charset="0"/>
+            </a:endParaRPr>
+          </a:p>
+          <a:p>
+            <a:pPr marL="0" indent="0">
+              <a:buNone/>
+            </a:pPr>
+            <a:r>
+              <a:rPr lang="fr-FR" sz="2000" dirty="0" err="1">
+                <a:solidFill>
+                  <a:srgbClr val="D73A49"/>
+                </a:solidFill>
+                <a:latin typeface="Consolas" panose="020B0609020204030204" pitchFamily="49" charset="0"/>
+              </a:rPr>
+              <a:t>int</a:t>
+            </a:r>
+            <a:r>
+              <a:rPr lang="fr-FR" sz="2000" dirty="0">
+                <a:solidFill>
+                  <a:srgbClr val="24292E"/>
+                </a:solidFill>
+                <a:latin typeface="Consolas" panose="020B0609020204030204" pitchFamily="49" charset="0"/>
+              </a:rPr>
+              <a:t> </a:t>
+            </a:r>
+            <a:r>
+              <a:rPr lang="fr-FR" sz="2000" dirty="0">
+                <a:solidFill>
+                  <a:srgbClr val="6F42C1"/>
+                </a:solidFill>
+                <a:latin typeface="Consolas" panose="020B0609020204030204" pitchFamily="49" charset="0"/>
+              </a:rPr>
+              <a:t>main</a:t>
+            </a:r>
+            <a:r>
+              <a:rPr lang="fr-FR" sz="2000" dirty="0">
+                <a:solidFill>
+                  <a:srgbClr val="24292E"/>
+                </a:solidFill>
+                <a:latin typeface="Consolas" panose="020B0609020204030204" pitchFamily="49" charset="0"/>
+              </a:rPr>
+              <a:t> () { </a:t>
+            </a:r>
+          </a:p>
+          <a:p>
+            <a:pPr marL="0" indent="0">
+              <a:buNone/>
+            </a:pPr>
+            <a:r>
+              <a:rPr lang="fr-FR" sz="2000" dirty="0">
+                <a:solidFill>
+                  <a:srgbClr val="24292E"/>
+                </a:solidFill>
+                <a:latin typeface="Consolas" panose="020B0609020204030204" pitchFamily="49" charset="0"/>
+              </a:rPr>
+              <a:t>    </a:t>
+            </a:r>
+            <a:r>
+              <a:rPr lang="fr-FR" sz="2000" dirty="0" err="1">
+                <a:solidFill>
+                  <a:srgbClr val="D73A49"/>
+                </a:solidFill>
+                <a:latin typeface="Consolas" panose="020B0609020204030204" pitchFamily="49" charset="0"/>
+              </a:rPr>
+              <a:t>int</a:t>
+            </a:r>
+            <a:r>
+              <a:rPr lang="fr-FR" sz="2000" dirty="0">
+                <a:solidFill>
+                  <a:srgbClr val="24292E"/>
+                </a:solidFill>
+                <a:latin typeface="Consolas" panose="020B0609020204030204" pitchFamily="49" charset="0"/>
+              </a:rPr>
+              <a:t> </a:t>
+            </a:r>
+            <a:r>
+              <a:rPr lang="fr-FR" sz="2000" dirty="0" err="1">
+                <a:solidFill>
+                  <a:srgbClr val="24292E"/>
+                </a:solidFill>
+                <a:latin typeface="Consolas" panose="020B0609020204030204" pitchFamily="49" charset="0"/>
+              </a:rPr>
+              <a:t>array</a:t>
+            </a:r>
+            <a:r>
+              <a:rPr lang="fr-FR" sz="2000" dirty="0">
+                <a:solidFill>
+                  <a:srgbClr val="24292E"/>
+                </a:solidFill>
+                <a:latin typeface="Consolas" panose="020B0609020204030204" pitchFamily="49" charset="0"/>
+              </a:rPr>
+              <a:t>[</a:t>
+            </a:r>
+            <a:r>
+              <a:rPr lang="fr-FR" sz="2000" dirty="0">
+                <a:solidFill>
+                  <a:srgbClr val="005CC5"/>
+                </a:solidFill>
+                <a:latin typeface="Consolas" panose="020B0609020204030204" pitchFamily="49" charset="0"/>
+              </a:rPr>
+              <a:t>4</a:t>
+            </a:r>
+            <a:r>
+              <a:rPr lang="fr-FR" sz="2000" dirty="0">
+                <a:solidFill>
+                  <a:srgbClr val="24292E"/>
+                </a:solidFill>
+                <a:latin typeface="Consolas" panose="020B0609020204030204" pitchFamily="49" charset="0"/>
+              </a:rPr>
+              <a:t>] </a:t>
+            </a:r>
+            <a:r>
+              <a:rPr lang="fr-FR" sz="2000" dirty="0">
+                <a:solidFill>
+                  <a:srgbClr val="D73A49"/>
+                </a:solidFill>
+                <a:latin typeface="Consolas" panose="020B0609020204030204" pitchFamily="49" charset="0"/>
+              </a:rPr>
+              <a:t>=</a:t>
+            </a:r>
+            <a:r>
+              <a:rPr lang="fr-FR" sz="2000" dirty="0">
+                <a:solidFill>
+                  <a:srgbClr val="24292E"/>
+                </a:solidFill>
+                <a:latin typeface="Consolas" panose="020B0609020204030204" pitchFamily="49" charset="0"/>
+              </a:rPr>
+              <a:t> {</a:t>
+            </a:r>
+            <a:r>
+              <a:rPr lang="fr-FR" sz="2000" dirty="0">
+                <a:solidFill>
+                  <a:srgbClr val="005CC5"/>
+                </a:solidFill>
+                <a:latin typeface="Consolas" panose="020B0609020204030204" pitchFamily="49" charset="0"/>
+              </a:rPr>
+              <a:t>1</a:t>
+            </a:r>
+            <a:r>
+              <a:rPr lang="fr-FR" sz="2000" dirty="0">
+                <a:solidFill>
+                  <a:srgbClr val="24292E"/>
+                </a:solidFill>
+                <a:latin typeface="Consolas" panose="020B0609020204030204" pitchFamily="49" charset="0"/>
+              </a:rPr>
+              <a:t>, </a:t>
+            </a:r>
+            <a:r>
+              <a:rPr lang="fr-FR" sz="2000" dirty="0">
+                <a:solidFill>
+                  <a:srgbClr val="005CC5"/>
+                </a:solidFill>
+                <a:latin typeface="Consolas" panose="020B0609020204030204" pitchFamily="49" charset="0"/>
+              </a:rPr>
+              <a:t>2</a:t>
+            </a:r>
+            <a:r>
+              <a:rPr lang="fr-FR" sz="2000" dirty="0">
+                <a:solidFill>
+                  <a:srgbClr val="24292E"/>
+                </a:solidFill>
+                <a:latin typeface="Consolas" panose="020B0609020204030204" pitchFamily="49" charset="0"/>
+              </a:rPr>
+              <a:t>, </a:t>
+            </a:r>
+            <a:r>
+              <a:rPr lang="fr-FR" sz="2000" dirty="0">
+                <a:solidFill>
+                  <a:srgbClr val="005CC5"/>
+                </a:solidFill>
+                <a:latin typeface="Consolas" panose="020B0609020204030204" pitchFamily="49" charset="0"/>
+              </a:rPr>
+              <a:t>3</a:t>
+            </a:r>
+            <a:r>
+              <a:rPr lang="fr-FR" sz="2000" dirty="0">
+                <a:solidFill>
+                  <a:srgbClr val="24292E"/>
+                </a:solidFill>
+                <a:latin typeface="Consolas" panose="020B0609020204030204" pitchFamily="49" charset="0"/>
+              </a:rPr>
+              <a:t>, </a:t>
+            </a:r>
+            <a:r>
+              <a:rPr lang="fr-FR" sz="2000" dirty="0">
+                <a:solidFill>
+                  <a:srgbClr val="005CC5"/>
+                </a:solidFill>
+                <a:latin typeface="Consolas" panose="020B0609020204030204" pitchFamily="49" charset="0"/>
+              </a:rPr>
+              <a:t>5</a:t>
+            </a:r>
+            <a:r>
+              <a:rPr lang="fr-FR" sz="2000" dirty="0">
+                <a:solidFill>
+                  <a:srgbClr val="24292E"/>
+                </a:solidFill>
+                <a:latin typeface="Consolas" panose="020B0609020204030204" pitchFamily="49" charset="0"/>
+              </a:rPr>
+              <a:t>};</a:t>
+            </a:r>
+          </a:p>
+          <a:p>
+            <a:pPr marL="0" indent="0">
+              <a:buNone/>
+            </a:pPr>
+            <a:r>
+              <a:rPr lang="fr-FR" sz="2000" dirty="0">
+                <a:solidFill>
+                  <a:srgbClr val="24292E"/>
+                </a:solidFill>
+                <a:latin typeface="Consolas" panose="020B0609020204030204" pitchFamily="49" charset="0"/>
+              </a:rPr>
+              <a:t>    </a:t>
+            </a:r>
+            <a:r>
+              <a:rPr lang="fr-FR" sz="2000" dirty="0" err="1">
+                <a:solidFill>
+                  <a:srgbClr val="6F42C1"/>
+                </a:solidFill>
+                <a:latin typeface="Consolas" panose="020B0609020204030204" pitchFamily="49" charset="0"/>
+              </a:rPr>
+              <a:t>modif_tableau</a:t>
+            </a:r>
+            <a:r>
+              <a:rPr lang="fr-FR" sz="2000" dirty="0">
+                <a:solidFill>
+                  <a:srgbClr val="24292E"/>
+                </a:solidFill>
+                <a:latin typeface="Consolas" panose="020B0609020204030204" pitchFamily="49" charset="0"/>
+              </a:rPr>
+              <a:t>(</a:t>
+            </a:r>
+            <a:r>
+              <a:rPr lang="fr-FR" sz="2000" dirty="0" err="1">
+                <a:solidFill>
+                  <a:srgbClr val="24292E"/>
+                </a:solidFill>
+                <a:latin typeface="Consolas" panose="020B0609020204030204" pitchFamily="49" charset="0"/>
+              </a:rPr>
+              <a:t>array</a:t>
+            </a:r>
+            <a:r>
+              <a:rPr lang="fr-FR" sz="2000" dirty="0">
+                <a:solidFill>
+                  <a:srgbClr val="24292E"/>
+                </a:solidFill>
+                <a:latin typeface="Consolas" panose="020B0609020204030204" pitchFamily="49" charset="0"/>
+              </a:rPr>
+              <a:t>, </a:t>
+            </a:r>
+            <a:r>
+              <a:rPr lang="fr-FR" sz="2000" dirty="0">
+                <a:solidFill>
+                  <a:srgbClr val="005CC5"/>
+                </a:solidFill>
+                <a:latin typeface="Consolas" panose="020B0609020204030204" pitchFamily="49" charset="0"/>
+              </a:rPr>
+              <a:t>4</a:t>
+            </a:r>
+            <a:r>
+              <a:rPr lang="fr-FR" sz="2000" dirty="0">
+                <a:solidFill>
+                  <a:srgbClr val="24292E"/>
+                </a:solidFill>
+                <a:latin typeface="Consolas" panose="020B0609020204030204" pitchFamily="49" charset="0"/>
+              </a:rPr>
+              <a:t>);</a:t>
+            </a:r>
+          </a:p>
+          <a:p>
+            <a:pPr marL="0" indent="0">
+              <a:buNone/>
+            </a:pPr>
+            <a:r>
+              <a:rPr lang="fr-FR" sz="2000" dirty="0" smtClean="0">
+                <a:solidFill>
+                  <a:srgbClr val="24292E"/>
+                </a:solidFill>
+                <a:latin typeface="Consolas" panose="020B0609020204030204" pitchFamily="49" charset="0"/>
+              </a:rPr>
+              <a:t>}</a:t>
+            </a:r>
+          </a:p>
+          <a:p>
+            <a:pPr marL="0" indent="0">
+              <a:buNone/>
+            </a:pPr>
+            <a:endParaRPr lang="fr-FR" sz="2000" dirty="0">
+              <a:solidFill>
+                <a:srgbClr val="24292E"/>
+              </a:solidFill>
+              <a:latin typeface="Consolas" panose="020B0609020204030204" pitchFamily="49" charset="0"/>
+            </a:endParaRPr>
+          </a:p>
+          <a:p>
+            <a:pPr marL="0" indent="0">
+              <a:buNone/>
+            </a:pPr>
+            <a:r>
+              <a:rPr lang="fr-FR" sz="2000" dirty="0">
+                <a:solidFill>
+                  <a:srgbClr val="6A737D"/>
+                </a:solidFill>
+                <a:latin typeface="Consolas" panose="020B0609020204030204" pitchFamily="49" charset="0"/>
+              </a:rPr>
+              <a:t>// </a:t>
+            </a:r>
+            <a:r>
+              <a:rPr lang="fr-FR" sz="2000" dirty="0" smtClean="0">
+                <a:solidFill>
+                  <a:srgbClr val="6A737D"/>
+                </a:solidFill>
+                <a:latin typeface="Consolas" panose="020B0609020204030204" pitchFamily="49" charset="0"/>
+              </a:rPr>
+              <a:t>Définition</a:t>
+            </a:r>
+          </a:p>
+          <a:p>
+            <a:pPr marL="0" indent="0">
+              <a:buNone/>
+            </a:pPr>
+            <a:r>
+              <a:rPr lang="fr-FR" sz="2000" dirty="0" err="1" smtClean="0">
+                <a:solidFill>
+                  <a:srgbClr val="D73A49"/>
+                </a:solidFill>
+                <a:latin typeface="Consolas" panose="020B0609020204030204" pitchFamily="49" charset="0"/>
+              </a:rPr>
+              <a:t>void</a:t>
+            </a:r>
+            <a:r>
+              <a:rPr lang="fr-FR" sz="2000" dirty="0">
+                <a:solidFill>
+                  <a:srgbClr val="24292E"/>
+                </a:solidFill>
+                <a:latin typeface="Consolas" panose="020B0609020204030204" pitchFamily="49" charset="0"/>
+              </a:rPr>
+              <a:t> </a:t>
+            </a:r>
+            <a:r>
+              <a:rPr lang="fr-FR" sz="2000" dirty="0" err="1">
+                <a:solidFill>
+                  <a:srgbClr val="6F42C1"/>
+                </a:solidFill>
+                <a:latin typeface="Consolas" panose="020B0609020204030204" pitchFamily="49" charset="0"/>
+              </a:rPr>
+              <a:t>modif_tableau</a:t>
+            </a:r>
+            <a:r>
+              <a:rPr lang="fr-FR" sz="2000" dirty="0">
+                <a:solidFill>
+                  <a:srgbClr val="24292E"/>
+                </a:solidFill>
+                <a:latin typeface="Consolas" panose="020B0609020204030204" pitchFamily="49" charset="0"/>
+              </a:rPr>
+              <a:t> (</a:t>
+            </a:r>
+            <a:r>
+              <a:rPr lang="fr-FR" sz="2000" dirty="0" err="1">
+                <a:solidFill>
+                  <a:srgbClr val="D73A49"/>
+                </a:solidFill>
+                <a:latin typeface="Consolas" panose="020B0609020204030204" pitchFamily="49" charset="0"/>
+              </a:rPr>
+              <a:t>int</a:t>
+            </a:r>
+            <a:r>
+              <a:rPr lang="fr-FR" sz="2000" dirty="0">
+                <a:solidFill>
+                  <a:srgbClr val="24292E"/>
+                </a:solidFill>
+                <a:latin typeface="Consolas" panose="020B0609020204030204" pitchFamily="49" charset="0"/>
+              </a:rPr>
+              <a:t> </a:t>
+            </a:r>
+            <a:r>
+              <a:rPr lang="fr-FR" sz="2000" dirty="0" smtClean="0">
+                <a:solidFill>
+                  <a:srgbClr val="E36209"/>
+                </a:solidFill>
+                <a:latin typeface="Consolas" panose="020B0609020204030204" pitchFamily="49" charset="0"/>
+              </a:rPr>
+              <a:t>t</a:t>
+            </a:r>
+            <a:r>
+              <a:rPr lang="fr-FR" sz="2000" dirty="0" smtClean="0">
+                <a:solidFill>
+                  <a:srgbClr val="D73A49"/>
+                </a:solidFill>
+                <a:latin typeface="Consolas" panose="020B0609020204030204" pitchFamily="49" charset="0"/>
+              </a:rPr>
+              <a:t>[]</a:t>
+            </a:r>
+            <a:r>
+              <a:rPr lang="fr-FR" sz="2000" dirty="0" smtClean="0">
+                <a:solidFill>
+                  <a:srgbClr val="24292E"/>
+                </a:solidFill>
+                <a:latin typeface="Consolas" panose="020B0609020204030204" pitchFamily="49" charset="0"/>
+              </a:rPr>
+              <a:t>,</a:t>
+            </a:r>
+            <a:r>
+              <a:rPr lang="fr-FR" sz="2000" dirty="0">
+                <a:solidFill>
+                  <a:srgbClr val="24292E"/>
+                </a:solidFill>
+                <a:latin typeface="Consolas" panose="020B0609020204030204" pitchFamily="49" charset="0"/>
+              </a:rPr>
+              <a:t> </a:t>
+            </a:r>
+            <a:r>
+              <a:rPr lang="fr-FR" sz="2000" dirty="0" err="1">
+                <a:solidFill>
+                  <a:srgbClr val="D73A49"/>
+                </a:solidFill>
+                <a:latin typeface="Consolas" panose="020B0609020204030204" pitchFamily="49" charset="0"/>
+              </a:rPr>
+              <a:t>int</a:t>
+            </a:r>
+            <a:r>
+              <a:rPr lang="fr-FR" sz="2000" dirty="0">
+                <a:solidFill>
+                  <a:srgbClr val="24292E"/>
+                </a:solidFill>
+                <a:latin typeface="Consolas" panose="020B0609020204030204" pitchFamily="49" charset="0"/>
+              </a:rPr>
+              <a:t> </a:t>
+            </a:r>
+            <a:r>
+              <a:rPr lang="fr-FR" sz="2000" dirty="0" smtClean="0">
+                <a:solidFill>
+                  <a:srgbClr val="E36209"/>
+                </a:solidFill>
+                <a:latin typeface="Consolas" panose="020B0609020204030204" pitchFamily="49" charset="0"/>
+              </a:rPr>
+              <a:t>taille</a:t>
+            </a:r>
+            <a:r>
+              <a:rPr lang="fr-FR" sz="2000" dirty="0" smtClean="0">
+                <a:solidFill>
+                  <a:srgbClr val="24292E"/>
+                </a:solidFill>
+                <a:latin typeface="Consolas" panose="020B0609020204030204" pitchFamily="49" charset="0"/>
+              </a:rPr>
+              <a:t>)</a:t>
+            </a:r>
+            <a:r>
+              <a:rPr lang="fr-FR" sz="2000" dirty="0">
+                <a:solidFill>
+                  <a:srgbClr val="24292E"/>
+                </a:solidFill>
+                <a:latin typeface="Consolas" panose="020B0609020204030204" pitchFamily="49" charset="0"/>
+              </a:rPr>
+              <a:t> {</a:t>
+            </a:r>
+          </a:p>
+          <a:p>
+            <a:pPr marL="0" indent="0">
+              <a:buNone/>
+            </a:pPr>
+            <a:r>
+              <a:rPr lang="fr-FR" sz="2000" dirty="0">
+                <a:solidFill>
+                  <a:srgbClr val="24292E"/>
+                </a:solidFill>
+                <a:latin typeface="Consolas" panose="020B0609020204030204" pitchFamily="49" charset="0"/>
+              </a:rPr>
+              <a:t>    </a:t>
+            </a:r>
+            <a:r>
+              <a:rPr lang="fr-FR" sz="2000" dirty="0">
+                <a:solidFill>
+                  <a:srgbClr val="E36209"/>
+                </a:solidFill>
+                <a:latin typeface="Consolas" panose="020B0609020204030204" pitchFamily="49" charset="0"/>
+              </a:rPr>
+              <a:t>t</a:t>
+            </a:r>
+            <a:r>
+              <a:rPr lang="fr-FR" sz="2000" dirty="0">
+                <a:solidFill>
+                  <a:srgbClr val="24292E"/>
+                </a:solidFill>
+                <a:latin typeface="Consolas" panose="020B0609020204030204" pitchFamily="49" charset="0"/>
+              </a:rPr>
+              <a:t>[</a:t>
+            </a:r>
+            <a:r>
+              <a:rPr lang="fr-FR" sz="2000" dirty="0">
+                <a:solidFill>
+                  <a:srgbClr val="005CC5"/>
+                </a:solidFill>
+                <a:latin typeface="Consolas" panose="020B0609020204030204" pitchFamily="49" charset="0"/>
+              </a:rPr>
+              <a:t>0</a:t>
+            </a:r>
+            <a:r>
+              <a:rPr lang="fr-FR" sz="2000" dirty="0">
+                <a:solidFill>
+                  <a:srgbClr val="24292E"/>
+                </a:solidFill>
+                <a:latin typeface="Consolas" panose="020B0609020204030204" pitchFamily="49" charset="0"/>
+              </a:rPr>
+              <a:t>] </a:t>
+            </a:r>
+            <a:r>
+              <a:rPr lang="fr-FR" sz="2000" dirty="0">
+                <a:solidFill>
+                  <a:srgbClr val="D73A49"/>
+                </a:solidFill>
+                <a:latin typeface="Consolas" panose="020B0609020204030204" pitchFamily="49" charset="0"/>
+              </a:rPr>
+              <a:t>=</a:t>
+            </a:r>
+            <a:r>
+              <a:rPr lang="fr-FR" sz="2000" dirty="0">
+                <a:solidFill>
+                  <a:srgbClr val="24292E"/>
+                </a:solidFill>
+                <a:latin typeface="Consolas" panose="020B0609020204030204" pitchFamily="49" charset="0"/>
+              </a:rPr>
+              <a:t> </a:t>
+            </a:r>
+            <a:r>
+              <a:rPr lang="fr-FR" sz="2000" dirty="0">
+                <a:solidFill>
+                  <a:srgbClr val="005CC5"/>
+                </a:solidFill>
+                <a:latin typeface="Consolas" panose="020B0609020204030204" pitchFamily="49" charset="0"/>
+              </a:rPr>
+              <a:t>6</a:t>
+            </a:r>
+            <a:r>
+              <a:rPr lang="fr-FR" sz="2000" dirty="0">
+                <a:solidFill>
+                  <a:srgbClr val="24292E"/>
+                </a:solidFill>
+                <a:latin typeface="Consolas" panose="020B0609020204030204" pitchFamily="49" charset="0"/>
+              </a:rPr>
+              <a:t>;</a:t>
+            </a:r>
+          </a:p>
+          <a:p>
+            <a:pPr marL="0" indent="0">
+              <a:buNone/>
+            </a:pPr>
+            <a:r>
+              <a:rPr lang="fr-FR" sz="2000" dirty="0">
+                <a:solidFill>
+                  <a:srgbClr val="24292E"/>
+                </a:solidFill>
+                <a:latin typeface="Consolas" panose="020B0609020204030204" pitchFamily="49" charset="0"/>
+              </a:rPr>
+              <a:t>    </a:t>
+            </a:r>
+            <a:r>
+              <a:rPr lang="fr-FR" sz="2000" dirty="0">
+                <a:solidFill>
+                  <a:srgbClr val="D73A49"/>
+                </a:solidFill>
+                <a:latin typeface="Consolas" panose="020B0609020204030204" pitchFamily="49" charset="0"/>
+              </a:rPr>
+              <a:t>*</a:t>
+            </a:r>
+            <a:r>
+              <a:rPr lang="fr-FR" sz="2000" dirty="0">
+                <a:solidFill>
+                  <a:srgbClr val="24292E"/>
+                </a:solidFill>
+                <a:latin typeface="Consolas" panose="020B0609020204030204" pitchFamily="49" charset="0"/>
+              </a:rPr>
+              <a:t>(t</a:t>
+            </a:r>
+            <a:r>
+              <a:rPr lang="fr-FR" sz="2000" dirty="0">
+                <a:solidFill>
+                  <a:srgbClr val="D73A49"/>
+                </a:solidFill>
+                <a:latin typeface="Consolas" panose="020B0609020204030204" pitchFamily="49" charset="0"/>
+              </a:rPr>
+              <a:t>+</a:t>
+            </a:r>
+            <a:r>
+              <a:rPr lang="fr-FR" sz="2000" dirty="0">
+                <a:solidFill>
+                  <a:srgbClr val="005CC5"/>
+                </a:solidFill>
+                <a:latin typeface="Consolas" panose="020B0609020204030204" pitchFamily="49" charset="0"/>
+              </a:rPr>
+              <a:t>1</a:t>
+            </a:r>
+            <a:r>
+              <a:rPr lang="fr-FR" sz="2000" dirty="0">
+                <a:solidFill>
+                  <a:srgbClr val="24292E"/>
+                </a:solidFill>
+                <a:latin typeface="Consolas" panose="020B0609020204030204" pitchFamily="49" charset="0"/>
+              </a:rPr>
+              <a:t>) </a:t>
+            </a:r>
+            <a:r>
+              <a:rPr lang="fr-FR" sz="2000" dirty="0">
+                <a:solidFill>
+                  <a:srgbClr val="D73A49"/>
+                </a:solidFill>
+                <a:latin typeface="Consolas" panose="020B0609020204030204" pitchFamily="49" charset="0"/>
+              </a:rPr>
+              <a:t>=</a:t>
+            </a:r>
+            <a:r>
+              <a:rPr lang="fr-FR" sz="2000" dirty="0">
+                <a:solidFill>
+                  <a:srgbClr val="24292E"/>
+                </a:solidFill>
+                <a:latin typeface="Consolas" panose="020B0609020204030204" pitchFamily="49" charset="0"/>
+              </a:rPr>
+              <a:t> </a:t>
+            </a:r>
+            <a:r>
+              <a:rPr lang="fr-FR" sz="2000" dirty="0">
+                <a:solidFill>
+                  <a:srgbClr val="005CC5"/>
+                </a:solidFill>
+                <a:latin typeface="Consolas" panose="020B0609020204030204" pitchFamily="49" charset="0"/>
+              </a:rPr>
+              <a:t>4</a:t>
+            </a:r>
+            <a:r>
+              <a:rPr lang="fr-FR" sz="2000" dirty="0">
+                <a:solidFill>
+                  <a:srgbClr val="24292E"/>
+                </a:solidFill>
+                <a:latin typeface="Consolas" panose="020B0609020204030204" pitchFamily="49" charset="0"/>
+              </a:rPr>
+              <a:t>;         </a:t>
+            </a:r>
+            <a:r>
+              <a:rPr lang="fr-FR" sz="2000" dirty="0">
+                <a:solidFill>
+                  <a:srgbClr val="6A737D"/>
+                </a:solidFill>
+                <a:latin typeface="Consolas" panose="020B0609020204030204" pitchFamily="49" charset="0"/>
+              </a:rPr>
+              <a:t>// Elément suivant</a:t>
+            </a:r>
+            <a:endParaRPr lang="fr-FR" sz="2000" dirty="0">
+              <a:solidFill>
+                <a:srgbClr val="24292E"/>
+              </a:solidFill>
+              <a:latin typeface="Consolas" panose="020B0609020204030204" pitchFamily="49" charset="0"/>
+            </a:endParaRPr>
+          </a:p>
+          <a:p>
+            <a:pPr marL="0" indent="0">
+              <a:buNone/>
+            </a:pPr>
+            <a:r>
+              <a:rPr lang="fr-FR" sz="2000" dirty="0">
+                <a:solidFill>
+                  <a:srgbClr val="24292E"/>
+                </a:solidFill>
+                <a:latin typeface="Consolas" panose="020B0609020204030204" pitchFamily="49" charset="0"/>
+              </a:rPr>
+              <a:t>    </a:t>
+            </a:r>
+            <a:r>
+              <a:rPr lang="fr-FR" sz="2000" dirty="0">
+                <a:solidFill>
+                  <a:srgbClr val="E36209"/>
+                </a:solidFill>
+                <a:latin typeface="Consolas" panose="020B0609020204030204" pitchFamily="49" charset="0"/>
+              </a:rPr>
+              <a:t>t</a:t>
+            </a:r>
+            <a:r>
+              <a:rPr lang="fr-FR" sz="2000" dirty="0">
+                <a:solidFill>
+                  <a:srgbClr val="24292E"/>
+                </a:solidFill>
+                <a:latin typeface="Consolas" panose="020B0609020204030204" pitchFamily="49" charset="0"/>
+              </a:rPr>
+              <a:t>[taille </a:t>
+            </a:r>
+            <a:r>
+              <a:rPr lang="fr-FR" sz="2000" dirty="0" smtClean="0">
+                <a:solidFill>
+                  <a:srgbClr val="D73A49"/>
+                </a:solidFill>
+                <a:latin typeface="Consolas" panose="020B0609020204030204" pitchFamily="49" charset="0"/>
+              </a:rPr>
+              <a:t>-</a:t>
+            </a:r>
+            <a:r>
+              <a:rPr lang="fr-FR" sz="2000" dirty="0" smtClean="0">
+                <a:solidFill>
+                  <a:srgbClr val="24292E"/>
+                </a:solidFill>
+                <a:latin typeface="Consolas" panose="020B0609020204030204" pitchFamily="49" charset="0"/>
+              </a:rPr>
+              <a:t> </a:t>
+            </a:r>
+            <a:r>
+              <a:rPr lang="fr-FR" sz="2000" dirty="0" smtClean="0">
+                <a:solidFill>
+                  <a:srgbClr val="005CC5"/>
+                </a:solidFill>
+                <a:latin typeface="Consolas" panose="020B0609020204030204" pitchFamily="49" charset="0"/>
+              </a:rPr>
+              <a:t>1</a:t>
+            </a:r>
+            <a:r>
+              <a:rPr lang="fr-FR" sz="2000" dirty="0">
+                <a:solidFill>
+                  <a:srgbClr val="24292E"/>
+                </a:solidFill>
+                <a:latin typeface="Consolas" panose="020B0609020204030204" pitchFamily="49" charset="0"/>
+              </a:rPr>
+              <a:t>] </a:t>
+            </a:r>
+            <a:r>
+              <a:rPr lang="fr-FR" sz="2000" dirty="0">
+                <a:solidFill>
+                  <a:srgbClr val="D73A49"/>
+                </a:solidFill>
+                <a:latin typeface="Consolas" panose="020B0609020204030204" pitchFamily="49" charset="0"/>
+              </a:rPr>
+              <a:t>=</a:t>
+            </a:r>
+            <a:r>
+              <a:rPr lang="fr-FR" sz="2000" dirty="0">
+                <a:solidFill>
+                  <a:srgbClr val="24292E"/>
+                </a:solidFill>
+                <a:latin typeface="Consolas" panose="020B0609020204030204" pitchFamily="49" charset="0"/>
+              </a:rPr>
+              <a:t> </a:t>
+            </a:r>
+            <a:r>
+              <a:rPr lang="fr-FR" sz="2000" dirty="0">
+                <a:solidFill>
+                  <a:srgbClr val="005CC5"/>
+                </a:solidFill>
+                <a:latin typeface="Consolas" panose="020B0609020204030204" pitchFamily="49" charset="0"/>
+              </a:rPr>
+              <a:t>42</a:t>
+            </a:r>
+            <a:r>
+              <a:rPr lang="fr-FR" sz="2000" dirty="0">
+                <a:solidFill>
+                  <a:srgbClr val="24292E"/>
+                </a:solidFill>
+                <a:latin typeface="Consolas" panose="020B0609020204030204" pitchFamily="49" charset="0"/>
+              </a:rPr>
+              <a:t>  </a:t>
+            </a:r>
+            <a:r>
+              <a:rPr lang="fr-FR" sz="2000" dirty="0">
+                <a:solidFill>
+                  <a:srgbClr val="6A737D"/>
+                </a:solidFill>
+                <a:latin typeface="Consolas" panose="020B0609020204030204" pitchFamily="49" charset="0"/>
+              </a:rPr>
+              <a:t>// Dernier élément du tableau</a:t>
+            </a:r>
+            <a:endParaRPr lang="fr-FR" sz="2000" dirty="0">
+              <a:solidFill>
+                <a:srgbClr val="24292E"/>
+              </a:solidFill>
+              <a:latin typeface="Consolas" panose="020B0609020204030204" pitchFamily="49" charset="0"/>
+            </a:endParaRPr>
+          </a:p>
+          <a:p>
+            <a:pPr marL="0" indent="0">
+              <a:buNone/>
+            </a:pPr>
+            <a:r>
+              <a:rPr lang="fr-FR" sz="2000" dirty="0" smtClean="0">
+                <a:solidFill>
+                  <a:srgbClr val="24292E"/>
+                </a:solidFill>
+                <a:latin typeface="Consolas" panose="020B0609020204030204" pitchFamily="49" charset="0"/>
+              </a:rPr>
+              <a:t>}</a:t>
+            </a:r>
+            <a:endParaRPr lang="fr-FR" sz="2000" dirty="0">
+              <a:solidFill>
+                <a:srgbClr val="24292E"/>
+              </a:solidFill>
+              <a:latin typeface="Consolas" panose="020B0609020204030204" pitchFamily="49" charset="0"/>
+            </a:endParaRPr>
+          </a:p>
+        </p:txBody>
+      </p:sp>
+    </p:spTree>
+    <p:extLst>
+      <p:ext uri="{BB962C8B-B14F-4D97-AF65-F5344CB8AC3E}">
+        <p14:creationId xmlns:p14="http://schemas.microsoft.com/office/powerpoint/2010/main" val="64814871"/>
       </p:ext>
     </p:extLst>
   </p:cSld>
@@ -27629,7 +30687,7 @@
           <p:cNvPr id="7" name="Rectangle 6">
             <a:extLst>
               <a:ext uri="{FF2B5EF4-FFF2-40B4-BE49-F238E27FC236}">
-                <a16:creationId xmlns:a16="http://schemas.microsoft.com/office/drawing/2014/main" id="{F2E1B269-9EB3-419D-BD19-58F9A3E944C7}"/>
+                <a16:creationId xmlns:a16="http://schemas.microsoft.com/office/drawing/2014/main" xmlns="" id="{F2E1B269-9EB3-419D-BD19-58F9A3E944C7}"/>
               </a:ext>
             </a:extLst>
           </p:cNvPr>
@@ -27681,7 +30739,7 @@
           <p:cNvPr id="4" name="Bulle narrative : rectangle à coins arrondis 3">
             <a:extLst>
               <a:ext uri="{FF2B5EF4-FFF2-40B4-BE49-F238E27FC236}">
-                <a16:creationId xmlns:a16="http://schemas.microsoft.com/office/drawing/2014/main" id="{B8E3C71E-E30A-458E-963B-EF1CB3003290}"/>
+                <a16:creationId xmlns:a16="http://schemas.microsoft.com/office/drawing/2014/main" xmlns="" id="{B8E3C71E-E30A-458E-963B-EF1CB3003290}"/>
               </a:ext>
             </a:extLst>
           </p:cNvPr>
@@ -27748,7 +30806,7 @@
           <p:cNvPr id="6" name="Image 5">
             <a:extLst>
               <a:ext uri="{FF2B5EF4-FFF2-40B4-BE49-F238E27FC236}">
-                <a16:creationId xmlns:a16="http://schemas.microsoft.com/office/drawing/2014/main" id="{94C8FDB9-BEC3-4AE5-A102-3147B2AA924D}"/>
+                <a16:creationId xmlns:a16="http://schemas.microsoft.com/office/drawing/2014/main" xmlns="" id="{94C8FDB9-BEC3-4AE5-A102-3147B2AA924D}"/>
               </a:ext>
             </a:extLst>
           </p:cNvPr>
@@ -27783,7 +30841,7 @@
           <p:cNvPr id="5" name="Bulle narrative : rectangle à coins arrondis 4">
             <a:extLst>
               <a:ext uri="{FF2B5EF4-FFF2-40B4-BE49-F238E27FC236}">
-                <a16:creationId xmlns:a16="http://schemas.microsoft.com/office/drawing/2014/main" id="{BF684021-BDE9-4699-A0CB-03A454EAFDEB}"/>
+                <a16:creationId xmlns:a16="http://schemas.microsoft.com/office/drawing/2014/main" xmlns="" id="{BF684021-BDE9-4699-A0CB-03A454EAFDEB}"/>
               </a:ext>
             </a:extLst>
           </p:cNvPr>
@@ -27998,7 +31056,7 @@
           <p:cNvPr id="2" name="Titre 1">
             <a:extLst>
               <a:ext uri="{FF2B5EF4-FFF2-40B4-BE49-F238E27FC236}">
-                <a16:creationId xmlns:a16="http://schemas.microsoft.com/office/drawing/2014/main" id="{7436CDA8-A5AE-48C2-BAF1-A31386EEAB7F}"/>
+                <a16:creationId xmlns:a16="http://schemas.microsoft.com/office/drawing/2014/main" xmlns="" id="{7436CDA8-A5AE-48C2-BAF1-A31386EEAB7F}"/>
               </a:ext>
             </a:extLst>
           </p:cNvPr>
@@ -28026,7 +31084,7 @@
           <p:cNvPr id="3" name="Espace réservé du contenu 2">
             <a:extLst>
               <a:ext uri="{FF2B5EF4-FFF2-40B4-BE49-F238E27FC236}">
-                <a16:creationId xmlns:a16="http://schemas.microsoft.com/office/drawing/2014/main" id="{F10F4529-92B4-4C4F-AB42-71A5A62F3E31}"/>
+                <a16:creationId xmlns:a16="http://schemas.microsoft.com/office/drawing/2014/main" xmlns="" id="{F10F4529-92B4-4C4F-AB42-71A5A62F3E31}"/>
               </a:ext>
             </a:extLst>
           </p:cNvPr>
@@ -28362,7 +31420,7 @@
           <p:cNvPr id="2" name="Titre 1">
             <a:extLst>
               <a:ext uri="{FF2B5EF4-FFF2-40B4-BE49-F238E27FC236}">
-                <a16:creationId xmlns:a16="http://schemas.microsoft.com/office/drawing/2014/main" id="{EEB54586-9BC0-45F4-A86B-79276A529E90}"/>
+                <a16:creationId xmlns:a16="http://schemas.microsoft.com/office/drawing/2014/main" xmlns="" id="{EEB54586-9BC0-45F4-A86B-79276A529E90}"/>
               </a:ext>
             </a:extLst>
           </p:cNvPr>
@@ -28390,7 +31448,7 @@
           <p:cNvPr id="3" name="Espace réservé du contenu 2">
             <a:extLst>
               <a:ext uri="{FF2B5EF4-FFF2-40B4-BE49-F238E27FC236}">
-                <a16:creationId xmlns:a16="http://schemas.microsoft.com/office/drawing/2014/main" id="{7900AA3A-034E-468A-AC3E-6DA9903B3DB1}"/>
+                <a16:creationId xmlns:a16="http://schemas.microsoft.com/office/drawing/2014/main" xmlns="" id="{7900AA3A-034E-468A-AC3E-6DA9903B3DB1}"/>
               </a:ext>
             </a:extLst>
           </p:cNvPr>
@@ -28448,6 +31506,16 @@
             <a:pPr marL="0" indent="0" algn="ctr">
               <a:buNone/>
             </a:pPr>
+            <a:r>
+              <a:rPr lang="fr-FR" b="0" dirty="0">
+                <a:solidFill>
+                  <a:srgbClr val="24292E"/>
+                </a:solidFill>
+                <a:effectLst/>
+                <a:latin typeface="Consolas" panose="020B0609020204030204" pitchFamily="49" charset="0"/>
+              </a:rPr>
+              <a:t/>
+            </a:r>
             <a:br>
               <a:rPr lang="fr-FR" b="0" dirty="0">
                 <a:solidFill>
@@ -28550,7 +31618,7 @@
           <p:cNvPr id="4" name="ZoneTexte 3">
             <a:extLst>
               <a:ext uri="{FF2B5EF4-FFF2-40B4-BE49-F238E27FC236}">
-                <a16:creationId xmlns:a16="http://schemas.microsoft.com/office/drawing/2014/main" id="{8F367AC2-1A3F-4AF8-9CEC-E24769DB29DA}"/>
+                <a16:creationId xmlns:a16="http://schemas.microsoft.com/office/drawing/2014/main" xmlns="" id="{8F367AC2-1A3F-4AF8-9CEC-E24769DB29DA}"/>
               </a:ext>
             </a:extLst>
           </p:cNvPr>
@@ -28586,7 +31654,7 @@
           <p:cNvPr id="5" name="ZoneTexte 4">
             <a:extLst>
               <a:ext uri="{FF2B5EF4-FFF2-40B4-BE49-F238E27FC236}">
-                <a16:creationId xmlns:a16="http://schemas.microsoft.com/office/drawing/2014/main" id="{4F408F3B-9CFA-48D0-A81C-61FF3D07BE0F}"/>
+                <a16:creationId xmlns:a16="http://schemas.microsoft.com/office/drawing/2014/main" xmlns="" id="{4F408F3B-9CFA-48D0-A81C-61FF3D07BE0F}"/>
               </a:ext>
             </a:extLst>
           </p:cNvPr>
@@ -28622,7 +31690,7 @@
           <p:cNvPr id="6" name="ZoneTexte 5">
             <a:extLst>
               <a:ext uri="{FF2B5EF4-FFF2-40B4-BE49-F238E27FC236}">
-                <a16:creationId xmlns:a16="http://schemas.microsoft.com/office/drawing/2014/main" id="{306316E7-4187-4310-9476-AA8722003431}"/>
+                <a16:creationId xmlns:a16="http://schemas.microsoft.com/office/drawing/2014/main" xmlns="" id="{306316E7-4187-4310-9476-AA8722003431}"/>
               </a:ext>
             </a:extLst>
           </p:cNvPr>
@@ -28658,7 +31726,7 @@
           <p:cNvPr id="8" name="Connecteur droit avec flèche 7">
             <a:extLst>
               <a:ext uri="{FF2B5EF4-FFF2-40B4-BE49-F238E27FC236}">
-                <a16:creationId xmlns:a16="http://schemas.microsoft.com/office/drawing/2014/main" id="{E5AC7A22-AAF7-488B-9431-0E290256627B}"/>
+                <a16:creationId xmlns:a16="http://schemas.microsoft.com/office/drawing/2014/main" xmlns="" id="{E5AC7A22-AAF7-488B-9431-0E290256627B}"/>
               </a:ext>
             </a:extLst>
           </p:cNvPr>
@@ -28702,7 +31770,7 @@
           <p:cNvPr id="9" name="Connecteur droit avec flèche 8">
             <a:extLst>
               <a:ext uri="{FF2B5EF4-FFF2-40B4-BE49-F238E27FC236}">
-                <a16:creationId xmlns:a16="http://schemas.microsoft.com/office/drawing/2014/main" id="{444B3816-EFE4-4E21-A431-D40669824558}"/>
+                <a16:creationId xmlns:a16="http://schemas.microsoft.com/office/drawing/2014/main" xmlns="" id="{444B3816-EFE4-4E21-A431-D40669824558}"/>
               </a:ext>
             </a:extLst>
           </p:cNvPr>
@@ -28746,7 +31814,7 @@
           <p:cNvPr id="12" name="Connecteur droit avec flèche 11">
             <a:extLst>
               <a:ext uri="{FF2B5EF4-FFF2-40B4-BE49-F238E27FC236}">
-                <a16:creationId xmlns:a16="http://schemas.microsoft.com/office/drawing/2014/main" id="{C17B33B5-A045-4A85-B6A4-37AA3E3C94CC}"/>
+                <a16:creationId xmlns:a16="http://schemas.microsoft.com/office/drawing/2014/main" xmlns="" id="{C17B33B5-A045-4A85-B6A4-37AA3E3C94CC}"/>
               </a:ext>
             </a:extLst>
           </p:cNvPr>
@@ -28790,7 +31858,7 @@
           <p:cNvPr id="13" name="Connecteur droit avec flèche 12">
             <a:extLst>
               <a:ext uri="{FF2B5EF4-FFF2-40B4-BE49-F238E27FC236}">
-                <a16:creationId xmlns:a16="http://schemas.microsoft.com/office/drawing/2014/main" id="{91465CE7-A8A1-4C5B-A944-E6B37BEFAA5E}"/>
+                <a16:creationId xmlns:a16="http://schemas.microsoft.com/office/drawing/2014/main" xmlns="" id="{91465CE7-A8A1-4C5B-A944-E6B37BEFAA5E}"/>
               </a:ext>
             </a:extLst>
           </p:cNvPr>
@@ -28834,7 +31902,7 @@
           <p:cNvPr id="15" name="ZoneTexte 14">
             <a:extLst>
               <a:ext uri="{FF2B5EF4-FFF2-40B4-BE49-F238E27FC236}">
-                <a16:creationId xmlns:a16="http://schemas.microsoft.com/office/drawing/2014/main" id="{1A1D643C-2A5D-46F0-A553-F6D7498895A0}"/>
+                <a16:creationId xmlns:a16="http://schemas.microsoft.com/office/drawing/2014/main" xmlns="" id="{1A1D643C-2A5D-46F0-A553-F6D7498895A0}"/>
               </a:ext>
             </a:extLst>
           </p:cNvPr>
@@ -28870,7 +31938,7 @@
           <p:cNvPr id="16" name="Connecteur droit avec flèche 15">
             <a:extLst>
               <a:ext uri="{FF2B5EF4-FFF2-40B4-BE49-F238E27FC236}">
-                <a16:creationId xmlns:a16="http://schemas.microsoft.com/office/drawing/2014/main" id="{76CC011B-89BE-4005-BF55-B06191902686}"/>
+                <a16:creationId xmlns:a16="http://schemas.microsoft.com/office/drawing/2014/main" xmlns="" id="{76CC011B-89BE-4005-BF55-B06191902686}"/>
               </a:ext>
             </a:extLst>
           </p:cNvPr>
@@ -29436,7 +32504,7 @@
           <p:cNvPr id="2" name="Titre 1">
             <a:extLst>
               <a:ext uri="{FF2B5EF4-FFF2-40B4-BE49-F238E27FC236}">
-                <a16:creationId xmlns:a16="http://schemas.microsoft.com/office/drawing/2014/main" id="{B881E05C-AF12-4733-B523-E5003F474029}"/>
+                <a16:creationId xmlns:a16="http://schemas.microsoft.com/office/drawing/2014/main" xmlns="" id="{B881E05C-AF12-4733-B523-E5003F474029}"/>
               </a:ext>
             </a:extLst>
           </p:cNvPr>
@@ -29465,7 +32533,7 @@
           <p:cNvPr id="3" name="Espace réservé du contenu 2">
             <a:extLst>
               <a:ext uri="{FF2B5EF4-FFF2-40B4-BE49-F238E27FC236}">
-                <a16:creationId xmlns:a16="http://schemas.microsoft.com/office/drawing/2014/main" id="{506B46C6-FFEE-43BA-B08F-8B3A0EBC34FF}"/>
+                <a16:creationId xmlns:a16="http://schemas.microsoft.com/office/drawing/2014/main" xmlns="" id="{506B46C6-FFEE-43BA-B08F-8B3A0EBC34FF}"/>
               </a:ext>
             </a:extLst>
           </p:cNvPr>
@@ -29961,7 +33029,7 @@
           <p:cNvPr id="4" name="Image 3">
             <a:extLst>
               <a:ext uri="{FF2B5EF4-FFF2-40B4-BE49-F238E27FC236}">
-                <a16:creationId xmlns:a16="http://schemas.microsoft.com/office/drawing/2014/main" id="{F829067E-1D42-4717-8B1A-F2118CF910A7}"/>
+                <a16:creationId xmlns:a16="http://schemas.microsoft.com/office/drawing/2014/main" xmlns="" id="{F829067E-1D42-4717-8B1A-F2118CF910A7}"/>
               </a:ext>
             </a:extLst>
           </p:cNvPr>
@@ -29997,7 +33065,7 @@
           <p:cNvPr id="2" name="Titre 1">
             <a:extLst>
               <a:ext uri="{FF2B5EF4-FFF2-40B4-BE49-F238E27FC236}">
-                <a16:creationId xmlns:a16="http://schemas.microsoft.com/office/drawing/2014/main" id="{5B0D680D-0513-4BA6-8849-9AC7F7D564F8}"/>
+                <a16:creationId xmlns:a16="http://schemas.microsoft.com/office/drawing/2014/main" xmlns="" id="{5B0D680D-0513-4BA6-8849-9AC7F7D564F8}"/>
               </a:ext>
             </a:extLst>
           </p:cNvPr>
@@ -30025,7 +33093,7 @@
           <p:cNvPr id="3" name="Espace réservé du contenu 2">
             <a:extLst>
               <a:ext uri="{FF2B5EF4-FFF2-40B4-BE49-F238E27FC236}">
-                <a16:creationId xmlns:a16="http://schemas.microsoft.com/office/drawing/2014/main" id="{65F299DF-2040-45CF-9A5D-87866AD72A31}"/>
+                <a16:creationId xmlns:a16="http://schemas.microsoft.com/office/drawing/2014/main" xmlns="" id="{65F299DF-2040-45CF-9A5D-87866AD72A31}"/>
               </a:ext>
             </a:extLst>
           </p:cNvPr>
@@ -30447,7 +33515,7 @@
           <p:cNvPr id="5" name="Bulle narrative : rectangle à coins arrondis 4">
             <a:extLst>
               <a:ext uri="{FF2B5EF4-FFF2-40B4-BE49-F238E27FC236}">
-                <a16:creationId xmlns:a16="http://schemas.microsoft.com/office/drawing/2014/main" id="{C519F312-AC9A-441B-ADB2-8D6E47C36569}"/>
+                <a16:creationId xmlns:a16="http://schemas.microsoft.com/office/drawing/2014/main" xmlns="" id="{C519F312-AC9A-441B-ADB2-8D6E47C36569}"/>
               </a:ext>
             </a:extLst>
           </p:cNvPr>
@@ -31296,7 +34364,7 @@
           <p:cNvPr id="2" name="Titre 1">
             <a:extLst>
               <a:ext uri="{FF2B5EF4-FFF2-40B4-BE49-F238E27FC236}">
-                <a16:creationId xmlns:a16="http://schemas.microsoft.com/office/drawing/2014/main" id="{90AB71FD-2065-4C4C-BEDC-90270A319E6A}"/>
+                <a16:creationId xmlns:a16="http://schemas.microsoft.com/office/drawing/2014/main" xmlns="" id="{90AB71FD-2065-4C4C-BEDC-90270A319E6A}"/>
               </a:ext>
             </a:extLst>
           </p:cNvPr>
@@ -31324,7 +34392,7 @@
           <p:cNvPr id="3" name="Espace réservé du contenu 2">
             <a:extLst>
               <a:ext uri="{FF2B5EF4-FFF2-40B4-BE49-F238E27FC236}">
-                <a16:creationId xmlns:a16="http://schemas.microsoft.com/office/drawing/2014/main" id="{72FDEA5D-1B29-4EC5-A29E-167DEA85C8B2}"/>
+                <a16:creationId xmlns:a16="http://schemas.microsoft.com/office/drawing/2014/main" xmlns="" id="{72FDEA5D-1B29-4EC5-A29E-167DEA85C8B2}"/>
               </a:ext>
             </a:extLst>
           </p:cNvPr>
@@ -31717,7 +34785,7 @@
           <p:cNvPr id="4" name="ZoneTexte 3">
             <a:extLst>
               <a:ext uri="{FF2B5EF4-FFF2-40B4-BE49-F238E27FC236}">
-                <a16:creationId xmlns:a16="http://schemas.microsoft.com/office/drawing/2014/main" id="{6BD30E8D-5856-4071-99FD-F0053105270F}"/>
+                <a16:creationId xmlns:a16="http://schemas.microsoft.com/office/drawing/2014/main" xmlns="" id="{6BD30E8D-5856-4071-99FD-F0053105270F}"/>
               </a:ext>
             </a:extLst>
           </p:cNvPr>
@@ -31762,7 +34830,7 @@
           <p:cNvPr id="5" name="Connecteur droit avec flèche 4">
             <a:extLst>
               <a:ext uri="{FF2B5EF4-FFF2-40B4-BE49-F238E27FC236}">
-                <a16:creationId xmlns:a16="http://schemas.microsoft.com/office/drawing/2014/main" id="{E1C9D7A5-A4A2-4585-ABDD-8B61589ABBA1}"/>
+                <a16:creationId xmlns:a16="http://schemas.microsoft.com/office/drawing/2014/main" xmlns="" id="{E1C9D7A5-A4A2-4585-ABDD-8B61589ABBA1}"/>
               </a:ext>
             </a:extLst>
           </p:cNvPr>
@@ -31806,7 +34874,7 @@
           <p:cNvPr id="7" name="ZoneTexte 6">
             <a:extLst>
               <a:ext uri="{FF2B5EF4-FFF2-40B4-BE49-F238E27FC236}">
-                <a16:creationId xmlns:a16="http://schemas.microsoft.com/office/drawing/2014/main" id="{7D7F46A7-DC77-4437-BDAD-5F915ACB512E}"/>
+                <a16:creationId xmlns:a16="http://schemas.microsoft.com/office/drawing/2014/main" xmlns="" id="{7D7F46A7-DC77-4437-BDAD-5F915ACB512E}"/>
               </a:ext>
             </a:extLst>
           </p:cNvPr>
@@ -31859,7 +34927,7 @@
           <p:cNvPr id="8" name="Connecteur droit avec flèche 7">
             <a:extLst>
               <a:ext uri="{FF2B5EF4-FFF2-40B4-BE49-F238E27FC236}">
-                <a16:creationId xmlns:a16="http://schemas.microsoft.com/office/drawing/2014/main" id="{8E0D7FC5-2793-4C59-A2F0-C930E557903D}"/>
+                <a16:creationId xmlns:a16="http://schemas.microsoft.com/office/drawing/2014/main" xmlns="" id="{8E0D7FC5-2793-4C59-A2F0-C930E557903D}"/>
               </a:ext>
             </a:extLst>
           </p:cNvPr>
@@ -31903,7 +34971,7 @@
           <p:cNvPr id="10" name="Accolade fermante 9">
             <a:extLst>
               <a:ext uri="{FF2B5EF4-FFF2-40B4-BE49-F238E27FC236}">
-                <a16:creationId xmlns:a16="http://schemas.microsoft.com/office/drawing/2014/main" id="{11C2F28A-F681-4BEE-BB6E-4460B4B987C6}"/>
+                <a16:creationId xmlns:a16="http://schemas.microsoft.com/office/drawing/2014/main" xmlns="" id="{11C2F28A-F681-4BEE-BB6E-4460B4B987C6}"/>
               </a:ext>
             </a:extLst>
           </p:cNvPr>
@@ -31951,7 +35019,7 @@
           <p:cNvPr id="11" name="Connecteur droit avec flèche 10">
             <a:extLst>
               <a:ext uri="{FF2B5EF4-FFF2-40B4-BE49-F238E27FC236}">
-                <a16:creationId xmlns:a16="http://schemas.microsoft.com/office/drawing/2014/main" id="{929500DC-2D04-4081-BE8C-5D72048DDB25}"/>
+                <a16:creationId xmlns:a16="http://schemas.microsoft.com/office/drawing/2014/main" xmlns="" id="{929500DC-2D04-4081-BE8C-5D72048DDB25}"/>
               </a:ext>
             </a:extLst>
           </p:cNvPr>
@@ -31995,7 +35063,7 @@
           <p:cNvPr id="13" name="ZoneTexte 12">
             <a:extLst>
               <a:ext uri="{FF2B5EF4-FFF2-40B4-BE49-F238E27FC236}">
-                <a16:creationId xmlns:a16="http://schemas.microsoft.com/office/drawing/2014/main" id="{0CF4C48D-25BB-40C5-8D8E-ED623B1892CB}"/>
+                <a16:creationId xmlns:a16="http://schemas.microsoft.com/office/drawing/2014/main" xmlns="" id="{0CF4C48D-25BB-40C5-8D8E-ED623B1892CB}"/>
               </a:ext>
             </a:extLst>
           </p:cNvPr>
@@ -32360,7 +35428,7 @@
           <p:cNvPr id="2" name="Titre 1">
             <a:extLst>
               <a:ext uri="{FF2B5EF4-FFF2-40B4-BE49-F238E27FC236}">
-                <a16:creationId xmlns:a16="http://schemas.microsoft.com/office/drawing/2014/main" id="{90AB71FD-2065-4C4C-BEDC-90270A319E6A}"/>
+                <a16:creationId xmlns:a16="http://schemas.microsoft.com/office/drawing/2014/main" xmlns="" id="{90AB71FD-2065-4C4C-BEDC-90270A319E6A}"/>
               </a:ext>
             </a:extLst>
           </p:cNvPr>
@@ -32388,7 +35456,7 @@
           <p:cNvPr id="3" name="Espace réservé du contenu 2">
             <a:extLst>
               <a:ext uri="{FF2B5EF4-FFF2-40B4-BE49-F238E27FC236}">
-                <a16:creationId xmlns:a16="http://schemas.microsoft.com/office/drawing/2014/main" id="{72FDEA5D-1B29-4EC5-A29E-167DEA85C8B2}"/>
+                <a16:creationId xmlns:a16="http://schemas.microsoft.com/office/drawing/2014/main" xmlns="" id="{72FDEA5D-1B29-4EC5-A29E-167DEA85C8B2}"/>
               </a:ext>
             </a:extLst>
           </p:cNvPr>
@@ -32972,7 +36040,7 @@
           <p:cNvPr id="4" name="ZoneTexte 3">
             <a:extLst>
               <a:ext uri="{FF2B5EF4-FFF2-40B4-BE49-F238E27FC236}">
-                <a16:creationId xmlns:a16="http://schemas.microsoft.com/office/drawing/2014/main" id="{6BD30E8D-5856-4071-99FD-F0053105270F}"/>
+                <a16:creationId xmlns:a16="http://schemas.microsoft.com/office/drawing/2014/main" xmlns="" id="{6BD30E8D-5856-4071-99FD-F0053105270F}"/>
               </a:ext>
             </a:extLst>
           </p:cNvPr>
@@ -33077,7 +36145,7 @@
           <p:cNvPr id="5" name="Connecteur droit avec flèche 4">
             <a:extLst>
               <a:ext uri="{FF2B5EF4-FFF2-40B4-BE49-F238E27FC236}">
-                <a16:creationId xmlns:a16="http://schemas.microsoft.com/office/drawing/2014/main" id="{E1C9D7A5-A4A2-4585-ABDD-8B61589ABBA1}"/>
+                <a16:creationId xmlns:a16="http://schemas.microsoft.com/office/drawing/2014/main" xmlns="" id="{E1C9D7A5-A4A2-4585-ABDD-8B61589ABBA1}"/>
               </a:ext>
             </a:extLst>
           </p:cNvPr>
@@ -33121,7 +36189,7 @@
           <p:cNvPr id="15" name="Connecteur droit avec flèche 14">
             <a:extLst>
               <a:ext uri="{FF2B5EF4-FFF2-40B4-BE49-F238E27FC236}">
-                <a16:creationId xmlns:a16="http://schemas.microsoft.com/office/drawing/2014/main" id="{265C6293-2567-4F4F-8186-011757E21354}"/>
+                <a16:creationId xmlns:a16="http://schemas.microsoft.com/office/drawing/2014/main" xmlns="" id="{265C6293-2567-4F4F-8186-011757E21354}"/>
               </a:ext>
             </a:extLst>
           </p:cNvPr>
@@ -33165,7 +36233,7 @@
           <p:cNvPr id="17" name="Connecteur droit avec flèche 16">
             <a:extLst>
               <a:ext uri="{FF2B5EF4-FFF2-40B4-BE49-F238E27FC236}">
-                <a16:creationId xmlns:a16="http://schemas.microsoft.com/office/drawing/2014/main" id="{4EF0D42B-7D85-4D54-B6CB-150463BBF2D5}"/>
+                <a16:creationId xmlns:a16="http://schemas.microsoft.com/office/drawing/2014/main" xmlns="" id="{4EF0D42B-7D85-4D54-B6CB-150463BBF2D5}"/>
               </a:ext>
             </a:extLst>
           </p:cNvPr>
